--- a/final_presentation/Presentation.pptx
+++ b/final_presentation/Presentation.pptx
@@ -13,10 +13,10 @@
     <p:sldMasterId id="2147483849" r:id="rId9"/>
   </p:sldMasterIdLst>
   <p:notesMasterIdLst>
-    <p:notesMasterId r:id="rId20"/>
+    <p:notesMasterId r:id="rId19"/>
   </p:notesMasterIdLst>
   <p:handoutMasterIdLst>
-    <p:handoutMasterId r:id="rId21"/>
+    <p:handoutMasterId r:id="rId20"/>
   </p:handoutMasterIdLst>
   <p:sldIdLst>
     <p:sldId id="268" r:id="rId10"/>
@@ -24,11 +24,10 @@
     <p:sldId id="276" r:id="rId12"/>
     <p:sldId id="277" r:id="rId13"/>
     <p:sldId id="278" r:id="rId14"/>
-    <p:sldId id="273" r:id="rId15"/>
-    <p:sldId id="274" r:id="rId16"/>
-    <p:sldId id="275" r:id="rId17"/>
-    <p:sldId id="266" r:id="rId18"/>
-    <p:sldId id="267" r:id="rId19"/>
+    <p:sldId id="279" r:id="rId15"/>
+    <p:sldId id="280" r:id="rId16"/>
+    <p:sldId id="281" r:id="rId17"/>
+    <p:sldId id="282" r:id="rId18"/>
   </p:sldIdLst>
   <p:sldSz cx="12187238" cy="6858000"/>
   <p:notesSz cx="7099300" cy="10234613"/>
@@ -359,7 +358,7 @@
               <a:rPr lang="de-DE" smtClean="0">
                 <a:latin typeface="Arial" panose="020B0604020202020204" pitchFamily="34" charset="0"/>
               </a:rPr>
-              <a:t>‹N›</a:t>
+              <a:t>‹N°›</a:t>
             </a:fld>
             <a:endParaRPr lang="de-DE" dirty="0">
               <a:latin typeface="Arial" panose="020B0604020202020204" pitchFamily="34" charset="0"/>
@@ -630,7 +629,7 @@
             <a:fld id="{A51C0C35-A9A2-4EFD-9BAF-1E52E29E03D1}" type="slidenum">
               <a:rPr lang="de-CH" smtClean="0"/>
               <a:pPr/>
-              <a:t>‹N›</a:t>
+              <a:t>‹N°›</a:t>
             </a:fld>
             <a:endParaRPr lang="de-CH" dirty="0"/>
           </a:p>
@@ -919,7 +918,7 @@
           <a:p>
             <a:fld id="{6C6AE60A-B69C-4790-82F7-3882EDF23186}" type="slidenum">
               <a:rPr lang="en-GB" smtClean="0"/>
-              <a:t>‹N›</a:t>
+              <a:t>‹N°›</a:t>
             </a:fld>
             <a:endParaRPr lang="en-GB" dirty="0"/>
           </a:p>
@@ -1211,7 +1210,7 @@
           <a:p>
             <a:fld id="{6C6AE60A-B69C-4790-82F7-3882EDF23186}" type="slidenum">
               <a:rPr lang="en-GB" smtClean="0"/>
-              <a:t>‹N›</a:t>
+              <a:t>‹N°›</a:t>
             </a:fld>
             <a:endParaRPr lang="en-GB" dirty="0"/>
           </a:p>
@@ -1572,7 +1571,7 @@
           <a:p>
             <a:fld id="{6C6AE60A-B69C-4790-82F7-3882EDF23186}" type="slidenum">
               <a:rPr lang="en-GB" smtClean="0"/>
-              <a:t>‹N›</a:t>
+              <a:t>‹N°›</a:t>
             </a:fld>
             <a:endParaRPr lang="en-GB" dirty="0"/>
           </a:p>
@@ -1871,7 +1870,7 @@
           <a:p>
             <a:fld id="{6C6AE60A-B69C-4790-82F7-3882EDF23186}" type="slidenum">
               <a:rPr lang="en-GB" smtClean="0"/>
-              <a:t>‹N›</a:t>
+              <a:t>‹N°›</a:t>
             </a:fld>
             <a:endParaRPr lang="en-GB" dirty="0"/>
           </a:p>
@@ -3143,7 +3142,7 @@
           <a:p>
             <a:fld id="{6C6AE60A-B69C-4790-82F7-3882EDF23186}" type="slidenum">
               <a:rPr lang="en-GB" smtClean="0"/>
-              <a:t>‹N›</a:t>
+              <a:t>‹N°›</a:t>
             </a:fld>
             <a:endParaRPr lang="en-GB" dirty="0"/>
           </a:p>
@@ -3553,7 +3552,7 @@
           <a:p>
             <a:fld id="{6C6AE60A-B69C-4790-82F7-3882EDF23186}" type="slidenum">
               <a:rPr lang="en-GB" smtClean="0"/>
-              <a:t>‹N›</a:t>
+              <a:t>‹N°›</a:t>
             </a:fld>
             <a:endParaRPr lang="en-GB" dirty="0"/>
           </a:p>
@@ -3689,7 +3688,7 @@
           <a:p>
             <a:fld id="{6C6AE60A-B69C-4790-82F7-3882EDF23186}" type="slidenum">
               <a:rPr lang="en-GB" smtClean="0"/>
-              <a:t>‹N›</a:t>
+              <a:t>‹N°›</a:t>
             </a:fld>
             <a:endParaRPr lang="en-GB" dirty="0"/>
           </a:p>
@@ -3822,7 +3821,7 @@
           <a:p>
             <a:fld id="{6C6AE60A-B69C-4790-82F7-3882EDF23186}" type="slidenum">
               <a:rPr lang="en-GB" smtClean="0"/>
-              <a:t>‹N›</a:t>
+              <a:t>‹N°›</a:t>
             </a:fld>
             <a:endParaRPr lang="en-GB" dirty="0"/>
           </a:p>
@@ -4003,7 +4002,7 @@
           <a:p>
             <a:fld id="{6C6AE60A-B69C-4790-82F7-3882EDF23186}" type="slidenum">
               <a:rPr lang="en-GB" smtClean="0"/>
-              <a:t>‹N›</a:t>
+              <a:t>‹N°›</a:t>
             </a:fld>
             <a:endParaRPr lang="en-GB" dirty="0"/>
           </a:p>
@@ -4234,7 +4233,7 @@
           <a:p>
             <a:fld id="{6C6AE60A-B69C-4790-82F7-3882EDF23186}" type="slidenum">
               <a:rPr lang="en-GB" smtClean="0"/>
-              <a:t>‹N›</a:t>
+              <a:t>‹N°›</a:t>
             </a:fld>
             <a:endParaRPr lang="en-GB" dirty="0"/>
           </a:p>
@@ -4595,7 +4594,7 @@
           <a:p>
             <a:fld id="{6C6AE60A-B69C-4790-82F7-3882EDF23186}" type="slidenum">
               <a:rPr lang="en-GB" smtClean="0"/>
-              <a:t>‹N›</a:t>
+              <a:t>‹N°›</a:t>
             </a:fld>
             <a:endParaRPr lang="en-GB" dirty="0"/>
           </a:p>
@@ -4898,7 +4897,7 @@
           <a:p>
             <a:fld id="{6C6AE60A-B69C-4790-82F7-3882EDF23186}" type="slidenum">
               <a:rPr lang="en-GB" smtClean="0"/>
-              <a:t>‹N›</a:t>
+              <a:t>‹N°›</a:t>
             </a:fld>
             <a:endParaRPr lang="en-GB" dirty="0"/>
           </a:p>
@@ -5197,7 +5196,7 @@
           <a:p>
             <a:fld id="{6C6AE60A-B69C-4790-82F7-3882EDF23186}" type="slidenum">
               <a:rPr lang="en-GB" smtClean="0"/>
-              <a:t>‹N›</a:t>
+              <a:t>‹N°›</a:t>
             </a:fld>
             <a:endParaRPr lang="en-GB" dirty="0"/>
           </a:p>
@@ -6469,7 +6468,7 @@
           <a:p>
             <a:fld id="{6C6AE60A-B69C-4790-82F7-3882EDF23186}" type="slidenum">
               <a:rPr lang="en-GB" smtClean="0"/>
-              <a:t>‹N›</a:t>
+              <a:t>‹N°›</a:t>
             </a:fld>
             <a:endParaRPr lang="en-GB" dirty="0"/>
           </a:p>
@@ -6879,7 +6878,7 @@
           <a:p>
             <a:fld id="{6C6AE60A-B69C-4790-82F7-3882EDF23186}" type="slidenum">
               <a:rPr lang="en-GB" smtClean="0"/>
-              <a:t>‹N›</a:t>
+              <a:t>‹N°›</a:t>
             </a:fld>
             <a:endParaRPr lang="en-GB" dirty="0"/>
           </a:p>
@@ -7015,7 +7014,7 @@
           <a:p>
             <a:fld id="{6C6AE60A-B69C-4790-82F7-3882EDF23186}" type="slidenum">
               <a:rPr lang="en-GB" smtClean="0"/>
-              <a:t>‹N›</a:t>
+              <a:t>‹N°›</a:t>
             </a:fld>
             <a:endParaRPr lang="en-GB" dirty="0"/>
           </a:p>
@@ -7148,7 +7147,7 @@
           <a:p>
             <a:fld id="{6C6AE60A-B69C-4790-82F7-3882EDF23186}" type="slidenum">
               <a:rPr lang="en-GB" smtClean="0"/>
-              <a:t>‹N›</a:t>
+              <a:t>‹N°›</a:t>
             </a:fld>
             <a:endParaRPr lang="en-GB" dirty="0"/>
           </a:p>
@@ -7329,7 +7328,7 @@
           <a:p>
             <a:fld id="{6C6AE60A-B69C-4790-82F7-3882EDF23186}" type="slidenum">
               <a:rPr lang="en-GB" smtClean="0"/>
-              <a:t>‹N›</a:t>
+              <a:t>‹N°›</a:t>
             </a:fld>
             <a:endParaRPr lang="en-GB" dirty="0"/>
           </a:p>
@@ -7560,7 +7559,7 @@
           <a:p>
             <a:fld id="{6C6AE60A-B69C-4790-82F7-3882EDF23186}" type="slidenum">
               <a:rPr lang="en-GB" smtClean="0"/>
-              <a:t>‹N›</a:t>
+              <a:t>‹N°›</a:t>
             </a:fld>
             <a:endParaRPr lang="en-GB" dirty="0"/>
           </a:p>
@@ -7921,7 +7920,7 @@
           <a:p>
             <a:fld id="{6C6AE60A-B69C-4790-82F7-3882EDF23186}" type="slidenum">
               <a:rPr lang="en-GB" smtClean="0"/>
-              <a:t>‹N›</a:t>
+              <a:t>‹N°›</a:t>
             </a:fld>
             <a:endParaRPr lang="en-GB" dirty="0"/>
           </a:p>
@@ -8220,7 +8219,7 @@
           <a:p>
             <a:fld id="{6C6AE60A-B69C-4790-82F7-3882EDF23186}" type="slidenum">
               <a:rPr lang="en-GB" smtClean="0"/>
-              <a:t>‹N›</a:t>
+              <a:t>‹N°›</a:t>
             </a:fld>
             <a:endParaRPr lang="en-GB" dirty="0"/>
           </a:p>
@@ -8524,7 +8523,7 @@
           <a:p>
             <a:fld id="{6C6AE60A-B69C-4790-82F7-3882EDF23186}" type="slidenum">
               <a:rPr lang="en-GB" smtClean="0"/>
-              <a:t>‹N›</a:t>
+              <a:t>‹N°›</a:t>
             </a:fld>
             <a:endParaRPr lang="en-GB" dirty="0"/>
           </a:p>
@@ -9796,7 +9795,7 @@
           <a:p>
             <a:fld id="{6C6AE60A-B69C-4790-82F7-3882EDF23186}" type="slidenum">
               <a:rPr lang="en-GB" smtClean="0"/>
-              <a:t>‹N›</a:t>
+              <a:t>‹N°›</a:t>
             </a:fld>
             <a:endParaRPr lang="en-GB" dirty="0"/>
           </a:p>
@@ -10206,7 +10205,7 @@
           <a:p>
             <a:fld id="{6C6AE60A-B69C-4790-82F7-3882EDF23186}" type="slidenum">
               <a:rPr lang="en-GB" smtClean="0"/>
-              <a:t>‹N›</a:t>
+              <a:t>‹N°›</a:t>
             </a:fld>
             <a:endParaRPr lang="en-GB" dirty="0"/>
           </a:p>
@@ -10342,7 +10341,7 @@
           <a:p>
             <a:fld id="{6C6AE60A-B69C-4790-82F7-3882EDF23186}" type="slidenum">
               <a:rPr lang="en-GB" smtClean="0"/>
-              <a:t>‹N›</a:t>
+              <a:t>‹N°›</a:t>
             </a:fld>
             <a:endParaRPr lang="en-GB" dirty="0"/>
           </a:p>
@@ -10475,7 +10474,7 @@
           <a:p>
             <a:fld id="{6C6AE60A-B69C-4790-82F7-3882EDF23186}" type="slidenum">
               <a:rPr lang="en-GB" smtClean="0"/>
-              <a:t>‹N›</a:t>
+              <a:t>‹N°›</a:t>
             </a:fld>
             <a:endParaRPr lang="en-GB" dirty="0"/>
           </a:p>
@@ -10656,7 +10655,7 @@
           <a:p>
             <a:fld id="{6C6AE60A-B69C-4790-82F7-3882EDF23186}" type="slidenum">
               <a:rPr lang="en-GB" smtClean="0"/>
-              <a:t>‹N›</a:t>
+              <a:t>‹N°›</a:t>
             </a:fld>
             <a:endParaRPr lang="en-GB" dirty="0"/>
           </a:p>
@@ -10887,7 +10886,7 @@
           <a:p>
             <a:fld id="{6C6AE60A-B69C-4790-82F7-3882EDF23186}" type="slidenum">
               <a:rPr lang="en-GB" smtClean="0"/>
-              <a:t>‹N›</a:t>
+              <a:t>‹N°›</a:t>
             </a:fld>
             <a:endParaRPr lang="en-GB" dirty="0"/>
           </a:p>
@@ -11248,7 +11247,7 @@
           <a:p>
             <a:fld id="{6C6AE60A-B69C-4790-82F7-3882EDF23186}" type="slidenum">
               <a:rPr lang="en-GB" smtClean="0"/>
-              <a:t>‹N›</a:t>
+              <a:t>‹N°›</a:t>
             </a:fld>
             <a:endParaRPr lang="en-GB" dirty="0"/>
           </a:p>
@@ -11547,7 +11546,7 @@
           <a:p>
             <a:fld id="{6C6AE60A-B69C-4790-82F7-3882EDF23186}" type="slidenum">
               <a:rPr lang="en-GB" smtClean="0"/>
-              <a:t>‹N›</a:t>
+              <a:t>‹N°›</a:t>
             </a:fld>
             <a:endParaRPr lang="en-GB" dirty="0"/>
           </a:p>
@@ -13846,7 +13845,7 @@
           <a:p>
             <a:fld id="{6C6AE60A-B69C-4790-82F7-3882EDF23186}" type="slidenum">
               <a:rPr lang="en-GB" smtClean="0"/>
-              <a:t>‹N›</a:t>
+              <a:t>‹N°›</a:t>
             </a:fld>
             <a:endParaRPr lang="en-GB" dirty="0"/>
           </a:p>
@@ -14256,7 +14255,7 @@
           <a:p>
             <a:fld id="{6C6AE60A-B69C-4790-82F7-3882EDF23186}" type="slidenum">
               <a:rPr lang="en-GB" smtClean="0"/>
-              <a:t>‹N›</a:t>
+              <a:t>‹N°›</a:t>
             </a:fld>
             <a:endParaRPr lang="en-GB" dirty="0"/>
           </a:p>
@@ -14392,7 +14391,7 @@
           <a:p>
             <a:fld id="{6C6AE60A-B69C-4790-82F7-3882EDF23186}" type="slidenum">
               <a:rPr lang="en-GB" smtClean="0"/>
-              <a:t>‹N›</a:t>
+              <a:t>‹N°›</a:t>
             </a:fld>
             <a:endParaRPr lang="en-GB" dirty="0"/>
           </a:p>
@@ -14525,7 +14524,7 @@
           <a:p>
             <a:fld id="{6C6AE60A-B69C-4790-82F7-3882EDF23186}" type="slidenum">
               <a:rPr lang="en-GB" smtClean="0"/>
-              <a:t>‹N›</a:t>
+              <a:t>‹N°›</a:t>
             </a:fld>
             <a:endParaRPr lang="en-GB" dirty="0"/>
           </a:p>
@@ -14706,7 +14705,7 @@
           <a:p>
             <a:fld id="{6C6AE60A-B69C-4790-82F7-3882EDF23186}" type="slidenum">
               <a:rPr lang="en-GB" smtClean="0"/>
-              <a:t>‹N›</a:t>
+              <a:t>‹N°›</a:t>
             </a:fld>
             <a:endParaRPr lang="en-GB" dirty="0"/>
           </a:p>
@@ -14937,7 +14936,7 @@
           <a:p>
             <a:fld id="{6C6AE60A-B69C-4790-82F7-3882EDF23186}" type="slidenum">
               <a:rPr lang="en-GB" smtClean="0"/>
-              <a:t>‹N›</a:t>
+              <a:t>‹N°›</a:t>
             </a:fld>
             <a:endParaRPr lang="en-GB" dirty="0"/>
           </a:p>
@@ -15298,7 +15297,7 @@
           <a:p>
             <a:fld id="{6C6AE60A-B69C-4790-82F7-3882EDF23186}" type="slidenum">
               <a:rPr lang="en-GB" smtClean="0"/>
-              <a:t>‹N›</a:t>
+              <a:t>‹N°›</a:t>
             </a:fld>
             <a:endParaRPr lang="en-GB" dirty="0"/>
           </a:p>
@@ -15597,7 +15596,7 @@
           <a:p>
             <a:fld id="{6C6AE60A-B69C-4790-82F7-3882EDF23186}" type="slidenum">
               <a:rPr lang="en-GB" smtClean="0"/>
-              <a:t>‹N›</a:t>
+              <a:t>‹N°›</a:t>
             </a:fld>
             <a:endParaRPr lang="en-GB" dirty="0"/>
           </a:p>
@@ -16869,7 +16868,7 @@
           <a:p>
             <a:fld id="{6C6AE60A-B69C-4790-82F7-3882EDF23186}" type="slidenum">
               <a:rPr lang="en-GB" smtClean="0"/>
-              <a:t>‹N›</a:t>
+              <a:t>‹N°›</a:t>
             </a:fld>
             <a:endParaRPr lang="en-GB" dirty="0"/>
           </a:p>
@@ -17105,7 +17104,7 @@
           <a:p>
             <a:fld id="{6C6AE60A-B69C-4790-82F7-3882EDF23186}" type="slidenum">
               <a:rPr lang="en-GB" smtClean="0"/>
-              <a:t>‹N›</a:t>
+              <a:t>‹N°›</a:t>
             </a:fld>
             <a:endParaRPr lang="en-GB" dirty="0"/>
           </a:p>
@@ -17515,7 +17514,7 @@
           <a:p>
             <a:fld id="{6C6AE60A-B69C-4790-82F7-3882EDF23186}" type="slidenum">
               <a:rPr lang="en-GB" smtClean="0"/>
-              <a:t>‹N›</a:t>
+              <a:t>‹N°›</a:t>
             </a:fld>
             <a:endParaRPr lang="en-GB" dirty="0"/>
           </a:p>
@@ -17651,7 +17650,7 @@
           <a:p>
             <a:fld id="{6C6AE60A-B69C-4790-82F7-3882EDF23186}" type="slidenum">
               <a:rPr lang="en-GB" smtClean="0"/>
-              <a:t>‹N›</a:t>
+              <a:t>‹N°›</a:t>
             </a:fld>
             <a:endParaRPr lang="en-GB" dirty="0"/>
           </a:p>
@@ -17784,7 +17783,7 @@
           <a:p>
             <a:fld id="{6C6AE60A-B69C-4790-82F7-3882EDF23186}" type="slidenum">
               <a:rPr lang="en-GB" smtClean="0"/>
-              <a:t>‹N›</a:t>
+              <a:t>‹N°›</a:t>
             </a:fld>
             <a:endParaRPr lang="en-GB" dirty="0"/>
           </a:p>
@@ -17965,7 +17964,7 @@
           <a:p>
             <a:fld id="{6C6AE60A-B69C-4790-82F7-3882EDF23186}" type="slidenum">
               <a:rPr lang="en-GB" smtClean="0"/>
-              <a:t>‹N›</a:t>
+              <a:t>‹N°›</a:t>
             </a:fld>
             <a:endParaRPr lang="en-GB" dirty="0"/>
           </a:p>
@@ -18196,7 +18195,7 @@
           <a:p>
             <a:fld id="{6C6AE60A-B69C-4790-82F7-3882EDF23186}" type="slidenum">
               <a:rPr lang="en-GB" smtClean="0"/>
-              <a:t>‹N›</a:t>
+              <a:t>‹N°›</a:t>
             </a:fld>
             <a:endParaRPr lang="en-GB" dirty="0"/>
           </a:p>
@@ -18557,7 +18556,7 @@
           <a:p>
             <a:fld id="{6C6AE60A-B69C-4790-82F7-3882EDF23186}" type="slidenum">
               <a:rPr lang="en-GB" smtClean="0"/>
-              <a:t>‹N›</a:t>
+              <a:t>‹N°›</a:t>
             </a:fld>
             <a:endParaRPr lang="en-GB" dirty="0"/>
           </a:p>
@@ -18856,7 +18855,7 @@
           <a:p>
             <a:fld id="{6C6AE60A-B69C-4790-82F7-3882EDF23186}" type="slidenum">
               <a:rPr lang="en-GB" smtClean="0"/>
-              <a:t>‹N›</a:t>
+              <a:t>‹N°›</a:t>
             </a:fld>
             <a:endParaRPr lang="en-GB" dirty="0"/>
           </a:p>
@@ -20128,7 +20127,7 @@
           <a:p>
             <a:fld id="{6C6AE60A-B69C-4790-82F7-3882EDF23186}" type="slidenum">
               <a:rPr lang="en-GB" smtClean="0"/>
-              <a:t>‹N›</a:t>
+              <a:t>‹N°›</a:t>
             </a:fld>
             <a:endParaRPr lang="en-GB" dirty="0"/>
           </a:p>
@@ -20538,7 +20537,7 @@
           <a:p>
             <a:fld id="{6C6AE60A-B69C-4790-82F7-3882EDF23186}" type="slidenum">
               <a:rPr lang="en-GB" smtClean="0"/>
-              <a:t>‹N›</a:t>
+              <a:t>‹N°›</a:t>
             </a:fld>
             <a:endParaRPr lang="en-GB" dirty="0"/>
           </a:p>
@@ -20943,7 +20942,7 @@
           <a:p>
             <a:fld id="{6C6AE60A-B69C-4790-82F7-3882EDF23186}" type="slidenum">
               <a:rPr lang="en-GB" smtClean="0"/>
-              <a:t>‹N›</a:t>
+              <a:t>‹N°›</a:t>
             </a:fld>
             <a:endParaRPr lang="en-GB" dirty="0"/>
           </a:p>
@@ -21079,7 +21078,7 @@
           <a:p>
             <a:fld id="{6C6AE60A-B69C-4790-82F7-3882EDF23186}" type="slidenum">
               <a:rPr lang="en-GB" smtClean="0"/>
-              <a:t>‹N›</a:t>
+              <a:t>‹N°›</a:t>
             </a:fld>
             <a:endParaRPr lang="en-GB" dirty="0"/>
           </a:p>
@@ -21212,7 +21211,7 @@
           <a:p>
             <a:fld id="{6C6AE60A-B69C-4790-82F7-3882EDF23186}" type="slidenum">
               <a:rPr lang="en-GB" smtClean="0"/>
-              <a:t>‹N›</a:t>
+              <a:t>‹N°›</a:t>
             </a:fld>
             <a:endParaRPr lang="en-GB" dirty="0"/>
           </a:p>
@@ -21393,7 +21392,7 @@
           <a:p>
             <a:fld id="{6C6AE60A-B69C-4790-82F7-3882EDF23186}" type="slidenum">
               <a:rPr lang="en-GB" smtClean="0"/>
-              <a:t>‹N›</a:t>
+              <a:t>‹N°›</a:t>
             </a:fld>
             <a:endParaRPr lang="en-GB" dirty="0"/>
           </a:p>
@@ -21624,7 +21623,7 @@
           <a:p>
             <a:fld id="{6C6AE60A-B69C-4790-82F7-3882EDF23186}" type="slidenum">
               <a:rPr lang="en-GB" smtClean="0"/>
-              <a:t>‹N›</a:t>
+              <a:t>‹N°›</a:t>
             </a:fld>
             <a:endParaRPr lang="en-GB" dirty="0"/>
           </a:p>
@@ -21985,7 +21984,7 @@
           <a:p>
             <a:fld id="{6C6AE60A-B69C-4790-82F7-3882EDF23186}" type="slidenum">
               <a:rPr lang="en-GB" smtClean="0"/>
-              <a:t>‹N›</a:t>
+              <a:t>‹N°›</a:t>
             </a:fld>
             <a:endParaRPr lang="en-GB" dirty="0"/>
           </a:p>
@@ -22284,7 +22283,7 @@
           <a:p>
             <a:fld id="{6C6AE60A-B69C-4790-82F7-3882EDF23186}" type="slidenum">
               <a:rPr lang="en-GB" smtClean="0"/>
-              <a:t>‹N›</a:t>
+              <a:t>‹N°›</a:t>
             </a:fld>
             <a:endParaRPr lang="en-GB" dirty="0"/>
           </a:p>
@@ -23556,7 +23555,7 @@
           <a:p>
             <a:fld id="{6C6AE60A-B69C-4790-82F7-3882EDF23186}" type="slidenum">
               <a:rPr lang="en-GB" smtClean="0"/>
-              <a:t>‹N›</a:t>
+              <a:t>‹N°›</a:t>
             </a:fld>
             <a:endParaRPr lang="en-GB" dirty="0"/>
           </a:p>
@@ -23966,7 +23965,7 @@
           <a:p>
             <a:fld id="{6C6AE60A-B69C-4790-82F7-3882EDF23186}" type="slidenum">
               <a:rPr lang="en-GB" smtClean="0"/>
-              <a:t>‹N›</a:t>
+              <a:t>‹N°›</a:t>
             </a:fld>
             <a:endParaRPr lang="en-GB" dirty="0"/>
           </a:p>
@@ -24102,7 +24101,7 @@
           <a:p>
             <a:fld id="{6C6AE60A-B69C-4790-82F7-3882EDF23186}" type="slidenum">
               <a:rPr lang="en-GB" smtClean="0"/>
-              <a:t>‹N›</a:t>
+              <a:t>‹N°›</a:t>
             </a:fld>
             <a:endParaRPr lang="en-GB" dirty="0"/>
           </a:p>
@@ -24230,7 +24229,7 @@
           <a:p>
             <a:fld id="{6C6AE60A-B69C-4790-82F7-3882EDF23186}" type="slidenum">
               <a:rPr lang="en-GB" smtClean="0"/>
-              <a:t>‹N›</a:t>
+              <a:t>‹N°›</a:t>
             </a:fld>
             <a:endParaRPr lang="en-GB" dirty="0"/>
           </a:p>
@@ -24363,7 +24362,7 @@
           <a:p>
             <a:fld id="{6C6AE60A-B69C-4790-82F7-3882EDF23186}" type="slidenum">
               <a:rPr lang="en-GB" smtClean="0"/>
-              <a:t>‹N›</a:t>
+              <a:t>‹N°›</a:t>
             </a:fld>
             <a:endParaRPr lang="en-GB" dirty="0"/>
           </a:p>
@@ -24544,7 +24543,7 @@
           <a:p>
             <a:fld id="{6C6AE60A-B69C-4790-82F7-3882EDF23186}" type="slidenum">
               <a:rPr lang="en-GB" smtClean="0"/>
-              <a:t>‹N›</a:t>
+              <a:t>‹N°›</a:t>
             </a:fld>
             <a:endParaRPr lang="en-GB" dirty="0"/>
           </a:p>
@@ -24775,7 +24774,7 @@
           <a:p>
             <a:fld id="{6C6AE60A-B69C-4790-82F7-3882EDF23186}" type="slidenum">
               <a:rPr lang="en-GB" smtClean="0"/>
-              <a:t>‹N›</a:t>
+              <a:t>‹N°›</a:t>
             </a:fld>
             <a:endParaRPr lang="en-GB" dirty="0"/>
           </a:p>
@@ -25136,7 +25135,7 @@
           <a:p>
             <a:fld id="{6C6AE60A-B69C-4790-82F7-3882EDF23186}" type="slidenum">
               <a:rPr lang="en-GB" smtClean="0"/>
-              <a:t>‹N›</a:t>
+              <a:t>‹N°›</a:t>
             </a:fld>
             <a:endParaRPr lang="en-GB" dirty="0"/>
           </a:p>
@@ -25435,7 +25434,7 @@
           <a:p>
             <a:fld id="{6C6AE60A-B69C-4790-82F7-3882EDF23186}" type="slidenum">
               <a:rPr lang="en-GB" smtClean="0"/>
-              <a:t>‹N›</a:t>
+              <a:t>‹N°›</a:t>
             </a:fld>
             <a:endParaRPr lang="en-GB" dirty="0"/>
           </a:p>
@@ -26707,7 +26706,7 @@
           <a:p>
             <a:fld id="{6C6AE60A-B69C-4790-82F7-3882EDF23186}" type="slidenum">
               <a:rPr lang="en-GB" smtClean="0"/>
-              <a:t>‹N›</a:t>
+              <a:t>‹N°›</a:t>
             </a:fld>
             <a:endParaRPr lang="en-GB" dirty="0"/>
           </a:p>
@@ -27117,7 +27116,7 @@
           <a:p>
             <a:fld id="{6C6AE60A-B69C-4790-82F7-3882EDF23186}" type="slidenum">
               <a:rPr lang="en-GB" smtClean="0"/>
-              <a:t>‹N›</a:t>
+              <a:t>‹N°›</a:t>
             </a:fld>
             <a:endParaRPr lang="en-GB" dirty="0"/>
           </a:p>
@@ -27253,7 +27252,7 @@
           <a:p>
             <a:fld id="{6C6AE60A-B69C-4790-82F7-3882EDF23186}" type="slidenum">
               <a:rPr lang="en-GB" smtClean="0"/>
-              <a:t>‹N›</a:t>
+              <a:t>‹N°›</a:t>
             </a:fld>
             <a:endParaRPr lang="en-GB" dirty="0"/>
           </a:p>
@@ -27386,7 +27385,7 @@
           <a:p>
             <a:fld id="{6C6AE60A-B69C-4790-82F7-3882EDF23186}" type="slidenum">
               <a:rPr lang="en-GB" smtClean="0"/>
-              <a:t>‹N›</a:t>
+              <a:t>‹N°›</a:t>
             </a:fld>
             <a:endParaRPr lang="en-GB" dirty="0"/>
           </a:p>
@@ -27521,7 +27520,7 @@
           <a:p>
             <a:fld id="{6C6AE60A-B69C-4790-82F7-3882EDF23186}" type="slidenum">
               <a:rPr lang="en-GB" smtClean="0"/>
-              <a:t>‹N›</a:t>
+              <a:t>‹N°›</a:t>
             </a:fld>
             <a:endParaRPr lang="en-GB" dirty="0"/>
           </a:p>
@@ -27702,7 +27701,7 @@
           <a:p>
             <a:fld id="{6C6AE60A-B69C-4790-82F7-3882EDF23186}" type="slidenum">
               <a:rPr lang="en-GB" smtClean="0"/>
-              <a:t>‹N›</a:t>
+              <a:t>‹N°›</a:t>
             </a:fld>
             <a:endParaRPr lang="en-GB" dirty="0"/>
           </a:p>
@@ -27880,7 +27879,7 @@
           <a:p>
             <a:fld id="{6C6AE60A-B69C-4790-82F7-3882EDF23186}" type="slidenum">
               <a:rPr lang="en-GB" smtClean="0"/>
-              <a:t>‹N›</a:t>
+              <a:t>‹N°›</a:t>
             </a:fld>
             <a:endParaRPr lang="en-GB" dirty="0"/>
           </a:p>
@@ -28755,7 +28754,7 @@
             <a:fld id="{6C6AE60A-B69C-4790-82F7-3882EDF23186}" type="slidenum">
               <a:rPr lang="en-GB" smtClean="0"/>
               <a:pPr/>
-              <a:t>‹N›</a:t>
+              <a:t>‹N°›</a:t>
             </a:fld>
             <a:endParaRPr lang="en-GB" dirty="0"/>
           </a:p>
@@ -30231,7 +30230,7 @@
             <a:fld id="{6C6AE60A-B69C-4790-82F7-3882EDF23186}" type="slidenum">
               <a:rPr lang="en-GB" smtClean="0"/>
               <a:pPr/>
-              <a:t>‹N›</a:t>
+              <a:t>‹N°›</a:t>
             </a:fld>
             <a:endParaRPr lang="en-GB" dirty="0"/>
           </a:p>
@@ -31718,7 +31717,7 @@
             <a:fld id="{6C6AE60A-B69C-4790-82F7-3882EDF23186}" type="slidenum">
               <a:rPr lang="en-GB" smtClean="0"/>
               <a:pPr/>
-              <a:t>‹N›</a:t>
+              <a:t>‹N°›</a:t>
             </a:fld>
             <a:endParaRPr lang="en-GB" dirty="0"/>
           </a:p>
@@ -33205,7 +33204,7 @@
             <a:fld id="{6C6AE60A-B69C-4790-82F7-3882EDF23186}" type="slidenum">
               <a:rPr lang="en-GB" smtClean="0"/>
               <a:pPr/>
-              <a:t>‹N›</a:t>
+              <a:t>‹N°›</a:t>
             </a:fld>
             <a:endParaRPr lang="en-GB" dirty="0"/>
           </a:p>
@@ -34692,7 +34691,7 @@
             <a:fld id="{6C6AE60A-B69C-4790-82F7-3882EDF23186}" type="slidenum">
               <a:rPr lang="en-GB" smtClean="0"/>
               <a:pPr/>
-              <a:t>‹N›</a:t>
+              <a:t>‹N°›</a:t>
             </a:fld>
             <a:endParaRPr lang="en-GB" dirty="0"/>
           </a:p>
@@ -36179,7 +36178,7 @@
             <a:fld id="{6C6AE60A-B69C-4790-82F7-3882EDF23186}" type="slidenum">
               <a:rPr lang="en-GB" smtClean="0"/>
               <a:pPr/>
-              <a:t>‹N›</a:t>
+              <a:t>‹N°›</a:t>
             </a:fld>
             <a:endParaRPr lang="en-GB" dirty="0"/>
           </a:p>
@@ -37666,7 +37665,7 @@
             <a:fld id="{6C6AE60A-B69C-4790-82F7-3882EDF23186}" type="slidenum">
               <a:rPr lang="en-GB" smtClean="0"/>
               <a:pPr/>
-              <a:t>‹N›</a:t>
+              <a:t>‹N°›</a:t>
             </a:fld>
             <a:endParaRPr lang="en-GB" dirty="0"/>
           </a:p>
@@ -39153,7 +39152,7 @@
             <a:fld id="{6C6AE60A-B69C-4790-82F7-3882EDF23186}" type="slidenum">
               <a:rPr lang="en-GB" smtClean="0"/>
               <a:pPr/>
-              <a:t>‹N›</a:t>
+              <a:t>‹N°›</a:t>
             </a:fld>
             <a:endParaRPr lang="en-GB" dirty="0"/>
           </a:p>
@@ -40640,7 +40639,7 @@
             <a:fld id="{6C6AE60A-B69C-4790-82F7-3882EDF23186}" type="slidenum">
               <a:rPr lang="en-GB" smtClean="0"/>
               <a:pPr/>
-              <a:t>‹N›</a:t>
+              <a:t>‹N°›</a:t>
             </a:fld>
             <a:endParaRPr lang="en-GB" dirty="0"/>
           </a:p>
@@ -41502,109 +41501,6 @@
 </p:sld>
 </file>
 
-<file path=ppt/slides/slide10.xml><?xml version="1.0" encoding="utf-8"?>
-<p:sld xmlns:a="http://schemas.openxmlformats.org/drawingml/2006/main" xmlns:r="http://schemas.openxmlformats.org/officeDocument/2006/relationships" xmlns:p="http://schemas.openxmlformats.org/presentationml/2006/main">
-  <p:cSld>
-    <p:spTree>
-      <p:nvGrpSpPr>
-        <p:cNvPr id="1" name=""/>
-        <p:cNvGrpSpPr/>
-        <p:nvPr/>
-      </p:nvGrpSpPr>
-      <p:grpSpPr>
-        <a:xfrm>
-          <a:off x="0" y="0"/>
-          <a:ext cx="0" cy="0"/>
-          <a:chOff x="0" y="0"/>
-          <a:chExt cx="0" cy="0"/>
-        </a:xfrm>
-      </p:grpSpPr>
-      <p:sp>
-        <p:nvSpPr>
-          <p:cNvPr id="2" name="Datumsplatzhalter 1"/>
-          <p:cNvSpPr>
-            <a:spLocks noGrp="1"/>
-          </p:cNvSpPr>
-          <p:nvPr>
-            <p:ph type="dt" sz="half" idx="10"/>
-          </p:nvPr>
-        </p:nvSpPr>
-        <p:spPr/>
-        <p:txBody>
-          <a:bodyPr/>
-          <a:lstStyle/>
-          <a:p>
-            <a:r>
-              <a:rPr lang="fr-FR"/>
-              <a:t>11.12.2018</a:t>
-            </a:r>
-            <a:endParaRPr lang="en-GB" dirty="0"/>
-          </a:p>
-        </p:txBody>
-      </p:sp>
-      <p:sp>
-        <p:nvSpPr>
-          <p:cNvPr id="3" name="Fußzeilenplatzhalter 2"/>
-          <p:cNvSpPr>
-            <a:spLocks noGrp="1"/>
-          </p:cNvSpPr>
-          <p:nvPr>
-            <p:ph type="ftr" sz="quarter" idx="11"/>
-          </p:nvPr>
-        </p:nvSpPr>
-        <p:spPr/>
-        <p:txBody>
-          <a:bodyPr/>
-          <a:lstStyle/>
-          <a:p>
-            <a:r>
-              <a:rPr lang="en-US"/>
-              <a:t>Arthur Couteau and Marco Torredimare</a:t>
-            </a:r>
-            <a:endParaRPr lang="en-GB" dirty="0"/>
-          </a:p>
-        </p:txBody>
-      </p:sp>
-      <p:sp>
-        <p:nvSpPr>
-          <p:cNvPr id="4" name="Foliennummernplatzhalter 3"/>
-          <p:cNvSpPr>
-            <a:spLocks noGrp="1"/>
-          </p:cNvSpPr>
-          <p:nvPr>
-            <p:ph type="sldNum" sz="quarter" idx="12"/>
-          </p:nvPr>
-        </p:nvSpPr>
-        <p:spPr/>
-        <p:txBody>
-          <a:bodyPr/>
-          <a:lstStyle/>
-          <a:p>
-            <a:fld id="{6C6AE60A-B69C-4790-82F7-3882EDF23186}" type="slidenum">
-              <a:rPr lang="en-GB" smtClean="0"/>
-              <a:pPr/>
-              <a:t>10</a:t>
-            </a:fld>
-            <a:endParaRPr lang="en-GB" dirty="0"/>
-          </a:p>
-        </p:txBody>
-      </p:sp>
-    </p:spTree>
-    <p:extLst>
-      <p:ext uri="{BB962C8B-B14F-4D97-AF65-F5344CB8AC3E}">
-        <p14:creationId xmlns:p14="http://schemas.microsoft.com/office/powerpoint/2010/main" val="1019193639"/>
-      </p:ext>
-    </p:extLst>
-  </p:cSld>
-  <p:clrMapOvr>
-    <a:masterClrMapping/>
-  </p:clrMapOvr>
-  <p:transition>
-    <p:fade/>
-  </p:transition>
-</p:sld>
-</file>
-
 <file path=ppt/slides/slide2.xml><?xml version="1.0" encoding="utf-8"?>
 <p:sld xmlns:a="http://schemas.openxmlformats.org/drawingml/2006/main" xmlns:r="http://schemas.openxmlformats.org/officeDocument/2006/relationships" xmlns:p="http://schemas.openxmlformats.org/presentationml/2006/main">
   <p:cSld>
@@ -41714,7 +41610,7 @@
           <a:p>
             <a:r>
               <a:rPr lang="en-GB" dirty="0"/>
-              <a:t>SEIHFR Model</a:t>
+              <a:t>SIR Variation</a:t>
             </a:r>
           </a:p>
         </p:txBody>
@@ -41733,7 +41629,7 @@
         </p:nvGrpSpPr>
         <p:grpSpPr>
           <a:xfrm>
-            <a:off x="601940" y="2231558"/>
+            <a:off x="603794" y="2491946"/>
             <a:ext cx="10141263" cy="693372"/>
             <a:chOff x="601940" y="2231558"/>
             <a:chExt cx="10141263" cy="693372"/>
@@ -42530,7 +42426,7 @@
         </p:nvSpPr>
         <p:spPr>
           <a:xfrm>
-            <a:off x="476839" y="3933070"/>
+            <a:off x="478693" y="3879437"/>
             <a:ext cx="9865370" cy="2031325"/>
           </a:xfrm>
           <a:prstGeom prst="rect">
@@ -42675,6 +42571,162 @@
             <a:r>
               <a:rPr lang="fr-FR" dirty="0"/>
               <a:t>)</a:t>
+            </a:r>
+          </a:p>
+        </p:txBody>
+      </p:sp>
+      <p:sp>
+        <p:nvSpPr>
+          <p:cNvPr id="90" name="Espace réservé du contenu 1">
+            <a:extLst>
+              <a:ext uri="{FF2B5EF4-FFF2-40B4-BE49-F238E27FC236}">
+                <a16:creationId xmlns:a16="http://schemas.microsoft.com/office/drawing/2014/main" id="{59AC8810-53B2-46E2-B5E1-C51668DD68C9}"/>
+              </a:ext>
+            </a:extLst>
+          </p:cNvPr>
+          <p:cNvSpPr>
+            <a:spLocks noGrp="1"/>
+          </p:cNvSpPr>
+          <p:nvPr>
+            <p:ph idx="1"/>
+          </p:nvPr>
+        </p:nvSpPr>
+        <p:spPr>
+          <a:xfrm>
+            <a:off x="264685" y="1612132"/>
+            <a:ext cx="11537950" cy="4210046"/>
+          </a:xfrm>
+        </p:spPr>
+        <p:txBody>
+          <a:bodyPr/>
+          <a:lstStyle/>
+          <a:p>
+            <a:r>
+              <a:rPr lang="fr-FR" dirty="0"/>
+              <a:t>SEIHFR Model</a:t>
+            </a:r>
+            <a:endParaRPr lang="fr-FR" sz="1800" dirty="0"/>
+          </a:p>
+        </p:txBody>
+      </p:sp>
+      <p:sp>
+        <p:nvSpPr>
+          <p:cNvPr id="92" name="ZoneTexte 91">
+            <a:extLst>
+              <a:ext uri="{FF2B5EF4-FFF2-40B4-BE49-F238E27FC236}">
+                <a16:creationId xmlns:a16="http://schemas.microsoft.com/office/drawing/2014/main" id="{C662D1EA-EF88-43B3-816D-571E6881EC17}"/>
+              </a:ext>
+            </a:extLst>
+          </p:cNvPr>
+          <p:cNvSpPr txBox="1"/>
+          <p:nvPr/>
+        </p:nvSpPr>
+        <p:spPr>
+          <a:xfrm>
+            <a:off x="234911" y="6009406"/>
+            <a:ext cx="11045698" cy="276999"/>
+          </a:xfrm>
+          <a:prstGeom prst="rect">
+            <a:avLst/>
+          </a:prstGeom>
+          <a:noFill/>
+        </p:spPr>
+        <p:txBody>
+          <a:bodyPr wrap="square" rtlCol="0">
+            <a:spAutoFit/>
+          </a:bodyPr>
+          <a:lstStyle/>
+          <a:p>
+            <a:r>
+              <a:rPr lang="fr-FR" sz="1200" dirty="0"/>
+              <a:t>[1] J. Legrand, R. F. </a:t>
+            </a:r>
+            <a:r>
+              <a:rPr lang="fr-FR" sz="1200" dirty="0" err="1"/>
+              <a:t>Grais</a:t>
+            </a:r>
+            <a:r>
+              <a:rPr lang="fr-FR" sz="1200" dirty="0"/>
+              <a:t>, P. Y. </a:t>
+            </a:r>
+            <a:r>
+              <a:rPr lang="fr-FR" sz="1200" dirty="0" err="1"/>
+              <a:t>Boelle</a:t>
+            </a:r>
+            <a:r>
+              <a:rPr lang="fr-FR" sz="1200" dirty="0"/>
+              <a:t>, A. J. Valleron, and A. </a:t>
+            </a:r>
+            <a:r>
+              <a:rPr lang="fr-FR" sz="1200" dirty="0" err="1"/>
+              <a:t>Flahault</a:t>
+            </a:r>
+            <a:r>
+              <a:rPr lang="fr-FR" sz="1200" dirty="0"/>
+              <a:t>. Un</a:t>
+            </a:r>
+            <a:r>
+              <a:rPr lang="en-US" sz="1200" dirty="0" err="1"/>
+              <a:t>derstanding</a:t>
+            </a:r>
+            <a:r>
+              <a:rPr lang="en-US" sz="1200" dirty="0"/>
+              <a:t> the dynamics of </a:t>
+            </a:r>
+            <a:r>
+              <a:rPr lang="en-US" sz="1200" dirty="0" err="1"/>
+              <a:t>ebola</a:t>
+            </a:r>
+            <a:r>
+              <a:rPr lang="en-US" sz="1200" dirty="0"/>
+              <a:t> epidemics. </a:t>
+            </a:r>
+            <a:r>
+              <a:rPr lang="en-US" sz="1200" i="1" dirty="0"/>
+              <a:t>Epidemiol. Infect.</a:t>
+            </a:r>
+            <a:r>
+              <a:rPr lang="en-US" sz="1200" dirty="0"/>
+              <a:t>, 135:610-621,</a:t>
+            </a:r>
+            <a:r>
+              <a:rPr lang="fr-FR" sz="1200" dirty="0"/>
+              <a:t>2007.</a:t>
+            </a:r>
+          </a:p>
+        </p:txBody>
+      </p:sp>
+      <p:sp>
+        <p:nvSpPr>
+          <p:cNvPr id="93" name="ZoneTexte 92">
+            <a:extLst>
+              <a:ext uri="{FF2B5EF4-FFF2-40B4-BE49-F238E27FC236}">
+                <a16:creationId xmlns:a16="http://schemas.microsoft.com/office/drawing/2014/main" id="{90B2E234-069D-46CE-91BB-F6AE15B9DBE4}"/>
+              </a:ext>
+            </a:extLst>
+          </p:cNvPr>
+          <p:cNvSpPr txBox="1"/>
+          <p:nvPr/>
+        </p:nvSpPr>
+        <p:spPr>
+          <a:xfrm>
+            <a:off x="2781748" y="1556272"/>
+            <a:ext cx="384603" cy="307777"/>
+          </a:xfrm>
+          <a:prstGeom prst="rect">
+            <a:avLst/>
+          </a:prstGeom>
+          <a:noFill/>
+        </p:spPr>
+        <p:txBody>
+          <a:bodyPr wrap="square" rtlCol="0">
+            <a:spAutoFit/>
+          </a:bodyPr>
+          <a:lstStyle/>
+          <a:p>
+            <a:r>
+              <a:rPr lang="fr-FR" sz="1400" dirty="0"/>
+              <a:t>[1]</a:t>
             </a:r>
           </a:p>
         </p:txBody>
@@ -42692,6 +42744,217 @@
   <p:transition>
     <p:fade/>
   </p:transition>
+  <p:timing>
+    <p:tnLst>
+      <p:par>
+        <p:cTn id="1" dur="indefinite" restart="never" nodeType="tmRoot">
+          <p:childTnLst>
+            <p:seq concurrent="1" nextAc="seek">
+              <p:cTn id="2" dur="indefinite" nodeType="mainSeq">
+                <p:childTnLst>
+                  <p:par>
+                    <p:cTn id="3" fill="hold">
+                      <p:stCondLst>
+                        <p:cond delay="indefinite"/>
+                      </p:stCondLst>
+                      <p:childTnLst>
+                        <p:par>
+                          <p:cTn id="4" fill="hold">
+                            <p:stCondLst>
+                              <p:cond delay="0"/>
+                            </p:stCondLst>
+                            <p:childTnLst>
+                              <p:par>
+                                <p:cTn id="5" presetID="1" presetClass="entr" presetSubtype="0" fill="hold" grpId="0" nodeType="clickEffect">
+                                  <p:stCondLst>
+                                    <p:cond delay="0"/>
+                                  </p:stCondLst>
+                                  <p:childTnLst>
+                                    <p:set>
+                                      <p:cBhvr>
+                                        <p:cTn id="6" dur="1" fill="hold">
+                                          <p:stCondLst>
+                                            <p:cond delay="0"/>
+                                          </p:stCondLst>
+                                        </p:cTn>
+                                        <p:tgtEl>
+                                          <p:spTgt spid="90">
+                                            <p:txEl>
+                                              <p:pRg st="0" end="0"/>
+                                            </p:txEl>
+                                          </p:spTgt>
+                                        </p:tgtEl>
+                                        <p:attrNameLst>
+                                          <p:attrName>style.visibility</p:attrName>
+                                        </p:attrNameLst>
+                                      </p:cBhvr>
+                                      <p:to>
+                                        <p:strVal val="visible"/>
+                                      </p:to>
+                                    </p:set>
+                                  </p:childTnLst>
+                                </p:cTn>
+                              </p:par>
+                              <p:par>
+                                <p:cTn id="7" presetID="1" presetClass="entr" presetSubtype="0" fill="hold" grpId="0" nodeType="withEffect">
+                                  <p:stCondLst>
+                                    <p:cond delay="0"/>
+                                  </p:stCondLst>
+                                  <p:childTnLst>
+                                    <p:set>
+                                      <p:cBhvr>
+                                        <p:cTn id="8" dur="1" fill="hold">
+                                          <p:stCondLst>
+                                            <p:cond delay="0"/>
+                                          </p:stCondLst>
+                                        </p:cTn>
+                                        <p:tgtEl>
+                                          <p:spTgt spid="92"/>
+                                        </p:tgtEl>
+                                        <p:attrNameLst>
+                                          <p:attrName>style.visibility</p:attrName>
+                                        </p:attrNameLst>
+                                      </p:cBhvr>
+                                      <p:to>
+                                        <p:strVal val="visible"/>
+                                      </p:to>
+                                    </p:set>
+                                  </p:childTnLst>
+                                </p:cTn>
+                              </p:par>
+                              <p:par>
+                                <p:cTn id="9" presetID="1" presetClass="entr" presetSubtype="0" fill="hold" grpId="0" nodeType="withEffect">
+                                  <p:stCondLst>
+                                    <p:cond delay="0"/>
+                                  </p:stCondLst>
+                                  <p:childTnLst>
+                                    <p:set>
+                                      <p:cBhvr>
+                                        <p:cTn id="10" dur="1" fill="hold">
+                                          <p:stCondLst>
+                                            <p:cond delay="0"/>
+                                          </p:stCondLst>
+                                        </p:cTn>
+                                        <p:tgtEl>
+                                          <p:spTgt spid="93"/>
+                                        </p:tgtEl>
+                                        <p:attrNameLst>
+                                          <p:attrName>style.visibility</p:attrName>
+                                        </p:attrNameLst>
+                                      </p:cBhvr>
+                                      <p:to>
+                                        <p:strVal val="visible"/>
+                                      </p:to>
+                                    </p:set>
+                                  </p:childTnLst>
+                                </p:cTn>
+                              </p:par>
+                              <p:par>
+                                <p:cTn id="11" presetID="1" presetClass="entr" presetSubtype="0" fill="hold" nodeType="withEffect">
+                                  <p:stCondLst>
+                                    <p:cond delay="0"/>
+                                  </p:stCondLst>
+                                  <p:childTnLst>
+                                    <p:set>
+                                      <p:cBhvr>
+                                        <p:cTn id="12" dur="1" fill="hold">
+                                          <p:stCondLst>
+                                            <p:cond delay="0"/>
+                                          </p:stCondLst>
+                                        </p:cTn>
+                                        <p:tgtEl>
+                                          <p:spTgt spid="88"/>
+                                        </p:tgtEl>
+                                        <p:attrNameLst>
+                                          <p:attrName>style.visibility</p:attrName>
+                                        </p:attrNameLst>
+                                      </p:cBhvr>
+                                      <p:to>
+                                        <p:strVal val="visible"/>
+                                      </p:to>
+                                    </p:set>
+                                  </p:childTnLst>
+                                </p:cTn>
+                              </p:par>
+                            </p:childTnLst>
+                          </p:cTn>
+                        </p:par>
+                      </p:childTnLst>
+                    </p:cTn>
+                  </p:par>
+                  <p:par>
+                    <p:cTn id="13" fill="hold">
+                      <p:stCondLst>
+                        <p:cond delay="indefinite"/>
+                      </p:stCondLst>
+                      <p:childTnLst>
+                        <p:par>
+                          <p:cTn id="14" fill="hold">
+                            <p:stCondLst>
+                              <p:cond delay="0"/>
+                            </p:stCondLst>
+                            <p:childTnLst>
+                              <p:par>
+                                <p:cTn id="15" presetID="1" presetClass="entr" presetSubtype="0" fill="hold" grpId="0" nodeType="clickEffect">
+                                  <p:stCondLst>
+                                    <p:cond delay="0"/>
+                                  </p:stCondLst>
+                                  <p:childTnLst>
+                                    <p:set>
+                                      <p:cBhvr>
+                                        <p:cTn id="16" dur="1" fill="hold">
+                                          <p:stCondLst>
+                                            <p:cond delay="0"/>
+                                          </p:stCondLst>
+                                        </p:cTn>
+                                        <p:tgtEl>
+                                          <p:spTgt spid="87"/>
+                                        </p:tgtEl>
+                                        <p:attrNameLst>
+                                          <p:attrName>style.visibility</p:attrName>
+                                        </p:attrNameLst>
+                                      </p:cBhvr>
+                                      <p:to>
+                                        <p:strVal val="visible"/>
+                                      </p:to>
+                                    </p:set>
+                                  </p:childTnLst>
+                                </p:cTn>
+                              </p:par>
+                            </p:childTnLst>
+                          </p:cTn>
+                        </p:par>
+                      </p:childTnLst>
+                    </p:cTn>
+                  </p:par>
+                </p:childTnLst>
+              </p:cTn>
+              <p:prevCondLst>
+                <p:cond evt="onPrev" delay="0">
+                  <p:tgtEl>
+                    <p:sldTgt/>
+                  </p:tgtEl>
+                </p:cond>
+              </p:prevCondLst>
+              <p:nextCondLst>
+                <p:cond evt="onNext" delay="0">
+                  <p:tgtEl>
+                    <p:sldTgt/>
+                  </p:tgtEl>
+                </p:cond>
+              </p:nextCondLst>
+            </p:seq>
+          </p:childTnLst>
+        </p:cTn>
+      </p:par>
+    </p:tnLst>
+    <p:bldLst>
+      <p:bldP spid="87" grpId="0"/>
+      <p:bldP spid="90" grpId="0" build="p"/>
+      <p:bldP spid="92" grpId="0"/>
+      <p:bldP spid="93" grpId="0"/>
+    </p:bldLst>
+  </p:timing>
 </p:sld>
 </file>
 
@@ -43249,6 +43512,207 @@
   <p:transition>
     <p:fade/>
   </p:transition>
+  <p:timing>
+    <p:tnLst>
+      <p:par>
+        <p:cTn id="1" dur="indefinite" restart="never" nodeType="tmRoot">
+          <p:childTnLst>
+            <p:seq concurrent="1" nextAc="seek">
+              <p:cTn id="2" dur="indefinite" nodeType="mainSeq">
+                <p:childTnLst>
+                  <p:par>
+                    <p:cTn id="3" fill="hold">
+                      <p:stCondLst>
+                        <p:cond delay="indefinite"/>
+                      </p:stCondLst>
+                      <p:childTnLst>
+                        <p:par>
+                          <p:cTn id="4" fill="hold">
+                            <p:stCondLst>
+                              <p:cond delay="0"/>
+                            </p:stCondLst>
+                            <p:childTnLst>
+                              <p:par>
+                                <p:cTn id="5" presetID="1" presetClass="entr" presetSubtype="0" fill="hold" grpId="0" nodeType="clickEffect">
+                                  <p:stCondLst>
+                                    <p:cond delay="0"/>
+                                  </p:stCondLst>
+                                  <p:childTnLst>
+                                    <p:set>
+                                      <p:cBhvr>
+                                        <p:cTn id="6" dur="1" fill="hold">
+                                          <p:stCondLst>
+                                            <p:cond delay="0"/>
+                                          </p:stCondLst>
+                                        </p:cTn>
+                                        <p:tgtEl>
+                                          <p:spTgt spid="2">
+                                            <p:txEl>
+                                              <p:pRg st="0" end="0"/>
+                                            </p:txEl>
+                                          </p:spTgt>
+                                        </p:tgtEl>
+                                        <p:attrNameLst>
+                                          <p:attrName>style.visibility</p:attrName>
+                                        </p:attrNameLst>
+                                      </p:cBhvr>
+                                      <p:to>
+                                        <p:strVal val="visible"/>
+                                      </p:to>
+                                    </p:set>
+                                  </p:childTnLst>
+                                </p:cTn>
+                              </p:par>
+                              <p:par>
+                                <p:cTn id="7" presetID="1" presetClass="entr" presetSubtype="0" fill="hold" nodeType="withEffect">
+                                  <p:stCondLst>
+                                    <p:cond delay="0"/>
+                                  </p:stCondLst>
+                                  <p:childTnLst>
+                                    <p:set>
+                                      <p:cBhvr>
+                                        <p:cTn id="8" dur="1" fill="hold">
+                                          <p:stCondLst>
+                                            <p:cond delay="0"/>
+                                          </p:stCondLst>
+                                        </p:cTn>
+                                        <p:tgtEl>
+                                          <p:spTgt spid="10"/>
+                                        </p:tgtEl>
+                                        <p:attrNameLst>
+                                          <p:attrName>style.visibility</p:attrName>
+                                        </p:attrNameLst>
+                                      </p:cBhvr>
+                                      <p:to>
+                                        <p:strVal val="visible"/>
+                                      </p:to>
+                                    </p:set>
+                                  </p:childTnLst>
+                                </p:cTn>
+                              </p:par>
+                            </p:childTnLst>
+                          </p:cTn>
+                        </p:par>
+                      </p:childTnLst>
+                    </p:cTn>
+                  </p:par>
+                  <p:par>
+                    <p:cTn id="9" fill="hold">
+                      <p:stCondLst>
+                        <p:cond delay="indefinite"/>
+                      </p:stCondLst>
+                      <p:childTnLst>
+                        <p:par>
+                          <p:cTn id="10" fill="hold">
+                            <p:stCondLst>
+                              <p:cond delay="0"/>
+                            </p:stCondLst>
+                            <p:childTnLst>
+                              <p:par>
+                                <p:cTn id="11" presetID="1" presetClass="entr" presetSubtype="0" fill="hold" grpId="0" nodeType="clickEffect">
+                                  <p:stCondLst>
+                                    <p:cond delay="0"/>
+                                  </p:stCondLst>
+                                  <p:childTnLst>
+                                    <p:set>
+                                      <p:cBhvr>
+                                        <p:cTn id="12" dur="1" fill="hold">
+                                          <p:stCondLst>
+                                            <p:cond delay="0"/>
+                                          </p:stCondLst>
+                                        </p:cTn>
+                                        <p:tgtEl>
+                                          <p:spTgt spid="12"/>
+                                        </p:tgtEl>
+                                        <p:attrNameLst>
+                                          <p:attrName>style.visibility</p:attrName>
+                                        </p:attrNameLst>
+                                      </p:cBhvr>
+                                      <p:to>
+                                        <p:strVal val="visible"/>
+                                      </p:to>
+                                    </p:set>
+                                  </p:childTnLst>
+                                </p:cTn>
+                              </p:par>
+                            </p:childTnLst>
+                          </p:cTn>
+                        </p:par>
+                      </p:childTnLst>
+                    </p:cTn>
+                  </p:par>
+                  <p:par>
+                    <p:cTn id="13" fill="hold">
+                      <p:stCondLst>
+                        <p:cond delay="indefinite"/>
+                      </p:stCondLst>
+                      <p:childTnLst>
+                        <p:par>
+                          <p:cTn id="14" fill="hold">
+                            <p:stCondLst>
+                              <p:cond delay="0"/>
+                            </p:stCondLst>
+                            <p:childTnLst>
+                              <p:par>
+                                <p:cTn id="15" presetID="1" presetClass="entr" presetSubtype="0" fill="hold" grpId="0" nodeType="clickEffect">
+                                  <p:stCondLst>
+                                    <p:cond delay="0"/>
+                                  </p:stCondLst>
+                                  <p:childTnLst>
+                                    <p:set>
+                                      <p:cBhvr>
+                                        <p:cTn id="16" dur="1" fill="hold">
+                                          <p:stCondLst>
+                                            <p:cond delay="0"/>
+                                          </p:stCondLst>
+                                        </p:cTn>
+                                        <p:tgtEl>
+                                          <p:spTgt spid="11"/>
+                                        </p:tgtEl>
+                                        <p:attrNameLst>
+                                          <p:attrName>style.visibility</p:attrName>
+                                        </p:attrNameLst>
+                                      </p:cBhvr>
+                                      <p:to>
+                                        <p:strVal val="visible"/>
+                                      </p:to>
+                                    </p:set>
+                                  </p:childTnLst>
+                                </p:cTn>
+                              </p:par>
+                            </p:childTnLst>
+                          </p:cTn>
+                        </p:par>
+                      </p:childTnLst>
+                    </p:cTn>
+                  </p:par>
+                </p:childTnLst>
+              </p:cTn>
+              <p:prevCondLst>
+                <p:cond evt="onPrev" delay="0">
+                  <p:tgtEl>
+                    <p:sldTgt/>
+                  </p:tgtEl>
+                </p:cond>
+              </p:prevCondLst>
+              <p:nextCondLst>
+                <p:cond evt="onNext" delay="0">
+                  <p:tgtEl>
+                    <p:sldTgt/>
+                  </p:tgtEl>
+                </p:cond>
+              </p:nextCondLst>
+            </p:seq>
+          </p:childTnLst>
+        </p:cTn>
+      </p:par>
+    </p:tnLst>
+    <p:bldLst>
+      <p:bldP spid="2" grpId="0" build="p"/>
+      <p:bldP spid="11" grpId="0"/>
+      <p:bldP spid="12" grpId="0"/>
+    </p:bldLst>
+  </p:timing>
 </p:sld>
 </file>
 
@@ -45546,10 +46010,10 @@
       </p:grpSp>
       <p:grpSp>
         <p:nvGrpSpPr>
-          <p:cNvPr id="83" name="Groupe 82">
+          <p:cNvPr id="123" name="Groupe 122">
             <a:extLst>
               <a:ext uri="{FF2B5EF4-FFF2-40B4-BE49-F238E27FC236}">
-                <a16:creationId xmlns:a16="http://schemas.microsoft.com/office/drawing/2014/main" id="{25A43680-3149-438A-923A-A702A8FCE937}"/>
+                <a16:creationId xmlns:a16="http://schemas.microsoft.com/office/drawing/2014/main" id="{51883633-6F8D-4B19-84E9-572BAC3A5863}"/>
               </a:ext>
             </a:extLst>
           </p:cNvPr>
@@ -45560,16 +46024,16 @@
           <a:xfrm>
             <a:off x="6721744" y="2488186"/>
             <a:ext cx="1957115" cy="2151750"/>
-            <a:chOff x="2264244" y="2448813"/>
+            <a:chOff x="6721744" y="2488186"/>
             <a:chExt cx="1957115" cy="2151750"/>
           </a:xfrm>
         </p:grpSpPr>
         <p:grpSp>
           <p:nvGrpSpPr>
-            <p:cNvPr id="84" name="Groupe 83">
+            <p:cNvPr id="83" name="Groupe 82">
               <a:extLst>
                 <a:ext uri="{FF2B5EF4-FFF2-40B4-BE49-F238E27FC236}">
-                  <a16:creationId xmlns:a16="http://schemas.microsoft.com/office/drawing/2014/main" id="{45AD5074-803D-41F6-969D-B223BA821849}"/>
+                  <a16:creationId xmlns:a16="http://schemas.microsoft.com/office/drawing/2014/main" id="{25A43680-3149-438A-923A-A702A8FCE937}"/>
                 </a:ext>
               </a:extLst>
             </p:cNvPr>
@@ -45578,18 +46042,18 @@
           </p:nvGrpSpPr>
           <p:grpSpPr>
             <a:xfrm>
-              <a:off x="2418785" y="2448813"/>
-              <a:ext cx="1481728" cy="1460583"/>
-              <a:chOff x="426991" y="2436597"/>
-              <a:chExt cx="1481728" cy="1460583"/>
+              <a:off x="6721744" y="2488186"/>
+              <a:ext cx="1957115" cy="2151750"/>
+              <a:chOff x="2264244" y="2448813"/>
+              <a:chExt cx="1957115" cy="2151750"/>
             </a:xfrm>
           </p:grpSpPr>
           <p:grpSp>
             <p:nvGrpSpPr>
-              <p:cNvPr id="88" name="Groupe 87">
+              <p:cNvPr id="84" name="Groupe 83">
                 <a:extLst>
                   <a:ext uri="{FF2B5EF4-FFF2-40B4-BE49-F238E27FC236}">
-                    <a16:creationId xmlns:a16="http://schemas.microsoft.com/office/drawing/2014/main" id="{B66E9060-3D1D-4817-8AF8-B2BA48B63B67}"/>
+                    <a16:creationId xmlns:a16="http://schemas.microsoft.com/office/drawing/2014/main" id="{45AD5074-803D-41F6-969D-B223BA821849}"/>
                   </a:ext>
                 </a:extLst>
               </p:cNvPr>
@@ -45598,313 +46062,509 @@
             </p:nvGrpSpPr>
             <p:grpSpPr>
               <a:xfrm>
-                <a:off x="620859" y="2636890"/>
-                <a:ext cx="1287860" cy="1260290"/>
-                <a:chOff x="620859" y="2636890"/>
-                <a:chExt cx="1287860" cy="1260290"/>
+                <a:off x="2418785" y="2448813"/>
+                <a:ext cx="1481728" cy="1460583"/>
+                <a:chOff x="426991" y="2436597"/>
+                <a:chExt cx="1481728" cy="1460583"/>
               </a:xfrm>
             </p:grpSpPr>
-            <p:sp>
-              <p:nvSpPr>
-                <p:cNvPr id="94" name="Ellipse 93">
+            <p:grpSp>
+              <p:nvGrpSpPr>
+                <p:cNvPr id="88" name="Groupe 87">
                   <a:extLst>
                     <a:ext uri="{FF2B5EF4-FFF2-40B4-BE49-F238E27FC236}">
-                      <a16:creationId xmlns:a16="http://schemas.microsoft.com/office/drawing/2014/main" id="{55139EE7-6DA2-4DAF-ABDB-E04DB902370E}"/>
+                      <a16:creationId xmlns:a16="http://schemas.microsoft.com/office/drawing/2014/main" id="{B66E9060-3D1D-4817-8AF8-B2BA48B63B67}"/>
                     </a:ext>
                   </a:extLst>
                 </p:cNvPr>
-                <p:cNvSpPr/>
+                <p:cNvGrpSpPr/>
+                <p:nvPr/>
+              </p:nvGrpSpPr>
+              <p:grpSpPr>
+                <a:xfrm>
+                  <a:off x="620859" y="2636890"/>
+                  <a:ext cx="1287860" cy="1260290"/>
+                  <a:chOff x="620859" y="2636890"/>
+                  <a:chExt cx="1287860" cy="1260290"/>
+                </a:xfrm>
+              </p:grpSpPr>
+              <p:sp>
+                <p:nvSpPr>
+                  <p:cNvPr id="94" name="Ellipse 93">
+                    <a:extLst>
+                      <a:ext uri="{FF2B5EF4-FFF2-40B4-BE49-F238E27FC236}">
+                        <a16:creationId xmlns:a16="http://schemas.microsoft.com/office/drawing/2014/main" id="{55139EE7-6DA2-4DAF-ABDB-E04DB902370E}"/>
+                      </a:ext>
+                    </a:extLst>
+                  </p:cNvPr>
+                  <p:cNvSpPr/>
+                  <p:nvPr/>
+                </p:nvSpPr>
+                <p:spPr>
+                  <a:xfrm>
+                    <a:off x="1084764" y="2636890"/>
+                    <a:ext cx="360050" cy="360050"/>
+                  </a:xfrm>
+                  <a:prstGeom prst="ellipse">
+                    <a:avLst/>
+                  </a:prstGeom>
+                  <a:solidFill>
+                    <a:srgbClr val="FFC000"/>
+                  </a:solidFill>
+                  <a:ln>
+                    <a:solidFill>
+                      <a:schemeClr val="tx1"/>
+                    </a:solidFill>
+                  </a:ln>
+                </p:spPr>
+                <p:style>
+                  <a:lnRef idx="2">
+                    <a:schemeClr val="accent1">
+                      <a:shade val="50000"/>
+                    </a:schemeClr>
+                  </a:lnRef>
+                  <a:fillRef idx="1">
+                    <a:schemeClr val="accent1"/>
+                  </a:fillRef>
+                  <a:effectRef idx="0">
+                    <a:schemeClr val="accent1"/>
+                  </a:effectRef>
+                  <a:fontRef idx="minor">
+                    <a:schemeClr val="lt1"/>
+                  </a:fontRef>
+                </p:style>
+                <p:txBody>
+                  <a:bodyPr rtlCol="0" anchor="ctr"/>
+                  <a:lstStyle/>
+                  <a:p>
+                    <a:pPr algn="ctr"/>
+                    <a:r>
+                      <a:rPr lang="fr-FR" dirty="0">
+                        <a:solidFill>
+                          <a:schemeClr val="tx1"/>
+                        </a:solidFill>
+                      </a:rPr>
+                      <a:t>E</a:t>
+                    </a:r>
+                  </a:p>
+                </p:txBody>
+              </p:sp>
+              <p:sp>
+                <p:nvSpPr>
+                  <p:cNvPr id="95" name="Ellipse 94">
+                    <a:extLst>
+                      <a:ext uri="{FF2B5EF4-FFF2-40B4-BE49-F238E27FC236}">
+                        <a16:creationId xmlns:a16="http://schemas.microsoft.com/office/drawing/2014/main" id="{FB894156-3AE4-4974-BCC5-2E0E46FD6540}"/>
+                      </a:ext>
+                    </a:extLst>
+                  </p:cNvPr>
+                  <p:cNvSpPr/>
+                  <p:nvPr/>
+                </p:nvSpPr>
+                <p:spPr>
+                  <a:xfrm>
+                    <a:off x="620859" y="2999080"/>
+                    <a:ext cx="360050" cy="360050"/>
+                  </a:xfrm>
+                  <a:prstGeom prst="ellipse">
+                    <a:avLst/>
+                  </a:prstGeom>
+                  <a:solidFill>
+                    <a:schemeClr val="bg2"/>
+                  </a:solidFill>
+                  <a:ln>
+                    <a:solidFill>
+                      <a:schemeClr val="tx1"/>
+                    </a:solidFill>
+                  </a:ln>
+                </p:spPr>
+                <p:style>
+                  <a:lnRef idx="2">
+                    <a:schemeClr val="accent1">
+                      <a:shade val="50000"/>
+                    </a:schemeClr>
+                  </a:lnRef>
+                  <a:fillRef idx="1">
+                    <a:schemeClr val="accent1"/>
+                  </a:fillRef>
+                  <a:effectRef idx="0">
+                    <a:schemeClr val="accent1"/>
+                  </a:effectRef>
+                  <a:fontRef idx="minor">
+                    <a:schemeClr val="lt1"/>
+                  </a:fontRef>
+                </p:style>
+                <p:txBody>
+                  <a:bodyPr rtlCol="0" anchor="ctr"/>
+                  <a:lstStyle/>
+                  <a:p>
+                    <a:pPr algn="ctr"/>
+                    <a:r>
+                      <a:rPr lang="fr-FR" dirty="0">
+                        <a:solidFill>
+                          <a:schemeClr val="tx1"/>
+                        </a:solidFill>
+                      </a:rPr>
+                      <a:t>S</a:t>
+                    </a:r>
+                  </a:p>
+                </p:txBody>
+              </p:sp>
+              <p:sp>
+                <p:nvSpPr>
+                  <p:cNvPr id="96" name="Ellipse 95">
+                    <a:extLst>
+                      <a:ext uri="{FF2B5EF4-FFF2-40B4-BE49-F238E27FC236}">
+                        <a16:creationId xmlns:a16="http://schemas.microsoft.com/office/drawing/2014/main" id="{A4DAFE3C-8244-431E-BF1C-B3AFAF811235}"/>
+                      </a:ext>
+                    </a:extLst>
+                  </p:cNvPr>
+                  <p:cNvSpPr/>
+                  <p:nvPr/>
+                </p:nvSpPr>
+                <p:spPr>
+                  <a:xfrm>
+                    <a:off x="1422096" y="3537130"/>
+                    <a:ext cx="360050" cy="360050"/>
+                  </a:xfrm>
+                  <a:prstGeom prst="ellipse">
+                    <a:avLst/>
+                  </a:prstGeom>
+                  <a:solidFill>
+                    <a:srgbClr val="92D050"/>
+                  </a:solidFill>
+                  <a:ln>
+                    <a:solidFill>
+                      <a:schemeClr val="tx1"/>
+                    </a:solidFill>
+                  </a:ln>
+                </p:spPr>
+                <p:style>
+                  <a:lnRef idx="2">
+                    <a:schemeClr val="accent1">
+                      <a:shade val="50000"/>
+                    </a:schemeClr>
+                  </a:lnRef>
+                  <a:fillRef idx="1">
+                    <a:schemeClr val="accent1"/>
+                  </a:fillRef>
+                  <a:effectRef idx="0">
+                    <a:schemeClr val="accent1"/>
+                  </a:effectRef>
+                  <a:fontRef idx="minor">
+                    <a:schemeClr val="lt1"/>
+                  </a:fontRef>
+                </p:style>
+                <p:txBody>
+                  <a:bodyPr rtlCol="0" anchor="ctr"/>
+                  <a:lstStyle/>
+                  <a:p>
+                    <a:pPr algn="ctr"/>
+                    <a:r>
+                      <a:rPr lang="fr-FR" dirty="0">
+                        <a:solidFill>
+                          <a:schemeClr val="tx1"/>
+                        </a:solidFill>
+                      </a:rPr>
+                      <a:t>R</a:t>
+                    </a:r>
+                  </a:p>
+                </p:txBody>
+              </p:sp>
+              <p:sp>
+                <p:nvSpPr>
+                  <p:cNvPr id="97" name="Ellipse 96">
+                    <a:extLst>
+                      <a:ext uri="{FF2B5EF4-FFF2-40B4-BE49-F238E27FC236}">
+                        <a16:creationId xmlns:a16="http://schemas.microsoft.com/office/drawing/2014/main" id="{68DECEDF-949B-4638-BF2C-2A9F18CB48FB}"/>
+                      </a:ext>
+                    </a:extLst>
+                  </p:cNvPr>
+                  <p:cNvSpPr/>
+                  <p:nvPr/>
+                </p:nvSpPr>
+                <p:spPr>
+                  <a:xfrm>
+                    <a:off x="1548669" y="2999080"/>
+                    <a:ext cx="360050" cy="360050"/>
+                  </a:xfrm>
+                  <a:prstGeom prst="ellipse">
+                    <a:avLst/>
+                  </a:prstGeom>
+                  <a:solidFill>
+                    <a:schemeClr val="bg2"/>
+                  </a:solidFill>
+                  <a:ln>
+                    <a:solidFill>
+                      <a:schemeClr val="tx1"/>
+                    </a:solidFill>
+                  </a:ln>
+                </p:spPr>
+                <p:style>
+                  <a:lnRef idx="2">
+                    <a:schemeClr val="accent1">
+                      <a:shade val="50000"/>
+                    </a:schemeClr>
+                  </a:lnRef>
+                  <a:fillRef idx="1">
+                    <a:schemeClr val="accent1"/>
+                  </a:fillRef>
+                  <a:effectRef idx="0">
+                    <a:schemeClr val="accent1"/>
+                  </a:effectRef>
+                  <a:fontRef idx="minor">
+                    <a:schemeClr val="lt1"/>
+                  </a:fontRef>
+                </p:style>
+                <p:txBody>
+                  <a:bodyPr rtlCol="0" anchor="ctr"/>
+                  <a:lstStyle/>
+                  <a:p>
+                    <a:pPr algn="ctr"/>
+                    <a:r>
+                      <a:rPr lang="fr-FR" dirty="0">
+                        <a:solidFill>
+                          <a:schemeClr val="tx1"/>
+                        </a:solidFill>
+                      </a:rPr>
+                      <a:t>S</a:t>
+                    </a:r>
+                  </a:p>
+                </p:txBody>
+              </p:sp>
+              <p:sp>
+                <p:nvSpPr>
+                  <p:cNvPr id="98" name="Ellipse 97">
+                    <a:extLst>
+                      <a:ext uri="{FF2B5EF4-FFF2-40B4-BE49-F238E27FC236}">
+                        <a16:creationId xmlns:a16="http://schemas.microsoft.com/office/drawing/2014/main" id="{6D3A91F0-6160-4731-B445-6C55137FDFE4}"/>
+                      </a:ext>
+                    </a:extLst>
+                  </p:cNvPr>
+                  <p:cNvSpPr/>
+                  <p:nvPr/>
+                </p:nvSpPr>
+                <p:spPr>
+                  <a:xfrm>
+                    <a:off x="800884" y="3537130"/>
+                    <a:ext cx="360050" cy="360050"/>
+                  </a:xfrm>
+                  <a:prstGeom prst="ellipse">
+                    <a:avLst/>
+                  </a:prstGeom>
+                  <a:solidFill>
+                    <a:schemeClr val="bg2"/>
+                  </a:solidFill>
+                  <a:ln>
+                    <a:solidFill>
+                      <a:schemeClr val="tx1"/>
+                    </a:solidFill>
+                  </a:ln>
+                </p:spPr>
+                <p:style>
+                  <a:lnRef idx="2">
+                    <a:schemeClr val="accent1">
+                      <a:shade val="50000"/>
+                    </a:schemeClr>
+                  </a:lnRef>
+                  <a:fillRef idx="1">
+                    <a:schemeClr val="accent1"/>
+                  </a:fillRef>
+                  <a:effectRef idx="0">
+                    <a:schemeClr val="accent1"/>
+                  </a:effectRef>
+                  <a:fontRef idx="minor">
+                    <a:schemeClr val="lt1"/>
+                  </a:fontRef>
+                </p:style>
+                <p:txBody>
+                  <a:bodyPr rtlCol="0" anchor="ctr"/>
+                  <a:lstStyle/>
+                  <a:p>
+                    <a:pPr algn="ctr"/>
+                    <a:r>
+                      <a:rPr lang="fr-FR" dirty="0">
+                        <a:solidFill>
+                          <a:schemeClr val="tx1"/>
+                        </a:solidFill>
+                      </a:rPr>
+                      <a:t>S</a:t>
+                    </a:r>
+                  </a:p>
+                </p:txBody>
+              </p:sp>
+            </p:grpSp>
+            <p:sp>
+              <p:nvSpPr>
+                <p:cNvPr id="89" name="ZoneTexte 88">
+                  <a:extLst>
+                    <a:ext uri="{FF2B5EF4-FFF2-40B4-BE49-F238E27FC236}">
+                      <a16:creationId xmlns:a16="http://schemas.microsoft.com/office/drawing/2014/main" id="{06305D87-D029-4DE2-96D0-D9DEDA27ED80}"/>
+                    </a:ext>
+                  </a:extLst>
+                </p:cNvPr>
+                <p:cNvSpPr txBox="1"/>
                 <p:nvPr/>
               </p:nvSpPr>
               <p:spPr>
                 <a:xfrm>
-                  <a:off x="1084764" y="2636890"/>
-                  <a:ext cx="360050" cy="360050"/>
+                  <a:off x="925634" y="2436597"/>
+                  <a:ext cx="180025" cy="292388"/>
                 </a:xfrm>
-                <a:prstGeom prst="ellipse">
+                <a:prstGeom prst="rect">
                   <a:avLst/>
                 </a:prstGeom>
-                <a:solidFill>
-                  <a:srgbClr val="FFC000"/>
-                </a:solidFill>
-                <a:ln>
-                  <a:solidFill>
-                    <a:schemeClr val="tx1"/>
-                  </a:solidFill>
-                </a:ln>
+                <a:noFill/>
               </p:spPr>
-              <p:style>
-                <a:lnRef idx="2">
-                  <a:schemeClr val="accent1">
-                    <a:shade val="50000"/>
-                  </a:schemeClr>
-                </a:lnRef>
-                <a:fillRef idx="1">
-                  <a:schemeClr val="accent1"/>
-                </a:fillRef>
-                <a:effectRef idx="0">
-                  <a:schemeClr val="accent1"/>
-                </a:effectRef>
-                <a:fontRef idx="minor">
-                  <a:schemeClr val="lt1"/>
-                </a:fontRef>
-              </p:style>
               <p:txBody>
-                <a:bodyPr rtlCol="0" anchor="ctr"/>
+                <a:bodyPr wrap="square" rtlCol="0">
+                  <a:spAutoFit/>
+                </a:bodyPr>
                 <a:lstStyle/>
                 <a:p>
-                  <a:pPr algn="ctr"/>
                   <a:r>
-                    <a:rPr lang="fr-FR" dirty="0">
-                      <a:solidFill>
-                        <a:schemeClr val="tx1"/>
-                      </a:solidFill>
-                    </a:rPr>
-                    <a:t>E</a:t>
+                    <a:rPr lang="fr-FR" sz="1300" dirty="0"/>
+                    <a:t>1</a:t>
                   </a:r>
                 </a:p>
               </p:txBody>
             </p:sp>
             <p:sp>
               <p:nvSpPr>
-                <p:cNvPr id="95" name="Ellipse 94">
+                <p:cNvPr id="90" name="ZoneTexte 89">
                   <a:extLst>
                     <a:ext uri="{FF2B5EF4-FFF2-40B4-BE49-F238E27FC236}">
-                      <a16:creationId xmlns:a16="http://schemas.microsoft.com/office/drawing/2014/main" id="{FB894156-3AE4-4974-BCC5-2E0E46FD6540}"/>
+                      <a16:creationId xmlns:a16="http://schemas.microsoft.com/office/drawing/2014/main" id="{C11D6F2D-6128-43A3-B409-5C362EF69CBA}"/>
                     </a:ext>
                   </a:extLst>
                 </p:cNvPr>
-                <p:cNvSpPr/>
+                <p:cNvSpPr txBox="1"/>
                 <p:nvPr/>
               </p:nvSpPr>
               <p:spPr>
                 <a:xfrm>
-                  <a:off x="620859" y="2999080"/>
-                  <a:ext cx="360050" cy="360050"/>
+                  <a:off x="426991" y="2850746"/>
+                  <a:ext cx="180025" cy="292388"/>
                 </a:xfrm>
-                <a:prstGeom prst="ellipse">
+                <a:prstGeom prst="rect">
                   <a:avLst/>
                 </a:prstGeom>
-                <a:solidFill>
-                  <a:schemeClr val="bg2"/>
-                </a:solidFill>
-                <a:ln>
-                  <a:solidFill>
-                    <a:schemeClr val="tx1"/>
-                  </a:solidFill>
-                </a:ln>
+                <a:noFill/>
               </p:spPr>
-              <p:style>
-                <a:lnRef idx="2">
-                  <a:schemeClr val="accent1">
-                    <a:shade val="50000"/>
-                  </a:schemeClr>
-                </a:lnRef>
-                <a:fillRef idx="1">
-                  <a:schemeClr val="accent1"/>
-                </a:fillRef>
-                <a:effectRef idx="0">
-                  <a:schemeClr val="accent1"/>
-                </a:effectRef>
-                <a:fontRef idx="minor">
-                  <a:schemeClr val="lt1"/>
-                </a:fontRef>
-              </p:style>
               <p:txBody>
-                <a:bodyPr rtlCol="0" anchor="ctr"/>
+                <a:bodyPr wrap="square" rtlCol="0">
+                  <a:spAutoFit/>
+                </a:bodyPr>
                 <a:lstStyle/>
                 <a:p>
-                  <a:pPr algn="ctr"/>
                   <a:r>
-                    <a:rPr lang="fr-FR" dirty="0">
-                      <a:solidFill>
-                        <a:schemeClr val="tx1"/>
-                      </a:solidFill>
-                    </a:rPr>
-                    <a:t>S</a:t>
+                    <a:rPr lang="fr-FR" sz="1300" dirty="0"/>
+                    <a:t>2</a:t>
                   </a:r>
                 </a:p>
               </p:txBody>
             </p:sp>
             <p:sp>
               <p:nvSpPr>
-                <p:cNvPr id="96" name="Ellipse 95">
+                <p:cNvPr id="91" name="ZoneTexte 90">
                   <a:extLst>
                     <a:ext uri="{FF2B5EF4-FFF2-40B4-BE49-F238E27FC236}">
-                      <a16:creationId xmlns:a16="http://schemas.microsoft.com/office/drawing/2014/main" id="{A4DAFE3C-8244-431E-BF1C-B3AFAF811235}"/>
+                      <a16:creationId xmlns:a16="http://schemas.microsoft.com/office/drawing/2014/main" id="{9AF995DF-22E9-4D94-AFB0-BFBCF66DE7A0}"/>
                     </a:ext>
                   </a:extLst>
                 </p:cNvPr>
-                <p:cNvSpPr/>
+                <p:cNvSpPr txBox="1"/>
                 <p:nvPr/>
               </p:nvSpPr>
               <p:spPr>
                 <a:xfrm>
-                  <a:off x="1422096" y="3537130"/>
-                  <a:ext cx="360050" cy="360050"/>
+                  <a:off x="1422888" y="2817818"/>
+                  <a:ext cx="180025" cy="292388"/>
                 </a:xfrm>
-                <a:prstGeom prst="ellipse">
+                <a:prstGeom prst="rect">
                   <a:avLst/>
                 </a:prstGeom>
-                <a:solidFill>
-                  <a:srgbClr val="92D050"/>
-                </a:solidFill>
-                <a:ln>
-                  <a:solidFill>
-                    <a:schemeClr val="tx1"/>
-                  </a:solidFill>
-                </a:ln>
+                <a:noFill/>
               </p:spPr>
-              <p:style>
-                <a:lnRef idx="2">
-                  <a:schemeClr val="accent1">
-                    <a:shade val="50000"/>
-                  </a:schemeClr>
-                </a:lnRef>
-                <a:fillRef idx="1">
-                  <a:schemeClr val="accent1"/>
-                </a:fillRef>
-                <a:effectRef idx="0">
-                  <a:schemeClr val="accent1"/>
-                </a:effectRef>
-                <a:fontRef idx="minor">
-                  <a:schemeClr val="lt1"/>
-                </a:fontRef>
-              </p:style>
               <p:txBody>
-                <a:bodyPr rtlCol="0" anchor="ctr"/>
+                <a:bodyPr wrap="square" rtlCol="0">
+                  <a:spAutoFit/>
+                </a:bodyPr>
                 <a:lstStyle/>
                 <a:p>
-                  <a:pPr algn="ctr"/>
                   <a:r>
-                    <a:rPr lang="fr-FR" dirty="0">
-                      <a:solidFill>
-                        <a:schemeClr val="tx1"/>
-                      </a:solidFill>
-                    </a:rPr>
-                    <a:t>R</a:t>
+                    <a:rPr lang="fr-FR" sz="1300" dirty="0"/>
+                    <a:t>5</a:t>
                   </a:r>
                 </a:p>
               </p:txBody>
             </p:sp>
             <p:sp>
               <p:nvSpPr>
-                <p:cNvPr id="97" name="Ellipse 96">
+                <p:cNvPr id="92" name="ZoneTexte 91">
                   <a:extLst>
                     <a:ext uri="{FF2B5EF4-FFF2-40B4-BE49-F238E27FC236}">
-                      <a16:creationId xmlns:a16="http://schemas.microsoft.com/office/drawing/2014/main" id="{68DECEDF-949B-4638-BF2C-2A9F18CB48FB}"/>
+                      <a16:creationId xmlns:a16="http://schemas.microsoft.com/office/drawing/2014/main" id="{376A9690-4BFB-44F5-85EC-544E2531E337}"/>
                     </a:ext>
                   </a:extLst>
                 </p:cNvPr>
-                <p:cNvSpPr/>
+                <p:cNvSpPr txBox="1"/>
                 <p:nvPr/>
               </p:nvSpPr>
               <p:spPr>
                 <a:xfrm>
-                  <a:off x="1548669" y="2999080"/>
-                  <a:ext cx="360050" cy="360050"/>
+                  <a:off x="616356" y="3448078"/>
+                  <a:ext cx="180025" cy="292388"/>
                 </a:xfrm>
-                <a:prstGeom prst="ellipse">
+                <a:prstGeom prst="rect">
                   <a:avLst/>
                 </a:prstGeom>
-                <a:solidFill>
-                  <a:schemeClr val="bg2"/>
-                </a:solidFill>
-                <a:ln>
-                  <a:solidFill>
-                    <a:schemeClr val="tx1"/>
-                  </a:solidFill>
-                </a:ln>
+                <a:noFill/>
               </p:spPr>
-              <p:style>
-                <a:lnRef idx="2">
-                  <a:schemeClr val="accent1">
-                    <a:shade val="50000"/>
-                  </a:schemeClr>
-                </a:lnRef>
-                <a:fillRef idx="1">
-                  <a:schemeClr val="accent1"/>
-                </a:fillRef>
-                <a:effectRef idx="0">
-                  <a:schemeClr val="accent1"/>
-                </a:effectRef>
-                <a:fontRef idx="minor">
-                  <a:schemeClr val="lt1"/>
-                </a:fontRef>
-              </p:style>
               <p:txBody>
-                <a:bodyPr rtlCol="0" anchor="ctr"/>
+                <a:bodyPr wrap="square" rtlCol="0">
+                  <a:spAutoFit/>
+                </a:bodyPr>
                 <a:lstStyle/>
                 <a:p>
-                  <a:pPr algn="ctr"/>
                   <a:r>
-                    <a:rPr lang="fr-FR" dirty="0">
-                      <a:solidFill>
-                        <a:schemeClr val="tx1"/>
-                      </a:solidFill>
-                    </a:rPr>
-                    <a:t>S</a:t>
+                    <a:rPr lang="fr-FR" sz="1300" dirty="0"/>
+                    <a:t>3</a:t>
                   </a:r>
                 </a:p>
               </p:txBody>
             </p:sp>
             <p:sp>
               <p:nvSpPr>
-                <p:cNvPr id="98" name="Ellipse 97">
+                <p:cNvPr id="93" name="ZoneTexte 92">
                   <a:extLst>
                     <a:ext uri="{FF2B5EF4-FFF2-40B4-BE49-F238E27FC236}">
-                      <a16:creationId xmlns:a16="http://schemas.microsoft.com/office/drawing/2014/main" id="{6D3A91F0-6160-4731-B445-6C55137FDFE4}"/>
+                      <a16:creationId xmlns:a16="http://schemas.microsoft.com/office/drawing/2014/main" id="{1002E3C3-2588-4F5E-A592-88320BA95D96}"/>
                     </a:ext>
                   </a:extLst>
                 </p:cNvPr>
-                <p:cNvSpPr/>
+                <p:cNvSpPr txBox="1"/>
                 <p:nvPr/>
               </p:nvSpPr>
               <p:spPr>
                 <a:xfrm>
-                  <a:off x="800884" y="3537130"/>
-                  <a:ext cx="360050" cy="360050"/>
+                  <a:off x="1242863" y="3423864"/>
+                  <a:ext cx="180025" cy="292388"/>
                 </a:xfrm>
-                <a:prstGeom prst="ellipse">
+                <a:prstGeom prst="rect">
                   <a:avLst/>
                 </a:prstGeom>
-                <a:solidFill>
-                  <a:schemeClr val="bg2"/>
-                </a:solidFill>
-                <a:ln>
-                  <a:solidFill>
-                    <a:schemeClr val="tx1"/>
-                  </a:solidFill>
-                </a:ln>
+                <a:noFill/>
               </p:spPr>
-              <p:style>
-                <a:lnRef idx="2">
-                  <a:schemeClr val="accent1">
-                    <a:shade val="50000"/>
-                  </a:schemeClr>
-                </a:lnRef>
-                <a:fillRef idx="1">
-                  <a:schemeClr val="accent1"/>
-                </a:fillRef>
-                <a:effectRef idx="0">
-                  <a:schemeClr val="accent1"/>
-                </a:effectRef>
-                <a:fontRef idx="minor">
-                  <a:schemeClr val="lt1"/>
-                </a:fontRef>
-              </p:style>
               <p:txBody>
-                <a:bodyPr rtlCol="0" anchor="ctr"/>
+                <a:bodyPr wrap="square" rtlCol="0">
+                  <a:spAutoFit/>
+                </a:bodyPr>
                 <a:lstStyle/>
                 <a:p>
-                  <a:pPr algn="ctr"/>
                   <a:r>
-                    <a:rPr lang="fr-FR" dirty="0">
-                      <a:solidFill>
-                        <a:schemeClr val="tx1"/>
-                      </a:solidFill>
-                    </a:rPr>
-                    <a:t>S</a:t>
+                    <a:rPr lang="fr-FR" sz="1300" dirty="0"/>
+                    <a:t>4</a:t>
                   </a:r>
                 </a:p>
               </p:txBody>
@@ -45912,10 +46572,10 @@
           </p:grpSp>
           <p:sp>
             <p:nvSpPr>
-              <p:cNvPr id="89" name="ZoneTexte 88">
+              <p:cNvPr id="87" name="ZoneTexte 86">
                 <a:extLst>
                   <a:ext uri="{FF2B5EF4-FFF2-40B4-BE49-F238E27FC236}">
-                    <a16:creationId xmlns:a16="http://schemas.microsoft.com/office/drawing/2014/main" id="{06305D87-D029-4DE2-96D0-D9DEDA27ED80}"/>
+                    <a16:creationId xmlns:a16="http://schemas.microsoft.com/office/drawing/2014/main" id="{5199CE2D-0DEB-4373-B480-26FC2960286F}"/>
                   </a:ext>
                 </a:extLst>
               </p:cNvPr>
@@ -45924,8 +46584,8 @@
             </p:nvSpPr>
             <p:spPr>
               <a:xfrm>
-                <a:off x="925634" y="2436597"/>
-                <a:ext cx="180025" cy="292388"/>
+                <a:off x="2264244" y="4015788"/>
+                <a:ext cx="1957115" cy="584775"/>
               </a:xfrm>
               <a:prstGeom prst="rect">
                 <a:avLst/>
@@ -45939,298 +46599,123 @@
               <a:lstStyle/>
               <a:p>
                 <a:r>
-                  <a:rPr lang="fr-FR" sz="1300" dirty="0"/>
-                  <a:t>1</a:t>
+                  <a:rPr lang="fr-FR" sz="1600" dirty="0"/>
+                  <a:t>d) Node 4 </a:t>
                 </a:r>
-              </a:p>
-            </p:txBody>
-          </p:sp>
-          <p:sp>
-            <p:nvSpPr>
-              <p:cNvPr id="90" name="ZoneTexte 89">
-                <a:extLst>
-                  <a:ext uri="{FF2B5EF4-FFF2-40B4-BE49-F238E27FC236}">
-                    <a16:creationId xmlns:a16="http://schemas.microsoft.com/office/drawing/2014/main" id="{C11D6F2D-6128-43A3-B409-5C362EF69CBA}"/>
-                  </a:ext>
-                </a:extLst>
-              </p:cNvPr>
-              <p:cNvSpPr txBox="1"/>
-              <p:nvPr/>
-            </p:nvSpPr>
-            <p:spPr>
-              <a:xfrm>
-                <a:off x="426991" y="2850746"/>
-                <a:ext cx="180025" cy="292388"/>
-              </a:xfrm>
-              <a:prstGeom prst="rect">
-                <a:avLst/>
-              </a:prstGeom>
-              <a:noFill/>
-            </p:spPr>
-            <p:txBody>
-              <a:bodyPr wrap="square" rtlCol="0">
-                <a:spAutoFit/>
-              </a:bodyPr>
-              <a:lstStyle/>
-              <a:p>
                 <a:r>
-                  <a:rPr lang="fr-FR" sz="1300" dirty="0"/>
-                  <a:t>2</a:t>
+                  <a:rPr lang="fr-FR" sz="1600" dirty="0" err="1"/>
+                  <a:t>becomes</a:t>
                 </a:r>
-              </a:p>
-            </p:txBody>
-          </p:sp>
-          <p:sp>
-            <p:nvSpPr>
-              <p:cNvPr id="91" name="ZoneTexte 90">
-                <a:extLst>
-                  <a:ext uri="{FF2B5EF4-FFF2-40B4-BE49-F238E27FC236}">
-                    <a16:creationId xmlns:a16="http://schemas.microsoft.com/office/drawing/2014/main" id="{9AF995DF-22E9-4D94-AFB0-BFBCF66DE7A0}"/>
-                  </a:ext>
-                </a:extLst>
-              </p:cNvPr>
-              <p:cNvSpPr txBox="1"/>
-              <p:nvPr/>
-            </p:nvSpPr>
-            <p:spPr>
-              <a:xfrm>
-                <a:off x="1422888" y="2817818"/>
-                <a:ext cx="180025" cy="292388"/>
-              </a:xfrm>
-              <a:prstGeom prst="rect">
-                <a:avLst/>
-              </a:prstGeom>
-              <a:noFill/>
-            </p:spPr>
-            <p:txBody>
-              <a:bodyPr wrap="square" rtlCol="0">
-                <a:spAutoFit/>
-              </a:bodyPr>
-              <a:lstStyle/>
-              <a:p>
                 <a:r>
-                  <a:rPr lang="fr-FR" sz="1300" dirty="0"/>
-                  <a:t>5</a:t>
+                  <a:rPr lang="fr-FR" sz="1600" dirty="0"/>
+                  <a:t> </a:t>
                 </a:r>
-              </a:p>
-            </p:txBody>
-          </p:sp>
-          <p:sp>
-            <p:nvSpPr>
-              <p:cNvPr id="92" name="ZoneTexte 91">
-                <a:extLst>
-                  <a:ext uri="{FF2B5EF4-FFF2-40B4-BE49-F238E27FC236}">
-                    <a16:creationId xmlns:a16="http://schemas.microsoft.com/office/drawing/2014/main" id="{376A9690-4BFB-44F5-85EC-544E2531E337}"/>
-                  </a:ext>
-                </a:extLst>
-              </p:cNvPr>
-              <p:cNvSpPr txBox="1"/>
-              <p:nvPr/>
-            </p:nvSpPr>
-            <p:spPr>
-              <a:xfrm>
-                <a:off x="616356" y="3448078"/>
-                <a:ext cx="180025" cy="292388"/>
-              </a:xfrm>
-              <a:prstGeom prst="rect">
-                <a:avLst/>
-              </a:prstGeom>
-              <a:noFill/>
-            </p:spPr>
-            <p:txBody>
-              <a:bodyPr wrap="square" rtlCol="0">
-                <a:spAutoFit/>
-              </a:bodyPr>
-              <a:lstStyle/>
-              <a:p>
                 <a:r>
-                  <a:rPr lang="fr-FR" sz="1300" dirty="0"/>
-                  <a:t>3</a:t>
+                  <a:rPr lang="fr-FR" sz="1600" dirty="0" err="1"/>
+                  <a:t>Recovered</a:t>
                 </a:r>
-              </a:p>
-            </p:txBody>
-          </p:sp>
-          <p:sp>
-            <p:nvSpPr>
-              <p:cNvPr id="93" name="ZoneTexte 92">
-                <a:extLst>
-                  <a:ext uri="{FF2B5EF4-FFF2-40B4-BE49-F238E27FC236}">
-                    <a16:creationId xmlns:a16="http://schemas.microsoft.com/office/drawing/2014/main" id="{1002E3C3-2588-4F5E-A592-88320BA95D96}"/>
-                  </a:ext>
-                </a:extLst>
-              </p:cNvPr>
-              <p:cNvSpPr txBox="1"/>
-              <p:nvPr/>
-            </p:nvSpPr>
-            <p:spPr>
-              <a:xfrm>
-                <a:off x="1242863" y="3423864"/>
-                <a:ext cx="180025" cy="292388"/>
-              </a:xfrm>
-              <a:prstGeom prst="rect">
-                <a:avLst/>
-              </a:prstGeom>
-              <a:noFill/>
-            </p:spPr>
-            <p:txBody>
-              <a:bodyPr wrap="square" rtlCol="0">
-                <a:spAutoFit/>
-              </a:bodyPr>
-              <a:lstStyle/>
-              <a:p>
-                <a:r>
-                  <a:rPr lang="fr-FR" sz="1300" dirty="0"/>
-                  <a:t>4</a:t>
-                </a:r>
+                <a:endParaRPr lang="fr-FR" sz="1600" dirty="0"/>
               </a:p>
             </p:txBody>
           </p:sp>
         </p:grpSp>
-        <p:sp>
-          <p:nvSpPr>
-            <p:cNvPr id="87" name="ZoneTexte 86">
+        <p:cxnSp>
+          <p:nvCxnSpPr>
+            <p:cNvPr id="100" name="Connecteur droit 99">
               <a:extLst>
                 <a:ext uri="{FF2B5EF4-FFF2-40B4-BE49-F238E27FC236}">
-                  <a16:creationId xmlns:a16="http://schemas.microsoft.com/office/drawing/2014/main" id="{5199CE2D-0DEB-4373-B480-26FC2960286F}"/>
+                  <a16:creationId xmlns:a16="http://schemas.microsoft.com/office/drawing/2014/main" id="{90D9991A-CEAE-4DBC-AB78-87EA5FE12C10}"/>
                 </a:ext>
               </a:extLst>
             </p:cNvPr>
-            <p:cNvSpPr txBox="1"/>
+            <p:cNvCxnSpPr>
+              <a:cxnSpLocks/>
+              <a:stCxn id="98" idx="6"/>
+              <a:endCxn id="96" idx="2"/>
+            </p:cNvCxnSpPr>
             <p:nvPr/>
-          </p:nvSpPr>
+          </p:nvCxnSpPr>
           <p:spPr>
             <a:xfrm>
-              <a:off x="2264244" y="4015788"/>
-              <a:ext cx="1957115" cy="584775"/>
+              <a:off x="7610228" y="3768744"/>
+              <a:ext cx="261162" cy="0"/>
             </a:xfrm>
-            <a:prstGeom prst="rect">
+            <a:prstGeom prst="line">
               <a:avLst/>
             </a:prstGeom>
-            <a:noFill/>
+            <a:ln w="28575" cap="sq">
+              <a:solidFill>
+                <a:schemeClr val="tx1"/>
+              </a:solidFill>
+              <a:round/>
+              <a:headEnd type="none" w="med" len="med"/>
+              <a:tailEnd type="none" w="med" len="med"/>
+            </a:ln>
           </p:spPr>
-          <p:txBody>
-            <a:bodyPr wrap="square" rtlCol="0">
-              <a:spAutoFit/>
-            </a:bodyPr>
-            <a:lstStyle/>
-            <a:p>
-              <a:r>
-                <a:rPr lang="fr-FR" sz="1600" dirty="0"/>
-                <a:t>d) Node 4 </a:t>
-              </a:r>
-              <a:r>
-                <a:rPr lang="fr-FR" sz="1600" dirty="0" err="1"/>
-                <a:t>becomes</a:t>
-              </a:r>
-              <a:r>
-                <a:rPr lang="fr-FR" sz="1600" dirty="0"/>
-                <a:t> </a:t>
-              </a:r>
-              <a:r>
-                <a:rPr lang="fr-FR" sz="1600" dirty="0" err="1"/>
-                <a:t>Recovered</a:t>
-              </a:r>
-              <a:endParaRPr lang="fr-FR" sz="1600" dirty="0"/>
-            </a:p>
-          </p:txBody>
-        </p:sp>
+          <p:style>
+            <a:lnRef idx="1">
+              <a:schemeClr val="accent1"/>
+            </a:lnRef>
+            <a:fillRef idx="0">
+              <a:schemeClr val="accent1"/>
+            </a:fillRef>
+            <a:effectRef idx="0">
+              <a:schemeClr val="accent1"/>
+            </a:effectRef>
+            <a:fontRef idx="minor">
+              <a:schemeClr val="tx1"/>
+            </a:fontRef>
+          </p:style>
+        </p:cxnSp>
+        <p:cxnSp>
+          <p:nvCxnSpPr>
+            <p:cNvPr id="101" name="Connecteur droit 100">
+              <a:extLst>
+                <a:ext uri="{FF2B5EF4-FFF2-40B4-BE49-F238E27FC236}">
+                  <a16:creationId xmlns:a16="http://schemas.microsoft.com/office/drawing/2014/main" id="{A0EDB513-0087-4761-B174-B370B996DE4F}"/>
+                </a:ext>
+              </a:extLst>
+            </p:cNvPr>
+            <p:cNvCxnSpPr>
+              <a:cxnSpLocks/>
+              <a:stCxn id="96" idx="0"/>
+              <a:endCxn id="94" idx="5"/>
+            </p:cNvCxnSpPr>
+            <p:nvPr/>
+          </p:nvCxnSpPr>
+          <p:spPr>
+            <a:xfrm flipH="1" flipV="1">
+              <a:off x="7841380" y="2995801"/>
+              <a:ext cx="210035" cy="592918"/>
+            </a:xfrm>
+            <a:prstGeom prst="line">
+              <a:avLst/>
+            </a:prstGeom>
+            <a:ln w="28575" cap="sq">
+              <a:solidFill>
+                <a:schemeClr val="tx1"/>
+              </a:solidFill>
+              <a:round/>
+              <a:headEnd type="none" w="med" len="med"/>
+              <a:tailEnd type="none" w="med" len="med"/>
+            </a:ln>
+          </p:spPr>
+          <p:style>
+            <a:lnRef idx="1">
+              <a:schemeClr val="accent1"/>
+            </a:lnRef>
+            <a:fillRef idx="0">
+              <a:schemeClr val="accent1"/>
+            </a:fillRef>
+            <a:effectRef idx="0">
+              <a:schemeClr val="accent1"/>
+            </a:effectRef>
+            <a:fontRef idx="minor">
+              <a:schemeClr val="tx1"/>
+            </a:fontRef>
+          </p:style>
+        </p:cxnSp>
       </p:grpSp>
-      <p:cxnSp>
-        <p:nvCxnSpPr>
-          <p:cNvPr id="100" name="Connecteur droit 99">
-            <a:extLst>
-              <a:ext uri="{FF2B5EF4-FFF2-40B4-BE49-F238E27FC236}">
-                <a16:creationId xmlns:a16="http://schemas.microsoft.com/office/drawing/2014/main" id="{90D9991A-CEAE-4DBC-AB78-87EA5FE12C10}"/>
-              </a:ext>
-            </a:extLst>
-          </p:cNvPr>
-          <p:cNvCxnSpPr>
-            <a:cxnSpLocks/>
-            <a:stCxn id="98" idx="6"/>
-            <a:endCxn id="96" idx="2"/>
-          </p:cNvCxnSpPr>
-          <p:nvPr/>
-        </p:nvCxnSpPr>
-        <p:spPr>
-          <a:xfrm>
-            <a:off x="7610228" y="3768744"/>
-            <a:ext cx="261162" cy="0"/>
-          </a:xfrm>
-          <a:prstGeom prst="line">
-            <a:avLst/>
-          </a:prstGeom>
-          <a:ln w="28575" cap="sq">
-            <a:solidFill>
-              <a:schemeClr val="tx1"/>
-            </a:solidFill>
-            <a:round/>
-            <a:headEnd type="none" w="med" len="med"/>
-            <a:tailEnd type="none" w="med" len="med"/>
-          </a:ln>
-        </p:spPr>
-        <p:style>
-          <a:lnRef idx="1">
-            <a:schemeClr val="accent1"/>
-          </a:lnRef>
-          <a:fillRef idx="0">
-            <a:schemeClr val="accent1"/>
-          </a:fillRef>
-          <a:effectRef idx="0">
-            <a:schemeClr val="accent1"/>
-          </a:effectRef>
-          <a:fontRef idx="minor">
-            <a:schemeClr val="tx1"/>
-          </a:fontRef>
-        </p:style>
-      </p:cxnSp>
-      <p:cxnSp>
-        <p:nvCxnSpPr>
-          <p:cNvPr id="101" name="Connecteur droit 100">
-            <a:extLst>
-              <a:ext uri="{FF2B5EF4-FFF2-40B4-BE49-F238E27FC236}">
-                <a16:creationId xmlns:a16="http://schemas.microsoft.com/office/drawing/2014/main" id="{A0EDB513-0087-4761-B174-B370B996DE4F}"/>
-              </a:ext>
-            </a:extLst>
-          </p:cNvPr>
-          <p:cNvCxnSpPr>
-            <a:cxnSpLocks/>
-            <a:stCxn id="96" idx="0"/>
-            <a:endCxn id="94" idx="5"/>
-          </p:cNvCxnSpPr>
-          <p:nvPr/>
-        </p:nvCxnSpPr>
-        <p:spPr>
-          <a:xfrm flipH="1" flipV="1">
-            <a:off x="7841380" y="2995801"/>
-            <a:ext cx="210035" cy="592918"/>
-          </a:xfrm>
-          <a:prstGeom prst="line">
-            <a:avLst/>
-          </a:prstGeom>
-          <a:ln w="28575" cap="sq">
-            <a:solidFill>
-              <a:schemeClr val="tx1"/>
-            </a:solidFill>
-            <a:round/>
-            <a:headEnd type="none" w="med" len="med"/>
-            <a:tailEnd type="none" w="med" len="med"/>
-          </a:ln>
-        </p:spPr>
-        <p:style>
-          <a:lnRef idx="1">
-            <a:schemeClr val="accent1"/>
-          </a:lnRef>
-          <a:fillRef idx="0">
-            <a:schemeClr val="accent1"/>
-          </a:fillRef>
-          <a:effectRef idx="0">
-            <a:schemeClr val="accent1"/>
-          </a:effectRef>
-          <a:fontRef idx="minor">
-            <a:schemeClr val="tx1"/>
-          </a:fontRef>
-        </p:style>
-      </p:cxnSp>
       <p:grpSp>
         <p:nvGrpSpPr>
           <p:cNvPr id="107" name="Groupe 106">
@@ -46984,6 +47469,386 @@
   <p:transition>
     <p:fade/>
   </p:transition>
+  <p:timing>
+    <p:tnLst>
+      <p:par>
+        <p:cTn id="1" dur="indefinite" restart="never" nodeType="tmRoot">
+          <p:childTnLst>
+            <p:seq concurrent="1" nextAc="seek">
+              <p:cTn id="2" dur="indefinite" nodeType="mainSeq">
+                <p:childTnLst>
+                  <p:par>
+                    <p:cTn id="3" fill="hold">
+                      <p:stCondLst>
+                        <p:cond delay="indefinite"/>
+                      </p:stCondLst>
+                      <p:childTnLst>
+                        <p:par>
+                          <p:cTn id="4" fill="hold">
+                            <p:stCondLst>
+                              <p:cond delay="0"/>
+                            </p:stCondLst>
+                            <p:childTnLst>
+                              <p:par>
+                                <p:cTn id="5" presetID="1" presetClass="entr" presetSubtype="0" fill="hold" nodeType="clickEffect">
+                                  <p:stCondLst>
+                                    <p:cond delay="0"/>
+                                  </p:stCondLst>
+                                  <p:childTnLst>
+                                    <p:set>
+                                      <p:cBhvr>
+                                        <p:cTn id="6" dur="1" fill="hold">
+                                          <p:stCondLst>
+                                            <p:cond delay="0"/>
+                                          </p:stCondLst>
+                                        </p:cTn>
+                                        <p:tgtEl>
+                                          <p:spTgt spid="9">
+                                            <p:txEl>
+                                              <p:pRg st="0" end="0"/>
+                                            </p:txEl>
+                                          </p:spTgt>
+                                        </p:tgtEl>
+                                        <p:attrNameLst>
+                                          <p:attrName>style.visibility</p:attrName>
+                                        </p:attrNameLst>
+                                      </p:cBhvr>
+                                      <p:to>
+                                        <p:strVal val="visible"/>
+                                      </p:to>
+                                    </p:set>
+                                  </p:childTnLst>
+                                </p:cTn>
+                              </p:par>
+                            </p:childTnLst>
+                          </p:cTn>
+                        </p:par>
+                      </p:childTnLst>
+                    </p:cTn>
+                  </p:par>
+                  <p:par>
+                    <p:cTn id="7" fill="hold">
+                      <p:stCondLst>
+                        <p:cond delay="indefinite"/>
+                      </p:stCondLst>
+                      <p:childTnLst>
+                        <p:par>
+                          <p:cTn id="8" fill="hold">
+                            <p:stCondLst>
+                              <p:cond delay="0"/>
+                            </p:stCondLst>
+                            <p:childTnLst>
+                              <p:par>
+                                <p:cTn id="9" presetID="1" presetClass="entr" presetSubtype="0" fill="hold" nodeType="clickEffect">
+                                  <p:stCondLst>
+                                    <p:cond delay="0"/>
+                                  </p:stCondLst>
+                                  <p:childTnLst>
+                                    <p:set>
+                                      <p:cBhvr>
+                                        <p:cTn id="10" dur="1" fill="hold">
+                                          <p:stCondLst>
+                                            <p:cond delay="0"/>
+                                          </p:stCondLst>
+                                        </p:cTn>
+                                        <p:tgtEl>
+                                          <p:spTgt spid="51"/>
+                                        </p:tgtEl>
+                                        <p:attrNameLst>
+                                          <p:attrName>style.visibility</p:attrName>
+                                        </p:attrNameLst>
+                                      </p:cBhvr>
+                                      <p:to>
+                                        <p:strVal val="visible"/>
+                                      </p:to>
+                                    </p:set>
+                                  </p:childTnLst>
+                                </p:cTn>
+                              </p:par>
+                            </p:childTnLst>
+                          </p:cTn>
+                        </p:par>
+                      </p:childTnLst>
+                    </p:cTn>
+                  </p:par>
+                  <p:par>
+                    <p:cTn id="11" fill="hold">
+                      <p:stCondLst>
+                        <p:cond delay="indefinite"/>
+                      </p:stCondLst>
+                      <p:childTnLst>
+                        <p:par>
+                          <p:cTn id="12" fill="hold">
+                            <p:stCondLst>
+                              <p:cond delay="0"/>
+                            </p:stCondLst>
+                            <p:childTnLst>
+                              <p:par>
+                                <p:cTn id="13" presetID="1" presetClass="entr" presetSubtype="0" fill="hold" nodeType="clickEffect">
+                                  <p:stCondLst>
+                                    <p:cond delay="0"/>
+                                  </p:stCondLst>
+                                  <p:childTnLst>
+                                    <p:set>
+                                      <p:cBhvr>
+                                        <p:cTn id="14" dur="1" fill="hold">
+                                          <p:stCondLst>
+                                            <p:cond delay="0"/>
+                                          </p:stCondLst>
+                                        </p:cTn>
+                                        <p:tgtEl>
+                                          <p:spTgt spid="52"/>
+                                        </p:tgtEl>
+                                        <p:attrNameLst>
+                                          <p:attrName>style.visibility</p:attrName>
+                                        </p:attrNameLst>
+                                      </p:cBhvr>
+                                      <p:to>
+                                        <p:strVal val="visible"/>
+                                      </p:to>
+                                    </p:set>
+                                  </p:childTnLst>
+                                </p:cTn>
+                              </p:par>
+                            </p:childTnLst>
+                          </p:cTn>
+                        </p:par>
+                      </p:childTnLst>
+                    </p:cTn>
+                  </p:par>
+                  <p:par>
+                    <p:cTn id="15" fill="hold">
+                      <p:stCondLst>
+                        <p:cond delay="indefinite"/>
+                      </p:stCondLst>
+                      <p:childTnLst>
+                        <p:par>
+                          <p:cTn id="16" fill="hold">
+                            <p:stCondLst>
+                              <p:cond delay="0"/>
+                            </p:stCondLst>
+                            <p:childTnLst>
+                              <p:par>
+                                <p:cTn id="17" presetID="1" presetClass="entr" presetSubtype="0" fill="hold" nodeType="clickEffect">
+                                  <p:stCondLst>
+                                    <p:cond delay="0"/>
+                                  </p:stCondLst>
+                                  <p:childTnLst>
+                                    <p:set>
+                                      <p:cBhvr>
+                                        <p:cTn id="18" dur="1" fill="hold">
+                                          <p:stCondLst>
+                                            <p:cond delay="0"/>
+                                          </p:stCondLst>
+                                        </p:cTn>
+                                        <p:tgtEl>
+                                          <p:spTgt spid="67"/>
+                                        </p:tgtEl>
+                                        <p:attrNameLst>
+                                          <p:attrName>style.visibility</p:attrName>
+                                        </p:attrNameLst>
+                                      </p:cBhvr>
+                                      <p:to>
+                                        <p:strVal val="visible"/>
+                                      </p:to>
+                                    </p:set>
+                                  </p:childTnLst>
+                                </p:cTn>
+                              </p:par>
+                            </p:childTnLst>
+                          </p:cTn>
+                        </p:par>
+                      </p:childTnLst>
+                    </p:cTn>
+                  </p:par>
+                  <p:par>
+                    <p:cTn id="19" fill="hold">
+                      <p:stCondLst>
+                        <p:cond delay="indefinite"/>
+                      </p:stCondLst>
+                      <p:childTnLst>
+                        <p:par>
+                          <p:cTn id="20" fill="hold">
+                            <p:stCondLst>
+                              <p:cond delay="0"/>
+                            </p:stCondLst>
+                            <p:childTnLst>
+                              <p:par>
+                                <p:cTn id="21" presetID="1" presetClass="entr" presetSubtype="0" fill="hold" nodeType="clickEffect">
+                                  <p:stCondLst>
+                                    <p:cond delay="0"/>
+                                  </p:stCondLst>
+                                  <p:childTnLst>
+                                    <p:set>
+                                      <p:cBhvr>
+                                        <p:cTn id="22" dur="1" fill="hold">
+                                          <p:stCondLst>
+                                            <p:cond delay="0"/>
+                                          </p:stCondLst>
+                                        </p:cTn>
+                                        <p:tgtEl>
+                                          <p:spTgt spid="123"/>
+                                        </p:tgtEl>
+                                        <p:attrNameLst>
+                                          <p:attrName>style.visibility</p:attrName>
+                                        </p:attrNameLst>
+                                      </p:cBhvr>
+                                      <p:to>
+                                        <p:strVal val="visible"/>
+                                      </p:to>
+                                    </p:set>
+                                  </p:childTnLst>
+                                </p:cTn>
+                              </p:par>
+                            </p:childTnLst>
+                          </p:cTn>
+                        </p:par>
+                      </p:childTnLst>
+                    </p:cTn>
+                  </p:par>
+                  <p:par>
+                    <p:cTn id="23" fill="hold">
+                      <p:stCondLst>
+                        <p:cond delay="indefinite"/>
+                      </p:stCondLst>
+                      <p:childTnLst>
+                        <p:par>
+                          <p:cTn id="24" fill="hold">
+                            <p:stCondLst>
+                              <p:cond delay="0"/>
+                            </p:stCondLst>
+                            <p:childTnLst>
+                              <p:par>
+                                <p:cTn id="25" presetID="1" presetClass="entr" presetSubtype="0" fill="hold" nodeType="clickEffect">
+                                  <p:stCondLst>
+                                    <p:cond delay="0"/>
+                                  </p:stCondLst>
+                                  <p:childTnLst>
+                                    <p:set>
+                                      <p:cBhvr>
+                                        <p:cTn id="26" dur="1" fill="hold">
+                                          <p:stCondLst>
+                                            <p:cond delay="0"/>
+                                          </p:stCondLst>
+                                        </p:cTn>
+                                        <p:tgtEl>
+                                          <p:spTgt spid="107"/>
+                                        </p:tgtEl>
+                                        <p:attrNameLst>
+                                          <p:attrName>style.visibility</p:attrName>
+                                        </p:attrNameLst>
+                                      </p:cBhvr>
+                                      <p:to>
+                                        <p:strVal val="visible"/>
+                                      </p:to>
+                                    </p:set>
+                                  </p:childTnLst>
+                                </p:cTn>
+                              </p:par>
+                            </p:childTnLst>
+                          </p:cTn>
+                        </p:par>
+                      </p:childTnLst>
+                    </p:cTn>
+                  </p:par>
+                  <p:par>
+                    <p:cTn id="27" fill="hold">
+                      <p:stCondLst>
+                        <p:cond delay="indefinite"/>
+                      </p:stCondLst>
+                      <p:childTnLst>
+                        <p:par>
+                          <p:cTn id="28" fill="hold">
+                            <p:stCondLst>
+                              <p:cond delay="0"/>
+                            </p:stCondLst>
+                            <p:childTnLst>
+                              <p:par>
+                                <p:cTn id="29" presetID="1" presetClass="entr" presetSubtype="0" fill="hold" grpId="0" nodeType="clickEffect">
+                                  <p:stCondLst>
+                                    <p:cond delay="0"/>
+                                  </p:stCondLst>
+                                  <p:childTnLst>
+                                    <p:set>
+                                      <p:cBhvr>
+                                        <p:cTn id="30" dur="1" fill="hold">
+                                          <p:stCondLst>
+                                            <p:cond delay="0"/>
+                                          </p:stCondLst>
+                                        </p:cTn>
+                                        <p:tgtEl>
+                                          <p:spTgt spid="121"/>
+                                        </p:tgtEl>
+                                        <p:attrNameLst>
+                                          <p:attrName>style.visibility</p:attrName>
+                                        </p:attrNameLst>
+                                      </p:cBhvr>
+                                      <p:to>
+                                        <p:strVal val="visible"/>
+                                      </p:to>
+                                    </p:set>
+                                  </p:childTnLst>
+                                </p:cTn>
+                              </p:par>
+                              <p:par>
+                                <p:cTn id="31" presetID="1" presetClass="entr" presetSubtype="0" fill="hold" grpId="0" nodeType="withEffect">
+                                  <p:stCondLst>
+                                    <p:cond delay="0"/>
+                                  </p:stCondLst>
+                                  <p:childTnLst>
+                                    <p:set>
+                                      <p:cBhvr>
+                                        <p:cTn id="32" dur="1" fill="hold">
+                                          <p:stCondLst>
+                                            <p:cond delay="0"/>
+                                          </p:stCondLst>
+                                        </p:cTn>
+                                        <p:tgtEl>
+                                          <p:spTgt spid="122"/>
+                                        </p:tgtEl>
+                                        <p:attrNameLst>
+                                          <p:attrName>style.visibility</p:attrName>
+                                        </p:attrNameLst>
+                                      </p:cBhvr>
+                                      <p:to>
+                                        <p:strVal val="visible"/>
+                                      </p:to>
+                                    </p:set>
+                                  </p:childTnLst>
+                                </p:cTn>
+                              </p:par>
+                            </p:childTnLst>
+                          </p:cTn>
+                        </p:par>
+                      </p:childTnLst>
+                    </p:cTn>
+                  </p:par>
+                </p:childTnLst>
+              </p:cTn>
+              <p:prevCondLst>
+                <p:cond evt="onPrev" delay="0">
+                  <p:tgtEl>
+                    <p:sldTgt/>
+                  </p:tgtEl>
+                </p:cond>
+              </p:prevCondLst>
+              <p:nextCondLst>
+                <p:cond evt="onNext" delay="0">
+                  <p:tgtEl>
+                    <p:sldTgt/>
+                  </p:tgtEl>
+                </p:cond>
+              </p:nextCondLst>
+            </p:seq>
+          </p:childTnLst>
+        </p:cTn>
+      </p:par>
+    </p:tnLst>
+    <p:bldLst>
+      <p:bldP spid="121" grpId="0"/>
+      <p:bldP spid="122" grpId="0"/>
+    </p:bldLst>
+  </p:timing>
 </p:sld>
 </file>
 
@@ -47367,691 +48232,686 @@
         </p:blipFill>
         <p:spPr>
           <a:xfrm>
-            <a:off x="3738661" y="1566309"/>
-            <a:ext cx="4764053" cy="4873753"/>
+            <a:off x="1711565" y="2026718"/>
+            <a:ext cx="4115286" cy="4210047"/>
           </a:xfrm>
           <a:prstGeom prst="rect">
             <a:avLst/>
           </a:prstGeom>
         </p:spPr>
       </p:pic>
-      <p:sp>
-        <p:nvSpPr>
-          <p:cNvPr id="2" name="Connettore 1">
+      <p:grpSp>
+        <p:nvGrpSpPr>
+          <p:cNvPr id="9" name="Groupe 8">
             <a:extLst>
               <a:ext uri="{FF2B5EF4-FFF2-40B4-BE49-F238E27FC236}">
-                <a16:creationId xmlns:a16="http://schemas.microsoft.com/office/drawing/2014/main" id="{CFA83843-57ED-4051-A31E-A53B830D0D19}"/>
+                <a16:creationId xmlns:a16="http://schemas.microsoft.com/office/drawing/2014/main" id="{113D0AD8-0856-4643-8623-73158CC23988}"/>
               </a:ext>
             </a:extLst>
           </p:cNvPr>
-          <p:cNvSpPr/>
+          <p:cNvGrpSpPr/>
           <p:nvPr/>
-        </p:nvSpPr>
-        <p:spPr>
+        </p:nvGrpSpPr>
+        <p:grpSpPr>
           <a:xfrm>
-            <a:off x="771624" y="2502319"/>
-            <a:ext cx="288040" cy="288040"/>
+            <a:off x="7037950" y="2496761"/>
+            <a:ext cx="2714345" cy="3383709"/>
+            <a:chOff x="770464" y="2497077"/>
+            <a:chExt cx="2714345" cy="3383709"/>
           </a:xfrm>
-          <a:prstGeom prst="flowChartConnector">
-            <a:avLst/>
-          </a:prstGeom>
-          <a:solidFill>
-            <a:schemeClr val="accent2">
-              <a:lumMod val="40000"/>
-              <a:lumOff val="60000"/>
-            </a:schemeClr>
-          </a:solidFill>
-          <a:ln>
-            <a:noFill/>
-          </a:ln>
-        </p:spPr>
-        <p:style>
-          <a:lnRef idx="2">
-            <a:schemeClr val="accent1">
-              <a:shade val="50000"/>
-            </a:schemeClr>
-          </a:lnRef>
-          <a:fillRef idx="1">
-            <a:schemeClr val="accent1"/>
-          </a:fillRef>
-          <a:effectRef idx="0">
-            <a:schemeClr val="accent1"/>
-          </a:effectRef>
-          <a:fontRef idx="minor">
-            <a:schemeClr val="lt1"/>
-          </a:fontRef>
-        </p:style>
-        <p:txBody>
-          <a:bodyPr rtlCol="0" anchor="ctr"/>
-          <a:lstStyle/>
-          <a:p>
-            <a:pPr algn="ctr"/>
-            <a:endParaRPr lang="en-AU" dirty="0"/>
-          </a:p>
-        </p:txBody>
-      </p:sp>
-      <p:sp>
-        <p:nvSpPr>
-          <p:cNvPr id="9" name="ZoneTexte 86">
-            <a:extLst>
-              <a:ext uri="{FF2B5EF4-FFF2-40B4-BE49-F238E27FC236}">
-                <a16:creationId xmlns:a16="http://schemas.microsoft.com/office/drawing/2014/main" id="{0257BAFC-E1FB-4890-94FF-BBFDE56F9C98}"/>
-              </a:ext>
-            </a:extLst>
-          </p:cNvPr>
-          <p:cNvSpPr txBox="1"/>
-          <p:nvPr/>
-        </p:nvSpPr>
-        <p:spPr>
-          <a:xfrm>
-            <a:off x="886730" y="2008739"/>
-            <a:ext cx="1197764" cy="400110"/>
-          </a:xfrm>
-          <a:prstGeom prst="rect">
-            <a:avLst/>
-          </a:prstGeom>
-          <a:noFill/>
-        </p:spPr>
-        <p:txBody>
-          <a:bodyPr wrap="square" rtlCol="0">
-            <a:spAutoFit/>
-          </a:bodyPr>
-          <a:lstStyle/>
-          <a:p>
-            <a:r>
-              <a:rPr lang="fr-FR" sz="2000" dirty="0" err="1"/>
-              <a:t>Legend</a:t>
-            </a:r>
-            <a:r>
-              <a:rPr lang="fr-FR" sz="2000" dirty="0"/>
-              <a:t>:</a:t>
-            </a:r>
-          </a:p>
-        </p:txBody>
-      </p:sp>
-      <p:sp>
-        <p:nvSpPr>
-          <p:cNvPr id="10" name="Rettangolo 9">
-            <a:extLst>
-              <a:ext uri="{FF2B5EF4-FFF2-40B4-BE49-F238E27FC236}">
-                <a16:creationId xmlns:a16="http://schemas.microsoft.com/office/drawing/2014/main" id="{F24D8AAA-A3E9-4FFD-9A79-47855836C572}"/>
-              </a:ext>
-            </a:extLst>
-          </p:cNvPr>
-          <p:cNvSpPr/>
-          <p:nvPr/>
-        </p:nvSpPr>
-        <p:spPr>
-          <a:xfrm>
-            <a:off x="1202430" y="2497077"/>
-            <a:ext cx="1659429" cy="369332"/>
-          </a:xfrm>
-          <a:prstGeom prst="rect">
-            <a:avLst/>
-          </a:prstGeom>
-        </p:spPr>
-        <p:txBody>
-          <a:bodyPr wrap="none">
-            <a:spAutoFit/>
-          </a:bodyPr>
-          <a:lstStyle/>
-          <a:p>
-            <a:r>
-              <a:rPr lang="fr-FR" dirty="0"/>
-              <a:t>S: Susceptible</a:t>
-            </a:r>
-          </a:p>
-        </p:txBody>
-      </p:sp>
-      <p:sp>
-        <p:nvSpPr>
-          <p:cNvPr id="11" name="Rettangolo 10">
-            <a:extLst>
-              <a:ext uri="{FF2B5EF4-FFF2-40B4-BE49-F238E27FC236}">
-                <a16:creationId xmlns:a16="http://schemas.microsoft.com/office/drawing/2014/main" id="{DA125D8F-254D-4307-AE02-D401F3C83EAD}"/>
-              </a:ext>
-            </a:extLst>
-          </p:cNvPr>
-          <p:cNvSpPr/>
-          <p:nvPr/>
-        </p:nvSpPr>
-        <p:spPr>
-          <a:xfrm>
-            <a:off x="1202430" y="2970474"/>
-            <a:ext cx="1364476" cy="369332"/>
-          </a:xfrm>
-          <a:prstGeom prst="rect">
-            <a:avLst/>
-          </a:prstGeom>
-        </p:spPr>
-        <p:txBody>
-          <a:bodyPr wrap="none">
-            <a:spAutoFit/>
-          </a:bodyPr>
-          <a:lstStyle/>
-          <a:p>
-            <a:r>
-              <a:rPr lang="fr-FR" dirty="0"/>
-              <a:t>E: </a:t>
-            </a:r>
-            <a:r>
-              <a:rPr lang="fr-FR" dirty="0" err="1"/>
-              <a:t>Exposed</a:t>
-            </a:r>
-            <a:endParaRPr lang="fr-FR" dirty="0"/>
-          </a:p>
-        </p:txBody>
-      </p:sp>
-      <p:sp>
-        <p:nvSpPr>
-          <p:cNvPr id="12" name="Rettangolo 11">
-            <a:extLst>
-              <a:ext uri="{FF2B5EF4-FFF2-40B4-BE49-F238E27FC236}">
-                <a16:creationId xmlns:a16="http://schemas.microsoft.com/office/drawing/2014/main" id="{4A8019A0-ABC1-4EDE-8D96-887AE7F84019}"/>
-              </a:ext>
-            </a:extLst>
-          </p:cNvPr>
-          <p:cNvSpPr/>
-          <p:nvPr/>
-        </p:nvSpPr>
-        <p:spPr>
-          <a:xfrm>
-            <a:off x="1200818" y="3483646"/>
-            <a:ext cx="1197764" cy="369332"/>
-          </a:xfrm>
-          <a:prstGeom prst="rect">
-            <a:avLst/>
-          </a:prstGeom>
-        </p:spPr>
-        <p:txBody>
-          <a:bodyPr wrap="none">
-            <a:spAutoFit/>
-          </a:bodyPr>
-          <a:lstStyle/>
-          <a:p>
-            <a:r>
-              <a:rPr lang="fr-FR" dirty="0"/>
-              <a:t>I: </a:t>
-            </a:r>
-            <a:r>
-              <a:rPr lang="fr-FR" dirty="0" err="1"/>
-              <a:t>Infected</a:t>
-            </a:r>
-            <a:endParaRPr lang="fr-FR" dirty="0"/>
-          </a:p>
-        </p:txBody>
-      </p:sp>
-      <p:sp>
-        <p:nvSpPr>
-          <p:cNvPr id="13" name="Rettangolo 12">
-            <a:extLst>
-              <a:ext uri="{FF2B5EF4-FFF2-40B4-BE49-F238E27FC236}">
-                <a16:creationId xmlns:a16="http://schemas.microsoft.com/office/drawing/2014/main" id="{71C7C12E-947D-4EC6-A55D-14B76F325CC7}"/>
-              </a:ext>
-            </a:extLst>
-          </p:cNvPr>
-          <p:cNvSpPr/>
-          <p:nvPr/>
-        </p:nvSpPr>
-        <p:spPr>
-          <a:xfrm>
-            <a:off x="1196939" y="3996818"/>
-            <a:ext cx="1736373" cy="369332"/>
-          </a:xfrm>
-          <a:prstGeom prst="rect">
-            <a:avLst/>
-          </a:prstGeom>
-        </p:spPr>
-        <p:txBody>
-          <a:bodyPr wrap="none">
-            <a:spAutoFit/>
-          </a:bodyPr>
-          <a:lstStyle/>
-          <a:p>
-            <a:r>
-              <a:rPr lang="fr-FR" dirty="0"/>
-              <a:t>H: </a:t>
-            </a:r>
-            <a:r>
-              <a:rPr lang="fr-FR" dirty="0" err="1"/>
-              <a:t>Hospitalized</a:t>
-            </a:r>
-            <a:endParaRPr lang="fr-FR" dirty="0"/>
-          </a:p>
-        </p:txBody>
-      </p:sp>
-      <p:sp>
-        <p:nvSpPr>
-          <p:cNvPr id="14" name="Rettangolo 13">
-            <a:extLst>
-              <a:ext uri="{FF2B5EF4-FFF2-40B4-BE49-F238E27FC236}">
-                <a16:creationId xmlns:a16="http://schemas.microsoft.com/office/drawing/2014/main" id="{BC446283-21DD-4FD2-A81D-3F0052BFC3E5}"/>
-              </a:ext>
-            </a:extLst>
-          </p:cNvPr>
-          <p:cNvSpPr/>
-          <p:nvPr/>
-        </p:nvSpPr>
-        <p:spPr>
-          <a:xfrm>
-            <a:off x="1196939" y="5511454"/>
-            <a:ext cx="1031051" cy="369332"/>
-          </a:xfrm>
-          <a:prstGeom prst="rect">
-            <a:avLst/>
-          </a:prstGeom>
-        </p:spPr>
-        <p:txBody>
-          <a:bodyPr wrap="none">
-            <a:spAutoFit/>
-          </a:bodyPr>
-          <a:lstStyle/>
-          <a:p>
-            <a:r>
-              <a:rPr lang="fr-FR" dirty="0"/>
-              <a:t>D: Dead</a:t>
-            </a:r>
-          </a:p>
-        </p:txBody>
-      </p:sp>
-      <p:sp>
-        <p:nvSpPr>
-          <p:cNvPr id="15" name="Rettangolo 14">
-            <a:extLst>
-              <a:ext uri="{FF2B5EF4-FFF2-40B4-BE49-F238E27FC236}">
-                <a16:creationId xmlns:a16="http://schemas.microsoft.com/office/drawing/2014/main" id="{25766D4E-F646-442B-A38A-0EE3BA6E3A56}"/>
-              </a:ext>
-            </a:extLst>
-          </p:cNvPr>
-          <p:cNvSpPr/>
-          <p:nvPr/>
-        </p:nvSpPr>
-        <p:spPr>
-          <a:xfrm>
-            <a:off x="1196939" y="4998282"/>
-            <a:ext cx="1595309" cy="369332"/>
-          </a:xfrm>
-          <a:prstGeom prst="rect">
-            <a:avLst/>
-          </a:prstGeom>
-        </p:spPr>
-        <p:txBody>
-          <a:bodyPr wrap="none">
-            <a:spAutoFit/>
-          </a:bodyPr>
-          <a:lstStyle/>
-          <a:p>
-            <a:r>
-              <a:rPr lang="fr-FR" dirty="0"/>
-              <a:t>R: </a:t>
-            </a:r>
-            <a:r>
-              <a:rPr lang="fr-FR" dirty="0" err="1"/>
-              <a:t>Recovered</a:t>
-            </a:r>
-            <a:endParaRPr lang="fr-FR" dirty="0"/>
-          </a:p>
-        </p:txBody>
-      </p:sp>
-      <p:sp>
-        <p:nvSpPr>
-          <p:cNvPr id="16" name="Rettangolo 15">
-            <a:extLst>
-              <a:ext uri="{FF2B5EF4-FFF2-40B4-BE49-F238E27FC236}">
-                <a16:creationId xmlns:a16="http://schemas.microsoft.com/office/drawing/2014/main" id="{02E3464F-8AEB-4DA2-AC57-4D536DD25A9E}"/>
-              </a:ext>
-            </a:extLst>
-          </p:cNvPr>
-          <p:cNvSpPr/>
-          <p:nvPr/>
-        </p:nvSpPr>
-        <p:spPr>
-          <a:xfrm>
-            <a:off x="1196939" y="4485110"/>
-            <a:ext cx="2403287" cy="369332"/>
-          </a:xfrm>
-          <a:prstGeom prst="rect">
-            <a:avLst/>
-          </a:prstGeom>
-        </p:spPr>
-        <p:txBody>
-          <a:bodyPr wrap="none">
-            <a:spAutoFit/>
-          </a:bodyPr>
-          <a:lstStyle/>
-          <a:p>
-            <a:r>
-              <a:rPr lang="fr-FR" dirty="0"/>
-              <a:t>F: </a:t>
-            </a:r>
-            <a:r>
-              <a:rPr lang="fr-FR" dirty="0" err="1"/>
-              <a:t>Traditional</a:t>
-            </a:r>
-            <a:r>
-              <a:rPr lang="fr-FR" dirty="0"/>
-              <a:t> </a:t>
-            </a:r>
-            <a:r>
-              <a:rPr lang="fr-FR" dirty="0" err="1"/>
-              <a:t>funerals</a:t>
-            </a:r>
-            <a:endParaRPr lang="fr-FR" dirty="0"/>
-          </a:p>
-        </p:txBody>
-      </p:sp>
-      <p:sp>
-        <p:nvSpPr>
-          <p:cNvPr id="17" name="Connettore 16">
-            <a:extLst>
-              <a:ext uri="{FF2B5EF4-FFF2-40B4-BE49-F238E27FC236}">
-                <a16:creationId xmlns:a16="http://schemas.microsoft.com/office/drawing/2014/main" id="{50CAC168-0E90-4C36-B73F-5780369D53A7}"/>
-              </a:ext>
-            </a:extLst>
-          </p:cNvPr>
-          <p:cNvSpPr/>
-          <p:nvPr/>
-        </p:nvSpPr>
-        <p:spPr>
-          <a:xfrm>
-            <a:off x="771624" y="3011338"/>
-            <a:ext cx="288040" cy="288040"/>
-          </a:xfrm>
-          <a:prstGeom prst="flowChartConnector">
-            <a:avLst/>
-          </a:prstGeom>
-          <a:solidFill>
-            <a:srgbClr val="FFFF00"/>
-          </a:solidFill>
-          <a:ln>
-            <a:noFill/>
-          </a:ln>
-        </p:spPr>
-        <p:style>
-          <a:lnRef idx="2">
-            <a:schemeClr val="accent1">
-              <a:shade val="50000"/>
-            </a:schemeClr>
-          </a:lnRef>
-          <a:fillRef idx="1">
-            <a:schemeClr val="accent1"/>
-          </a:fillRef>
-          <a:effectRef idx="0">
-            <a:schemeClr val="accent1"/>
-          </a:effectRef>
-          <a:fontRef idx="minor">
-            <a:schemeClr val="lt1"/>
-          </a:fontRef>
-        </p:style>
-        <p:txBody>
-          <a:bodyPr rtlCol="0" anchor="ctr"/>
-          <a:lstStyle/>
-          <a:p>
-            <a:pPr algn="ctr"/>
-            <a:endParaRPr lang="en-AU" dirty="0"/>
-          </a:p>
-        </p:txBody>
-      </p:sp>
-      <p:sp>
-        <p:nvSpPr>
-          <p:cNvPr id="18" name="Connettore 17">
-            <a:extLst>
-              <a:ext uri="{FF2B5EF4-FFF2-40B4-BE49-F238E27FC236}">
-                <a16:creationId xmlns:a16="http://schemas.microsoft.com/office/drawing/2014/main" id="{868745F5-1D24-45C2-B658-3778497C9EBB}"/>
-              </a:ext>
-            </a:extLst>
-          </p:cNvPr>
-          <p:cNvSpPr/>
-          <p:nvPr/>
-        </p:nvSpPr>
-        <p:spPr>
-          <a:xfrm>
-            <a:off x="770464" y="3516456"/>
-            <a:ext cx="288040" cy="288040"/>
-          </a:xfrm>
-          <a:prstGeom prst="flowChartConnector">
-            <a:avLst/>
-          </a:prstGeom>
-          <a:solidFill>
-            <a:srgbClr val="FF0000"/>
-          </a:solidFill>
-          <a:ln>
-            <a:noFill/>
-          </a:ln>
-        </p:spPr>
-        <p:style>
-          <a:lnRef idx="2">
-            <a:schemeClr val="accent1">
-              <a:shade val="50000"/>
-            </a:schemeClr>
-          </a:lnRef>
-          <a:fillRef idx="1">
-            <a:schemeClr val="accent1"/>
-          </a:fillRef>
-          <a:effectRef idx="0">
-            <a:schemeClr val="accent1"/>
-          </a:effectRef>
-          <a:fontRef idx="minor">
-            <a:schemeClr val="lt1"/>
-          </a:fontRef>
-        </p:style>
-        <p:txBody>
-          <a:bodyPr rtlCol="0" anchor="ctr"/>
-          <a:lstStyle/>
-          <a:p>
-            <a:pPr algn="ctr"/>
-            <a:endParaRPr lang="en-AU" dirty="0"/>
-          </a:p>
-        </p:txBody>
-      </p:sp>
-      <p:sp>
-        <p:nvSpPr>
-          <p:cNvPr id="19" name="Connettore 18">
-            <a:extLst>
-              <a:ext uri="{FF2B5EF4-FFF2-40B4-BE49-F238E27FC236}">
-                <a16:creationId xmlns:a16="http://schemas.microsoft.com/office/drawing/2014/main" id="{9FF6ACEB-491F-494D-A328-9CB61A101A6E}"/>
-              </a:ext>
-            </a:extLst>
-          </p:cNvPr>
-          <p:cNvSpPr/>
-          <p:nvPr/>
-        </p:nvSpPr>
-        <p:spPr>
-          <a:xfrm>
-            <a:off x="771624" y="4025133"/>
-            <a:ext cx="288040" cy="288040"/>
-          </a:xfrm>
-          <a:prstGeom prst="flowChartConnector">
-            <a:avLst/>
-          </a:prstGeom>
-          <a:solidFill>
-            <a:srgbClr val="00FFFF"/>
-          </a:solidFill>
-          <a:ln>
-            <a:noFill/>
-          </a:ln>
-        </p:spPr>
-        <p:style>
-          <a:lnRef idx="2">
-            <a:schemeClr val="accent1">
-              <a:shade val="50000"/>
-            </a:schemeClr>
-          </a:lnRef>
-          <a:fillRef idx="1">
-            <a:schemeClr val="accent1"/>
-          </a:fillRef>
-          <a:effectRef idx="0">
-            <a:schemeClr val="accent1"/>
-          </a:effectRef>
-          <a:fontRef idx="minor">
-            <a:schemeClr val="lt1"/>
-          </a:fontRef>
-        </p:style>
-        <p:txBody>
-          <a:bodyPr rtlCol="0" anchor="ctr"/>
-          <a:lstStyle/>
-          <a:p>
-            <a:pPr algn="ctr"/>
-            <a:endParaRPr lang="en-AU" dirty="0"/>
-          </a:p>
-        </p:txBody>
-      </p:sp>
-      <p:sp>
-        <p:nvSpPr>
-          <p:cNvPr id="20" name="Connettore 19">
-            <a:extLst>
-              <a:ext uri="{FF2B5EF4-FFF2-40B4-BE49-F238E27FC236}">
-                <a16:creationId xmlns:a16="http://schemas.microsoft.com/office/drawing/2014/main" id="{143883E3-5367-483B-A83C-3E47347D1D61}"/>
-              </a:ext>
-            </a:extLst>
-          </p:cNvPr>
-          <p:cNvSpPr/>
-          <p:nvPr/>
-        </p:nvSpPr>
-        <p:spPr>
-          <a:xfrm>
-            <a:off x="770464" y="4535193"/>
-            <a:ext cx="288040" cy="288040"/>
-          </a:xfrm>
-          <a:prstGeom prst="flowChartConnector">
-            <a:avLst/>
-          </a:prstGeom>
-          <a:solidFill>
-            <a:srgbClr val="0070C0"/>
-          </a:solidFill>
-          <a:ln>
-            <a:noFill/>
-          </a:ln>
-        </p:spPr>
-        <p:style>
-          <a:lnRef idx="2">
-            <a:schemeClr val="accent1">
-              <a:shade val="50000"/>
-            </a:schemeClr>
-          </a:lnRef>
-          <a:fillRef idx="1">
-            <a:schemeClr val="accent1"/>
-          </a:fillRef>
-          <a:effectRef idx="0">
-            <a:schemeClr val="accent1"/>
-          </a:effectRef>
-          <a:fontRef idx="minor">
-            <a:schemeClr val="lt1"/>
-          </a:fontRef>
-        </p:style>
-        <p:txBody>
-          <a:bodyPr rtlCol="0" anchor="ctr"/>
-          <a:lstStyle/>
-          <a:p>
-            <a:pPr algn="ctr"/>
-            <a:endParaRPr lang="en-AU" dirty="0"/>
-          </a:p>
-        </p:txBody>
-      </p:sp>
-      <p:sp>
-        <p:nvSpPr>
-          <p:cNvPr id="21" name="Connettore 20">
-            <a:extLst>
-              <a:ext uri="{FF2B5EF4-FFF2-40B4-BE49-F238E27FC236}">
-                <a16:creationId xmlns:a16="http://schemas.microsoft.com/office/drawing/2014/main" id="{FD46FBC7-72CF-42D7-AF6E-32A1CDD58895}"/>
-              </a:ext>
-            </a:extLst>
-          </p:cNvPr>
-          <p:cNvSpPr/>
-          <p:nvPr/>
-        </p:nvSpPr>
-        <p:spPr>
-          <a:xfrm>
-            <a:off x="771624" y="5038928"/>
-            <a:ext cx="288040" cy="288040"/>
-          </a:xfrm>
-          <a:prstGeom prst="flowChartConnector">
-            <a:avLst/>
-          </a:prstGeom>
-          <a:solidFill>
-            <a:srgbClr val="00FF00"/>
-          </a:solidFill>
-          <a:ln>
-            <a:noFill/>
-          </a:ln>
-        </p:spPr>
-        <p:style>
-          <a:lnRef idx="2">
-            <a:schemeClr val="accent1">
-              <a:shade val="50000"/>
-            </a:schemeClr>
-          </a:lnRef>
-          <a:fillRef idx="1">
-            <a:schemeClr val="accent1"/>
-          </a:fillRef>
-          <a:effectRef idx="0">
-            <a:schemeClr val="accent1"/>
-          </a:effectRef>
-          <a:fontRef idx="minor">
-            <a:schemeClr val="lt1"/>
-          </a:fontRef>
-        </p:style>
-        <p:txBody>
-          <a:bodyPr rtlCol="0" anchor="ctr"/>
-          <a:lstStyle/>
-          <a:p>
-            <a:pPr algn="ctr"/>
-            <a:endParaRPr lang="en-AU" dirty="0"/>
-          </a:p>
-        </p:txBody>
-      </p:sp>
-      <p:sp>
-        <p:nvSpPr>
-          <p:cNvPr id="22" name="Connettore 21">
-            <a:extLst>
-              <a:ext uri="{FF2B5EF4-FFF2-40B4-BE49-F238E27FC236}">
-                <a16:creationId xmlns:a16="http://schemas.microsoft.com/office/drawing/2014/main" id="{9C33B702-DF26-497A-99D5-6DA0211F522B}"/>
-              </a:ext>
-            </a:extLst>
-          </p:cNvPr>
-          <p:cNvSpPr/>
-          <p:nvPr/>
-        </p:nvSpPr>
-        <p:spPr>
-          <a:xfrm>
-            <a:off x="771624" y="5550888"/>
-            <a:ext cx="288040" cy="288040"/>
-          </a:xfrm>
-          <a:prstGeom prst="flowChartConnector">
-            <a:avLst/>
-          </a:prstGeom>
-          <a:solidFill>
-            <a:schemeClr val="tx1"/>
-          </a:solidFill>
-          <a:ln>
-            <a:noFill/>
-          </a:ln>
-        </p:spPr>
-        <p:style>
-          <a:lnRef idx="2">
-            <a:schemeClr val="accent1">
-              <a:shade val="50000"/>
-            </a:schemeClr>
-          </a:lnRef>
-          <a:fillRef idx="1">
-            <a:schemeClr val="accent1"/>
-          </a:fillRef>
-          <a:effectRef idx="0">
-            <a:schemeClr val="accent1"/>
-          </a:effectRef>
-          <a:fontRef idx="minor">
-            <a:schemeClr val="lt1"/>
-          </a:fontRef>
-        </p:style>
-        <p:txBody>
-          <a:bodyPr rtlCol="0" anchor="ctr"/>
-          <a:lstStyle/>
-          <a:p>
-            <a:pPr algn="ctr"/>
-            <a:endParaRPr lang="en-AU" dirty="0"/>
-          </a:p>
-        </p:txBody>
-      </p:sp>
+        </p:grpSpPr>
+        <p:sp>
+          <p:nvSpPr>
+            <p:cNvPr id="10" name="Connettore 1">
+              <a:extLst>
+                <a:ext uri="{FF2B5EF4-FFF2-40B4-BE49-F238E27FC236}">
+                  <a16:creationId xmlns:a16="http://schemas.microsoft.com/office/drawing/2014/main" id="{D2AEB844-19B7-4C02-B3BF-A4B475B5B6C1}"/>
+                </a:ext>
+              </a:extLst>
+            </p:cNvPr>
+            <p:cNvSpPr/>
+            <p:nvPr/>
+          </p:nvSpPr>
+          <p:spPr>
+            <a:xfrm>
+              <a:off x="771624" y="2502319"/>
+              <a:ext cx="288040" cy="288040"/>
+            </a:xfrm>
+            <a:prstGeom prst="flowChartConnector">
+              <a:avLst/>
+            </a:prstGeom>
+            <a:solidFill>
+              <a:schemeClr val="accent2">
+                <a:lumMod val="40000"/>
+                <a:lumOff val="60000"/>
+              </a:schemeClr>
+            </a:solidFill>
+            <a:ln>
+              <a:noFill/>
+            </a:ln>
+          </p:spPr>
+          <p:style>
+            <a:lnRef idx="2">
+              <a:schemeClr val="accent1">
+                <a:shade val="50000"/>
+              </a:schemeClr>
+            </a:lnRef>
+            <a:fillRef idx="1">
+              <a:schemeClr val="accent1"/>
+            </a:fillRef>
+            <a:effectRef idx="0">
+              <a:schemeClr val="accent1"/>
+            </a:effectRef>
+            <a:fontRef idx="minor">
+              <a:schemeClr val="lt1"/>
+            </a:fontRef>
+          </p:style>
+          <p:txBody>
+            <a:bodyPr rtlCol="0" anchor="ctr"/>
+            <a:lstStyle/>
+            <a:p>
+              <a:pPr algn="ctr"/>
+              <a:endParaRPr lang="en-AU" dirty="0"/>
+            </a:p>
+          </p:txBody>
+        </p:sp>
+        <p:sp>
+          <p:nvSpPr>
+            <p:cNvPr id="12" name="Rettangolo 9">
+              <a:extLst>
+                <a:ext uri="{FF2B5EF4-FFF2-40B4-BE49-F238E27FC236}">
+                  <a16:creationId xmlns:a16="http://schemas.microsoft.com/office/drawing/2014/main" id="{CA14ADCF-10CB-43D7-A412-8571A7795394}"/>
+                </a:ext>
+              </a:extLst>
+            </p:cNvPr>
+            <p:cNvSpPr/>
+            <p:nvPr/>
+          </p:nvSpPr>
+          <p:spPr>
+            <a:xfrm>
+              <a:off x="1202430" y="2497077"/>
+              <a:ext cx="1659429" cy="369332"/>
+            </a:xfrm>
+            <a:prstGeom prst="rect">
+              <a:avLst/>
+            </a:prstGeom>
+          </p:spPr>
+          <p:txBody>
+            <a:bodyPr wrap="none">
+              <a:spAutoFit/>
+            </a:bodyPr>
+            <a:lstStyle/>
+            <a:p>
+              <a:r>
+                <a:rPr lang="fr-FR" dirty="0"/>
+                <a:t>S: Susceptible</a:t>
+              </a:r>
+            </a:p>
+          </p:txBody>
+        </p:sp>
+        <p:sp>
+          <p:nvSpPr>
+            <p:cNvPr id="13" name="Rettangolo 10">
+              <a:extLst>
+                <a:ext uri="{FF2B5EF4-FFF2-40B4-BE49-F238E27FC236}">
+                  <a16:creationId xmlns:a16="http://schemas.microsoft.com/office/drawing/2014/main" id="{10EE7AC4-FB95-4431-8213-7EF6E743F32A}"/>
+                </a:ext>
+              </a:extLst>
+            </p:cNvPr>
+            <p:cNvSpPr/>
+            <p:nvPr/>
+          </p:nvSpPr>
+          <p:spPr>
+            <a:xfrm>
+              <a:off x="1202430" y="2970474"/>
+              <a:ext cx="1364476" cy="369332"/>
+            </a:xfrm>
+            <a:prstGeom prst="rect">
+              <a:avLst/>
+            </a:prstGeom>
+          </p:spPr>
+          <p:txBody>
+            <a:bodyPr wrap="none">
+              <a:spAutoFit/>
+            </a:bodyPr>
+            <a:lstStyle/>
+            <a:p>
+              <a:r>
+                <a:rPr lang="fr-FR" dirty="0"/>
+                <a:t>E: </a:t>
+              </a:r>
+              <a:r>
+                <a:rPr lang="fr-FR" dirty="0" err="1"/>
+                <a:t>Exposed</a:t>
+              </a:r>
+              <a:endParaRPr lang="fr-FR" dirty="0"/>
+            </a:p>
+          </p:txBody>
+        </p:sp>
+        <p:sp>
+          <p:nvSpPr>
+            <p:cNvPr id="14" name="Rettangolo 11">
+              <a:extLst>
+                <a:ext uri="{FF2B5EF4-FFF2-40B4-BE49-F238E27FC236}">
+                  <a16:creationId xmlns:a16="http://schemas.microsoft.com/office/drawing/2014/main" id="{DA38CAA3-8BBC-4308-948F-01395A2F6A79}"/>
+                </a:ext>
+              </a:extLst>
+            </p:cNvPr>
+            <p:cNvSpPr/>
+            <p:nvPr/>
+          </p:nvSpPr>
+          <p:spPr>
+            <a:xfrm>
+              <a:off x="1200818" y="3483646"/>
+              <a:ext cx="1197764" cy="369332"/>
+            </a:xfrm>
+            <a:prstGeom prst="rect">
+              <a:avLst/>
+            </a:prstGeom>
+          </p:spPr>
+          <p:txBody>
+            <a:bodyPr wrap="none">
+              <a:spAutoFit/>
+            </a:bodyPr>
+            <a:lstStyle/>
+            <a:p>
+              <a:r>
+                <a:rPr lang="fr-FR" dirty="0"/>
+                <a:t>I: </a:t>
+              </a:r>
+              <a:r>
+                <a:rPr lang="fr-FR" dirty="0" err="1"/>
+                <a:t>Infected</a:t>
+              </a:r>
+              <a:endParaRPr lang="fr-FR" dirty="0"/>
+            </a:p>
+          </p:txBody>
+        </p:sp>
+        <p:sp>
+          <p:nvSpPr>
+            <p:cNvPr id="15" name="Rettangolo 12">
+              <a:extLst>
+                <a:ext uri="{FF2B5EF4-FFF2-40B4-BE49-F238E27FC236}">
+                  <a16:creationId xmlns:a16="http://schemas.microsoft.com/office/drawing/2014/main" id="{44C87EC2-EA40-43F5-8F28-1F7AD3178F28}"/>
+                </a:ext>
+              </a:extLst>
+            </p:cNvPr>
+            <p:cNvSpPr/>
+            <p:nvPr/>
+          </p:nvSpPr>
+          <p:spPr>
+            <a:xfrm>
+              <a:off x="1196939" y="3996818"/>
+              <a:ext cx="1736373" cy="369332"/>
+            </a:xfrm>
+            <a:prstGeom prst="rect">
+              <a:avLst/>
+            </a:prstGeom>
+          </p:spPr>
+          <p:txBody>
+            <a:bodyPr wrap="none">
+              <a:spAutoFit/>
+            </a:bodyPr>
+            <a:lstStyle/>
+            <a:p>
+              <a:r>
+                <a:rPr lang="fr-FR" dirty="0"/>
+                <a:t>H: </a:t>
+              </a:r>
+              <a:r>
+                <a:rPr lang="fr-FR" dirty="0" err="1"/>
+                <a:t>Hospitalized</a:t>
+              </a:r>
+              <a:endParaRPr lang="fr-FR" dirty="0"/>
+            </a:p>
+          </p:txBody>
+        </p:sp>
+        <p:sp>
+          <p:nvSpPr>
+            <p:cNvPr id="16" name="Rettangolo 13">
+              <a:extLst>
+                <a:ext uri="{FF2B5EF4-FFF2-40B4-BE49-F238E27FC236}">
+                  <a16:creationId xmlns:a16="http://schemas.microsoft.com/office/drawing/2014/main" id="{A8ADCA21-459A-4E2D-9217-9F4AC1DA0403}"/>
+                </a:ext>
+              </a:extLst>
+            </p:cNvPr>
+            <p:cNvSpPr/>
+            <p:nvPr/>
+          </p:nvSpPr>
+          <p:spPr>
+            <a:xfrm>
+              <a:off x="1196939" y="5511454"/>
+              <a:ext cx="1826141" cy="369332"/>
+            </a:xfrm>
+            <a:prstGeom prst="rect">
+              <a:avLst/>
+            </a:prstGeom>
+          </p:spPr>
+          <p:txBody>
+            <a:bodyPr wrap="none">
+              <a:spAutoFit/>
+            </a:bodyPr>
+            <a:lstStyle/>
+            <a:p>
+              <a:r>
+                <a:rPr lang="fr-FR" dirty="0"/>
+                <a:t>D: </a:t>
+              </a:r>
+              <a:r>
+                <a:rPr lang="fr-FR" dirty="0" err="1"/>
+                <a:t>Safely</a:t>
+              </a:r>
+              <a:r>
+                <a:rPr lang="fr-FR" dirty="0"/>
+                <a:t> </a:t>
+              </a:r>
+              <a:r>
+                <a:rPr lang="fr-FR" dirty="0" err="1"/>
+                <a:t>buried</a:t>
+              </a:r>
+              <a:endParaRPr lang="fr-FR" dirty="0"/>
+            </a:p>
+          </p:txBody>
+        </p:sp>
+        <p:sp>
+          <p:nvSpPr>
+            <p:cNvPr id="17" name="Rettangolo 14">
+              <a:extLst>
+                <a:ext uri="{FF2B5EF4-FFF2-40B4-BE49-F238E27FC236}">
+                  <a16:creationId xmlns:a16="http://schemas.microsoft.com/office/drawing/2014/main" id="{97CABFB9-DFAD-4115-85C8-8F39509691D0}"/>
+                </a:ext>
+              </a:extLst>
+            </p:cNvPr>
+            <p:cNvSpPr/>
+            <p:nvPr/>
+          </p:nvSpPr>
+          <p:spPr>
+            <a:xfrm>
+              <a:off x="1196939" y="4998282"/>
+              <a:ext cx="1595309" cy="369332"/>
+            </a:xfrm>
+            <a:prstGeom prst="rect">
+              <a:avLst/>
+            </a:prstGeom>
+          </p:spPr>
+          <p:txBody>
+            <a:bodyPr wrap="none">
+              <a:spAutoFit/>
+            </a:bodyPr>
+            <a:lstStyle/>
+            <a:p>
+              <a:r>
+                <a:rPr lang="fr-FR" dirty="0"/>
+                <a:t>R: </a:t>
+              </a:r>
+              <a:r>
+                <a:rPr lang="fr-FR" dirty="0" err="1"/>
+                <a:t>Recovered</a:t>
+              </a:r>
+              <a:endParaRPr lang="fr-FR" dirty="0"/>
+            </a:p>
+          </p:txBody>
+        </p:sp>
+        <p:sp>
+          <p:nvSpPr>
+            <p:cNvPr id="18" name="Rettangolo 15">
+              <a:extLst>
+                <a:ext uri="{FF2B5EF4-FFF2-40B4-BE49-F238E27FC236}">
+                  <a16:creationId xmlns:a16="http://schemas.microsoft.com/office/drawing/2014/main" id="{CD9BE404-308F-43BD-825D-947C769E0F70}"/>
+                </a:ext>
+              </a:extLst>
+            </p:cNvPr>
+            <p:cNvSpPr/>
+            <p:nvPr/>
+          </p:nvSpPr>
+          <p:spPr>
+            <a:xfrm>
+              <a:off x="1196939" y="4485110"/>
+              <a:ext cx="2287870" cy="369332"/>
+            </a:xfrm>
+            <a:prstGeom prst="rect">
+              <a:avLst/>
+            </a:prstGeom>
+          </p:spPr>
+          <p:txBody>
+            <a:bodyPr wrap="none">
+              <a:spAutoFit/>
+            </a:bodyPr>
+            <a:lstStyle/>
+            <a:p>
+              <a:r>
+                <a:rPr lang="fr-FR" dirty="0"/>
+                <a:t>F: </a:t>
+              </a:r>
+              <a:r>
+                <a:rPr lang="fr-FR" dirty="0" err="1"/>
+                <a:t>Traditional</a:t>
+              </a:r>
+              <a:r>
+                <a:rPr lang="fr-FR" dirty="0"/>
+                <a:t> </a:t>
+              </a:r>
+              <a:r>
+                <a:rPr lang="fr-FR" dirty="0" err="1"/>
+                <a:t>funeral</a:t>
+              </a:r>
+              <a:endParaRPr lang="fr-FR" dirty="0"/>
+            </a:p>
+          </p:txBody>
+        </p:sp>
+        <p:sp>
+          <p:nvSpPr>
+            <p:cNvPr id="19" name="Connettore 16">
+              <a:extLst>
+                <a:ext uri="{FF2B5EF4-FFF2-40B4-BE49-F238E27FC236}">
+                  <a16:creationId xmlns:a16="http://schemas.microsoft.com/office/drawing/2014/main" id="{59E6AA53-AC4A-4A1E-A860-D0BC14E6EA7E}"/>
+                </a:ext>
+              </a:extLst>
+            </p:cNvPr>
+            <p:cNvSpPr/>
+            <p:nvPr/>
+          </p:nvSpPr>
+          <p:spPr>
+            <a:xfrm>
+              <a:off x="771624" y="3011338"/>
+              <a:ext cx="288040" cy="288040"/>
+            </a:xfrm>
+            <a:prstGeom prst="flowChartConnector">
+              <a:avLst/>
+            </a:prstGeom>
+            <a:solidFill>
+              <a:srgbClr val="FFFF00"/>
+            </a:solidFill>
+            <a:ln>
+              <a:noFill/>
+            </a:ln>
+          </p:spPr>
+          <p:style>
+            <a:lnRef idx="2">
+              <a:schemeClr val="accent1">
+                <a:shade val="50000"/>
+              </a:schemeClr>
+            </a:lnRef>
+            <a:fillRef idx="1">
+              <a:schemeClr val="accent1"/>
+            </a:fillRef>
+            <a:effectRef idx="0">
+              <a:schemeClr val="accent1"/>
+            </a:effectRef>
+            <a:fontRef idx="minor">
+              <a:schemeClr val="lt1"/>
+            </a:fontRef>
+          </p:style>
+          <p:txBody>
+            <a:bodyPr rtlCol="0" anchor="ctr"/>
+            <a:lstStyle/>
+            <a:p>
+              <a:pPr algn="ctr"/>
+              <a:endParaRPr lang="en-AU" dirty="0"/>
+            </a:p>
+          </p:txBody>
+        </p:sp>
+        <p:sp>
+          <p:nvSpPr>
+            <p:cNvPr id="20" name="Connettore 17">
+              <a:extLst>
+                <a:ext uri="{FF2B5EF4-FFF2-40B4-BE49-F238E27FC236}">
+                  <a16:creationId xmlns:a16="http://schemas.microsoft.com/office/drawing/2014/main" id="{A73213E3-9454-489B-9670-76E2DBBFBEF0}"/>
+                </a:ext>
+              </a:extLst>
+            </p:cNvPr>
+            <p:cNvSpPr/>
+            <p:nvPr/>
+          </p:nvSpPr>
+          <p:spPr>
+            <a:xfrm>
+              <a:off x="770464" y="3516456"/>
+              <a:ext cx="288040" cy="288040"/>
+            </a:xfrm>
+            <a:prstGeom prst="flowChartConnector">
+              <a:avLst/>
+            </a:prstGeom>
+            <a:solidFill>
+              <a:srgbClr val="FF0000"/>
+            </a:solidFill>
+            <a:ln>
+              <a:noFill/>
+            </a:ln>
+          </p:spPr>
+          <p:style>
+            <a:lnRef idx="2">
+              <a:schemeClr val="accent1">
+                <a:shade val="50000"/>
+              </a:schemeClr>
+            </a:lnRef>
+            <a:fillRef idx="1">
+              <a:schemeClr val="accent1"/>
+            </a:fillRef>
+            <a:effectRef idx="0">
+              <a:schemeClr val="accent1"/>
+            </a:effectRef>
+            <a:fontRef idx="minor">
+              <a:schemeClr val="lt1"/>
+            </a:fontRef>
+          </p:style>
+          <p:txBody>
+            <a:bodyPr rtlCol="0" anchor="ctr"/>
+            <a:lstStyle/>
+            <a:p>
+              <a:pPr algn="ctr"/>
+              <a:endParaRPr lang="en-AU" dirty="0"/>
+            </a:p>
+          </p:txBody>
+        </p:sp>
+        <p:sp>
+          <p:nvSpPr>
+            <p:cNvPr id="21" name="Connettore 18">
+              <a:extLst>
+                <a:ext uri="{FF2B5EF4-FFF2-40B4-BE49-F238E27FC236}">
+                  <a16:creationId xmlns:a16="http://schemas.microsoft.com/office/drawing/2014/main" id="{C32C6F0B-3948-40A5-977C-33A2A1C42EEB}"/>
+                </a:ext>
+              </a:extLst>
+            </p:cNvPr>
+            <p:cNvSpPr/>
+            <p:nvPr/>
+          </p:nvSpPr>
+          <p:spPr>
+            <a:xfrm>
+              <a:off x="771624" y="4025133"/>
+              <a:ext cx="288040" cy="288040"/>
+            </a:xfrm>
+            <a:prstGeom prst="flowChartConnector">
+              <a:avLst/>
+            </a:prstGeom>
+            <a:solidFill>
+              <a:srgbClr val="00FFFF"/>
+            </a:solidFill>
+            <a:ln>
+              <a:noFill/>
+            </a:ln>
+          </p:spPr>
+          <p:style>
+            <a:lnRef idx="2">
+              <a:schemeClr val="accent1">
+                <a:shade val="50000"/>
+              </a:schemeClr>
+            </a:lnRef>
+            <a:fillRef idx="1">
+              <a:schemeClr val="accent1"/>
+            </a:fillRef>
+            <a:effectRef idx="0">
+              <a:schemeClr val="accent1"/>
+            </a:effectRef>
+            <a:fontRef idx="minor">
+              <a:schemeClr val="lt1"/>
+            </a:fontRef>
+          </p:style>
+          <p:txBody>
+            <a:bodyPr rtlCol="0" anchor="ctr"/>
+            <a:lstStyle/>
+            <a:p>
+              <a:pPr algn="ctr"/>
+              <a:endParaRPr lang="en-AU" dirty="0"/>
+            </a:p>
+          </p:txBody>
+        </p:sp>
+        <p:sp>
+          <p:nvSpPr>
+            <p:cNvPr id="22" name="Connettore 19">
+              <a:extLst>
+                <a:ext uri="{FF2B5EF4-FFF2-40B4-BE49-F238E27FC236}">
+                  <a16:creationId xmlns:a16="http://schemas.microsoft.com/office/drawing/2014/main" id="{5B5801C5-78C6-4F40-9C61-9D6F13889A38}"/>
+                </a:ext>
+              </a:extLst>
+            </p:cNvPr>
+            <p:cNvSpPr/>
+            <p:nvPr/>
+          </p:nvSpPr>
+          <p:spPr>
+            <a:xfrm>
+              <a:off x="770464" y="4535193"/>
+              <a:ext cx="288040" cy="288040"/>
+            </a:xfrm>
+            <a:prstGeom prst="flowChartConnector">
+              <a:avLst/>
+            </a:prstGeom>
+            <a:solidFill>
+              <a:srgbClr val="0070C0"/>
+            </a:solidFill>
+            <a:ln>
+              <a:noFill/>
+            </a:ln>
+          </p:spPr>
+          <p:style>
+            <a:lnRef idx="2">
+              <a:schemeClr val="accent1">
+                <a:shade val="50000"/>
+              </a:schemeClr>
+            </a:lnRef>
+            <a:fillRef idx="1">
+              <a:schemeClr val="accent1"/>
+            </a:fillRef>
+            <a:effectRef idx="0">
+              <a:schemeClr val="accent1"/>
+            </a:effectRef>
+            <a:fontRef idx="minor">
+              <a:schemeClr val="lt1"/>
+            </a:fontRef>
+          </p:style>
+          <p:txBody>
+            <a:bodyPr rtlCol="0" anchor="ctr"/>
+            <a:lstStyle/>
+            <a:p>
+              <a:pPr algn="ctr"/>
+              <a:endParaRPr lang="en-AU" dirty="0"/>
+            </a:p>
+          </p:txBody>
+        </p:sp>
+        <p:sp>
+          <p:nvSpPr>
+            <p:cNvPr id="23" name="Connettore 20">
+              <a:extLst>
+                <a:ext uri="{FF2B5EF4-FFF2-40B4-BE49-F238E27FC236}">
+                  <a16:creationId xmlns:a16="http://schemas.microsoft.com/office/drawing/2014/main" id="{EA6C8C0A-6E20-42E6-9F7E-63C97B13BA6B}"/>
+                </a:ext>
+              </a:extLst>
+            </p:cNvPr>
+            <p:cNvSpPr/>
+            <p:nvPr/>
+          </p:nvSpPr>
+          <p:spPr>
+            <a:xfrm>
+              <a:off x="771624" y="5038928"/>
+              <a:ext cx="288040" cy="288040"/>
+            </a:xfrm>
+            <a:prstGeom prst="flowChartConnector">
+              <a:avLst/>
+            </a:prstGeom>
+            <a:solidFill>
+              <a:srgbClr val="00FF00"/>
+            </a:solidFill>
+            <a:ln>
+              <a:noFill/>
+            </a:ln>
+          </p:spPr>
+          <p:style>
+            <a:lnRef idx="2">
+              <a:schemeClr val="accent1">
+                <a:shade val="50000"/>
+              </a:schemeClr>
+            </a:lnRef>
+            <a:fillRef idx="1">
+              <a:schemeClr val="accent1"/>
+            </a:fillRef>
+            <a:effectRef idx="0">
+              <a:schemeClr val="accent1"/>
+            </a:effectRef>
+            <a:fontRef idx="minor">
+              <a:schemeClr val="lt1"/>
+            </a:fontRef>
+          </p:style>
+          <p:txBody>
+            <a:bodyPr rtlCol="0" anchor="ctr"/>
+            <a:lstStyle/>
+            <a:p>
+              <a:pPr algn="ctr"/>
+              <a:endParaRPr lang="en-AU" dirty="0"/>
+            </a:p>
+          </p:txBody>
+        </p:sp>
+        <p:sp>
+          <p:nvSpPr>
+            <p:cNvPr id="24" name="Connettore 21">
+              <a:extLst>
+                <a:ext uri="{FF2B5EF4-FFF2-40B4-BE49-F238E27FC236}">
+                  <a16:creationId xmlns:a16="http://schemas.microsoft.com/office/drawing/2014/main" id="{242BA346-8616-4C06-B429-9C2489379335}"/>
+                </a:ext>
+              </a:extLst>
+            </p:cNvPr>
+            <p:cNvSpPr/>
+            <p:nvPr/>
+          </p:nvSpPr>
+          <p:spPr>
+            <a:xfrm>
+              <a:off x="771624" y="5550888"/>
+              <a:ext cx="288040" cy="288040"/>
+            </a:xfrm>
+            <a:prstGeom prst="flowChartConnector">
+              <a:avLst/>
+            </a:prstGeom>
+            <a:solidFill>
+              <a:schemeClr val="tx1"/>
+            </a:solidFill>
+            <a:ln>
+              <a:noFill/>
+            </a:ln>
+          </p:spPr>
+          <p:style>
+            <a:lnRef idx="2">
+              <a:schemeClr val="accent1">
+                <a:shade val="50000"/>
+              </a:schemeClr>
+            </a:lnRef>
+            <a:fillRef idx="1">
+              <a:schemeClr val="accent1"/>
+            </a:fillRef>
+            <a:effectRef idx="0">
+              <a:schemeClr val="accent1"/>
+            </a:effectRef>
+            <a:fontRef idx="minor">
+              <a:schemeClr val="lt1"/>
+            </a:fontRef>
+          </p:style>
+          <p:txBody>
+            <a:bodyPr rtlCol="0" anchor="ctr"/>
+            <a:lstStyle/>
+            <a:p>
+              <a:pPr algn="ctr"/>
+              <a:endParaRPr lang="en-AU" dirty="0"/>
+            </a:p>
+          </p:txBody>
+        </p:sp>
+      </p:grpSp>
     </p:spTree>
     <p:extLst>
       <p:ext uri="{BB962C8B-B14F-4D97-AF65-F5344CB8AC3E}">
@@ -48220,47 +49080,51 @@
           <a:chExt cx="0" cy="0"/>
         </a:xfrm>
       </p:grpSpPr>
+      <p:pic>
+        <p:nvPicPr>
+          <p:cNvPr id="9" name="Image 8">
+            <a:extLst>
+              <a:ext uri="{FF2B5EF4-FFF2-40B4-BE49-F238E27FC236}">
+                <a16:creationId xmlns:a16="http://schemas.microsoft.com/office/drawing/2014/main" id="{A3D61425-F60D-4A38-BBCE-12FFBC16413D}"/>
+              </a:ext>
+            </a:extLst>
+          </p:cNvPr>
+          <p:cNvPicPr>
+            <a:picLocks noChangeAspect="1"/>
+          </p:cNvPicPr>
+          <p:nvPr/>
+        </p:nvPicPr>
+        <p:blipFill>
+          <a:blip r:embed="rId2">
+            <a:extLst>
+              <a:ext uri="{28A0092B-C50C-407E-A947-70E740481C1C}">
+                <a14:useLocalDpi xmlns:a14="http://schemas.microsoft.com/office/drawing/2010/main" val="0"/>
+              </a:ext>
+            </a:extLst>
+          </a:blip>
+          <a:stretch>
+            <a:fillRect/>
+          </a:stretch>
+        </p:blipFill>
+        <p:spPr>
+          <a:xfrm>
+            <a:off x="186929" y="2023368"/>
+            <a:ext cx="6760986" cy="4391936"/>
+          </a:xfrm>
+          <a:prstGeom prst="rect">
+            <a:avLst/>
+          </a:prstGeom>
+        </p:spPr>
+      </p:pic>
       <p:sp>
         <p:nvSpPr>
-          <p:cNvPr id="12" name="Inhaltsplatzhalter 11"/>
-          <p:cNvSpPr>
-            <a:spLocks noGrp="1"/>
-          </p:cNvSpPr>
-          <p:nvPr>
-            <p:ph sz="half" idx="1"/>
-          </p:nvPr>
-        </p:nvSpPr>
-        <p:spPr/>
-        <p:txBody>
-          <a:bodyPr/>
-          <a:lstStyle/>
-          <a:p>
-            <a:endParaRPr lang="en-GB" dirty="0"/>
-          </a:p>
-        </p:txBody>
-      </p:sp>
-      <p:sp>
-        <p:nvSpPr>
-          <p:cNvPr id="13" name="Inhaltsplatzhalter 12"/>
-          <p:cNvSpPr>
-            <a:spLocks noGrp="1"/>
-          </p:cNvSpPr>
-          <p:nvPr>
-            <p:ph sz="half" idx="2"/>
-          </p:nvPr>
-        </p:nvSpPr>
-        <p:spPr/>
-        <p:txBody>
-          <a:bodyPr/>
-          <a:lstStyle/>
-          <a:p>
-            <a:endParaRPr lang="en-GB" dirty="0"/>
-          </a:p>
-        </p:txBody>
-      </p:sp>
-      <p:sp>
-        <p:nvSpPr>
-          <p:cNvPr id="4" name="Datumsplatzhalter 3"/>
+          <p:cNvPr id="3" name="Espace réservé de la date 2">
+            <a:extLst>
+              <a:ext uri="{FF2B5EF4-FFF2-40B4-BE49-F238E27FC236}">
+                <a16:creationId xmlns:a16="http://schemas.microsoft.com/office/drawing/2014/main" id="{B92E6738-FEDC-48A0-883A-5562EB05D420}"/>
+              </a:ext>
+            </a:extLst>
+          </p:cNvPr>
           <p:cNvSpPr>
             <a:spLocks noGrp="1"/>
           </p:cNvSpPr>
@@ -48283,7 +49147,13 @@
       </p:sp>
       <p:sp>
         <p:nvSpPr>
-          <p:cNvPr id="5" name="Fußzeilenplatzhalter 4"/>
+          <p:cNvPr id="4" name="Espace réservé du pied de page 3">
+            <a:extLst>
+              <a:ext uri="{FF2B5EF4-FFF2-40B4-BE49-F238E27FC236}">
+                <a16:creationId xmlns:a16="http://schemas.microsoft.com/office/drawing/2014/main" id="{BC21C380-93BE-4F09-B15C-1FBD3C61F507}"/>
+              </a:ext>
+            </a:extLst>
+          </p:cNvPr>
           <p:cNvSpPr>
             <a:spLocks noGrp="1"/>
           </p:cNvSpPr>
@@ -48306,7 +49176,13 @@
       </p:sp>
       <p:sp>
         <p:nvSpPr>
-          <p:cNvPr id="6" name="Foliennummernplatzhalter 5"/>
+          <p:cNvPr id="5" name="Espace réservé du numéro de diapositive 4">
+            <a:extLst>
+              <a:ext uri="{FF2B5EF4-FFF2-40B4-BE49-F238E27FC236}">
+                <a16:creationId xmlns:a16="http://schemas.microsoft.com/office/drawing/2014/main" id="{523F9CE1-3B56-48C1-96F6-CF7A3DE99B0D}"/>
+              </a:ext>
+            </a:extLst>
+          </p:cNvPr>
           <p:cNvSpPr>
             <a:spLocks noGrp="1"/>
           </p:cNvSpPr>
@@ -48321,7 +49197,6 @@
           <a:p>
             <a:fld id="{6C6AE60A-B69C-4790-82F7-3882EDF23186}" type="slidenum">
               <a:rPr lang="en-GB" smtClean="0"/>
-              <a:pPr/>
               <a:t>6</a:t>
             </a:fld>
             <a:endParaRPr lang="en-GB" dirty="0"/>
@@ -48330,7 +49205,13 @@
       </p:sp>
       <p:sp>
         <p:nvSpPr>
-          <p:cNvPr id="11" name="Titel 10"/>
+          <p:cNvPr id="6" name="Titre 5">
+            <a:extLst>
+              <a:ext uri="{FF2B5EF4-FFF2-40B4-BE49-F238E27FC236}">
+                <a16:creationId xmlns:a16="http://schemas.microsoft.com/office/drawing/2014/main" id="{978442A5-119B-4D7F-9514-47ED5DF94827}"/>
+              </a:ext>
+            </a:extLst>
+          </p:cNvPr>
           <p:cNvSpPr>
             <a:spLocks noGrp="1"/>
           </p:cNvSpPr>
@@ -48343,14 +49224,733 @@
           <a:bodyPr/>
           <a:lstStyle/>
           <a:p>
-            <a:endParaRPr lang="en-GB" dirty="0"/>
+            <a:r>
+              <a:rPr lang="fr-FR" dirty="0" err="1"/>
+              <a:t>Parameters</a:t>
+            </a:r>
+            <a:r>
+              <a:rPr lang="fr-FR" dirty="0"/>
+              <a:t> fit</a:t>
+            </a:r>
           </a:p>
         </p:txBody>
       </p:sp>
+      <p:sp>
+        <p:nvSpPr>
+          <p:cNvPr id="7" name="Espace réservé du contenu 1">
+            <a:extLst>
+              <a:ext uri="{FF2B5EF4-FFF2-40B4-BE49-F238E27FC236}">
+                <a16:creationId xmlns:a16="http://schemas.microsoft.com/office/drawing/2014/main" id="{F368B500-ACEC-49E8-9841-CDA81242F615}"/>
+              </a:ext>
+            </a:extLst>
+          </p:cNvPr>
+          <p:cNvSpPr txBox="1">
+            <a:spLocks/>
+          </p:cNvSpPr>
+          <p:nvPr/>
+        </p:nvSpPr>
+        <p:spPr>
+          <a:xfrm>
+            <a:off x="264685" y="1612132"/>
+            <a:ext cx="11537950" cy="4210046"/>
+          </a:xfrm>
+          <a:prstGeom prst="rect">
+            <a:avLst/>
+          </a:prstGeom>
+        </p:spPr>
+        <p:txBody>
+          <a:bodyPr vert="horz" lIns="140400" tIns="0" rIns="144000" bIns="0" rtlCol="0">
+            <a:noAutofit/>
+          </a:bodyPr>
+          <a:lstStyle>
+            <a:lvl1pPr marL="361950" indent="-361950" algn="l" defTabSz="914400" rtl="0" eaLnBrk="1" latinLnBrk="0" hangingPunct="1">
+              <a:lnSpc>
+                <a:spcPct val="100000"/>
+              </a:lnSpc>
+              <a:spcBef>
+                <a:spcPts val="500"/>
+              </a:spcBef>
+              <a:buClr>
+                <a:schemeClr val="accent1"/>
+              </a:buClr>
+              <a:buFont typeface="Wingdings" pitchFamily="2" charset="2"/>
+              <a:buChar char="§"/>
+              <a:defRPr sz="2400" kern="1200">
+                <a:solidFill>
+                  <a:schemeClr val="tx1"/>
+                </a:solidFill>
+                <a:latin typeface="+mn-lt"/>
+                <a:ea typeface="+mn-ea"/>
+                <a:cs typeface="+mn-cs"/>
+              </a:defRPr>
+            </a:lvl1pPr>
+            <a:lvl2pPr marL="627063" indent="-265113" algn="l" defTabSz="914400" rtl="0" eaLnBrk="1" latinLnBrk="0" hangingPunct="1">
+              <a:lnSpc>
+                <a:spcPct val="100000"/>
+              </a:lnSpc>
+              <a:spcBef>
+                <a:spcPts val="400"/>
+              </a:spcBef>
+              <a:buClr>
+                <a:schemeClr val="accent1"/>
+              </a:buClr>
+              <a:buFont typeface="Wingdings" pitchFamily="2" charset="2"/>
+              <a:buChar char="§"/>
+              <a:defRPr sz="2000" kern="1200">
+                <a:solidFill>
+                  <a:schemeClr val="tx1"/>
+                </a:solidFill>
+                <a:latin typeface="+mn-lt"/>
+                <a:ea typeface="+mn-ea"/>
+                <a:cs typeface="+mn-cs"/>
+              </a:defRPr>
+            </a:lvl2pPr>
+            <a:lvl3pPr marL="893763" indent="-266700" algn="l" defTabSz="914400" rtl="0" eaLnBrk="1" latinLnBrk="0" hangingPunct="1">
+              <a:lnSpc>
+                <a:spcPct val="100000"/>
+              </a:lnSpc>
+              <a:spcBef>
+                <a:spcPts val="400"/>
+              </a:spcBef>
+              <a:buClr>
+                <a:schemeClr val="accent1"/>
+              </a:buClr>
+              <a:buFont typeface="Wingdings" pitchFamily="2" charset="2"/>
+              <a:buChar char="§"/>
+              <a:defRPr sz="1800" kern="1200">
+                <a:solidFill>
+                  <a:schemeClr val="tx1"/>
+                </a:solidFill>
+                <a:latin typeface="+mn-lt"/>
+                <a:ea typeface="+mn-ea"/>
+                <a:cs typeface="+mn-cs"/>
+              </a:defRPr>
+            </a:lvl3pPr>
+            <a:lvl4pPr marL="1077913" indent="-177800" algn="l" defTabSz="914400" rtl="0" eaLnBrk="1" latinLnBrk="0" hangingPunct="1">
+              <a:lnSpc>
+                <a:spcPct val="100000"/>
+              </a:lnSpc>
+              <a:spcBef>
+                <a:spcPts val="400"/>
+              </a:spcBef>
+              <a:buClr>
+                <a:schemeClr val="accent1"/>
+              </a:buClr>
+              <a:buFont typeface="Wingdings" pitchFamily="2" charset="2"/>
+              <a:buChar char="§"/>
+              <a:defRPr sz="1600" kern="1200">
+                <a:solidFill>
+                  <a:schemeClr val="tx1"/>
+                </a:solidFill>
+                <a:latin typeface="+mn-lt"/>
+                <a:ea typeface="+mn-ea"/>
+                <a:cs typeface="+mn-cs"/>
+              </a:defRPr>
+            </a:lvl4pPr>
+            <a:lvl5pPr marL="1262063" indent="-184150" algn="l" defTabSz="914400" rtl="0" eaLnBrk="1" latinLnBrk="0" hangingPunct="1">
+              <a:lnSpc>
+                <a:spcPct val="100000"/>
+              </a:lnSpc>
+              <a:spcBef>
+                <a:spcPts val="400"/>
+              </a:spcBef>
+              <a:buClr>
+                <a:schemeClr val="accent1"/>
+              </a:buClr>
+              <a:buFont typeface="Wingdings" pitchFamily="2" charset="2"/>
+              <a:buChar char="§"/>
+              <a:defRPr sz="1400" kern="1200">
+                <a:solidFill>
+                  <a:schemeClr val="tx1"/>
+                </a:solidFill>
+                <a:latin typeface="+mn-lt"/>
+                <a:ea typeface="+mn-ea"/>
+                <a:cs typeface="+mn-cs"/>
+              </a:defRPr>
+            </a:lvl5pPr>
+            <a:lvl6pPr marL="2514600" indent="-228600" algn="l" defTabSz="914400" rtl="0" eaLnBrk="1" latinLnBrk="0" hangingPunct="1">
+              <a:spcBef>
+                <a:spcPct val="20000"/>
+              </a:spcBef>
+              <a:buFont typeface="Arial" pitchFamily="34" charset="0"/>
+              <a:buChar char="•"/>
+              <a:defRPr sz="2000" kern="1200">
+                <a:solidFill>
+                  <a:schemeClr val="tx1"/>
+                </a:solidFill>
+                <a:latin typeface="+mn-lt"/>
+                <a:ea typeface="+mn-ea"/>
+                <a:cs typeface="+mn-cs"/>
+              </a:defRPr>
+            </a:lvl6pPr>
+            <a:lvl7pPr marL="2971800" indent="-228600" algn="l" defTabSz="914400" rtl="0" eaLnBrk="1" latinLnBrk="0" hangingPunct="1">
+              <a:spcBef>
+                <a:spcPct val="20000"/>
+              </a:spcBef>
+              <a:buFont typeface="Arial" pitchFamily="34" charset="0"/>
+              <a:buChar char="•"/>
+              <a:defRPr sz="2000" kern="1200">
+                <a:solidFill>
+                  <a:schemeClr val="tx1"/>
+                </a:solidFill>
+                <a:latin typeface="+mn-lt"/>
+                <a:ea typeface="+mn-ea"/>
+                <a:cs typeface="+mn-cs"/>
+              </a:defRPr>
+            </a:lvl7pPr>
+            <a:lvl8pPr marL="3429000" indent="-228600" algn="l" defTabSz="914400" rtl="0" eaLnBrk="1" latinLnBrk="0" hangingPunct="1">
+              <a:spcBef>
+                <a:spcPct val="20000"/>
+              </a:spcBef>
+              <a:buFont typeface="Arial" pitchFamily="34" charset="0"/>
+              <a:buChar char="•"/>
+              <a:defRPr sz="2000" kern="1200">
+                <a:solidFill>
+                  <a:schemeClr val="tx1"/>
+                </a:solidFill>
+                <a:latin typeface="+mn-lt"/>
+                <a:ea typeface="+mn-ea"/>
+                <a:cs typeface="+mn-cs"/>
+              </a:defRPr>
+            </a:lvl8pPr>
+            <a:lvl9pPr marL="3886200" indent="-228600" algn="l" defTabSz="914400" rtl="0" eaLnBrk="1" latinLnBrk="0" hangingPunct="1">
+              <a:spcBef>
+                <a:spcPct val="20000"/>
+              </a:spcBef>
+              <a:buFont typeface="Arial" pitchFamily="34" charset="0"/>
+              <a:buChar char="•"/>
+              <a:defRPr sz="2000" kern="1200">
+                <a:solidFill>
+                  <a:schemeClr val="tx1"/>
+                </a:solidFill>
+                <a:latin typeface="+mn-lt"/>
+                <a:ea typeface="+mn-ea"/>
+                <a:cs typeface="+mn-cs"/>
+              </a:defRPr>
+            </a:lvl9pPr>
+          </a:lstStyle>
+          <a:p>
+            <a:r>
+              <a:rPr lang="fr-FR" dirty="0"/>
+              <a:t>ADN </a:t>
+            </a:r>
+            <a:r>
+              <a:rPr lang="fr-FR" dirty="0" err="1"/>
+              <a:t>parameters</a:t>
+            </a:r>
+            <a:endParaRPr lang="fr-FR" dirty="0"/>
+          </a:p>
+        </p:txBody>
+      </p:sp>
+      <mc:AlternateContent xmlns:mc="http://schemas.openxmlformats.org/markup-compatibility/2006">
+        <mc:Choice xmlns:a14="http://schemas.microsoft.com/office/drawing/2010/main" Requires="a14">
+          <p:sp>
+            <p:nvSpPr>
+              <p:cNvPr id="10" name="ZoneTexte 9">
+                <a:extLst>
+                  <a:ext uri="{FF2B5EF4-FFF2-40B4-BE49-F238E27FC236}">
+                    <a16:creationId xmlns:a16="http://schemas.microsoft.com/office/drawing/2014/main" id="{3DA6267D-E3AF-4EBF-BF80-246E4780E3A1}"/>
+                  </a:ext>
+                </a:extLst>
+              </p:cNvPr>
+              <p:cNvSpPr txBox="1"/>
+              <p:nvPr/>
+            </p:nvSpPr>
+            <p:spPr>
+              <a:xfrm>
+                <a:off x="6699903" y="2191428"/>
+                <a:ext cx="4248590" cy="923330"/>
+              </a:xfrm>
+              <a:prstGeom prst="rect">
+                <a:avLst/>
+              </a:prstGeom>
+              <a:noFill/>
+            </p:spPr>
+            <p:txBody>
+              <a:bodyPr wrap="square" rtlCol="0">
+                <a:spAutoFit/>
+              </a:bodyPr>
+              <a:lstStyle/>
+              <a:p>
+                <a:pPr marL="285750" indent="-285750">
+                  <a:buFont typeface="Arial" panose="020B0604020202020204" pitchFamily="34" charset="0"/>
+                  <a:buChar char="•"/>
+                </a:pPr>
+                <a:r>
+                  <a:rPr lang="fr-FR" dirty="0"/>
+                  <a:t>Fitted </a:t>
+                </a:r>
+                <a:r>
+                  <a:rPr lang="fr-FR" dirty="0" err="1"/>
+                  <a:t>parameters</a:t>
+                </a:r>
+                <a:r>
+                  <a:rPr lang="fr-FR" dirty="0"/>
+                  <a:t>:</a:t>
+                </a:r>
+              </a:p>
+              <a:p>
+                <a:pPr marL="742950" lvl="1" indent="-285750">
+                  <a:buFont typeface="Arial" panose="020B0604020202020204" pitchFamily="34" charset="0"/>
+                  <a:buChar char="•"/>
+                </a:pPr>
+                <a:r>
+                  <a:rPr lang="fr-FR" dirty="0" err="1"/>
+                  <a:t>Number</a:t>
+                </a:r>
+                <a:r>
+                  <a:rPr lang="fr-FR" dirty="0"/>
+                  <a:t> of </a:t>
+                </a:r>
+                <a:r>
+                  <a:rPr lang="fr-FR" dirty="0" err="1"/>
+                  <a:t>edges</a:t>
+                </a:r>
+                <a:r>
+                  <a:rPr lang="fr-FR" dirty="0"/>
+                  <a:t> </a:t>
+                </a:r>
+                <a:r>
+                  <a:rPr lang="fr-FR" dirty="0" err="1"/>
+                  <a:t>created</a:t>
+                </a:r>
+                <a:r>
+                  <a:rPr lang="fr-FR" dirty="0"/>
+                  <a:t> m</a:t>
+                </a:r>
+              </a:p>
+              <a:p>
+                <a:pPr marL="742950" lvl="1" indent="-285750">
+                  <a:buFont typeface="Arial" panose="020B0604020202020204" pitchFamily="34" charset="0"/>
+                  <a:buChar char="•"/>
+                </a:pPr>
+                <a:r>
+                  <a:rPr lang="fr-FR" dirty="0"/>
+                  <a:t>Activation </a:t>
+                </a:r>
+                <a:r>
+                  <a:rPr lang="fr-FR" dirty="0" err="1"/>
+                  <a:t>factors</a:t>
+                </a:r>
+                <a:r>
+                  <a:rPr lang="fr-FR" dirty="0"/>
+                  <a:t> </a:t>
+                </a:r>
+                <a14:m>
+                  <m:oMath xmlns:m="http://schemas.openxmlformats.org/officeDocument/2006/math">
+                    <m:sSub>
+                      <m:sSubPr>
+                        <m:ctrlPr>
+                          <a:rPr lang="fr-FR" i="1" smtClean="0">
+                            <a:latin typeface="Cambria Math" panose="02040503050406030204" pitchFamily="18" charset="0"/>
+                          </a:rPr>
+                        </m:ctrlPr>
+                      </m:sSubPr>
+                      <m:e>
+                        <m:r>
+                          <a:rPr lang="fr-FR" i="1" smtClean="0">
+                            <a:latin typeface="Cambria Math" panose="02040503050406030204" pitchFamily="18" charset="0"/>
+                          </a:rPr>
+                          <m:t>𝜂</m:t>
+                        </m:r>
+                      </m:e>
+                      <m:sub>
+                        <m:r>
+                          <a:rPr lang="fr-FR" i="1" smtClean="0">
+                            <a:latin typeface="Cambria Math" panose="02040503050406030204" pitchFamily="18" charset="0"/>
+                          </a:rPr>
+                          <m:t>𝑆𝐸</m:t>
+                        </m:r>
+                      </m:sub>
+                    </m:sSub>
+                  </m:oMath>
+                </a14:m>
+                <a:r>
+                  <a:rPr lang="fr-FR" dirty="0"/>
+                  <a:t> and </a:t>
+                </a:r>
+                <a14:m>
+                  <m:oMath xmlns:m="http://schemas.openxmlformats.org/officeDocument/2006/math">
+                    <m:sSub>
+                      <m:sSubPr>
+                        <m:ctrlPr>
+                          <a:rPr lang="fr-FR" i="1">
+                            <a:latin typeface="Cambria Math" panose="02040503050406030204" pitchFamily="18" charset="0"/>
+                          </a:rPr>
+                        </m:ctrlPr>
+                      </m:sSubPr>
+                      <m:e>
+                        <m:r>
+                          <a:rPr lang="fr-FR" i="1">
+                            <a:latin typeface="Cambria Math" panose="02040503050406030204" pitchFamily="18" charset="0"/>
+                          </a:rPr>
+                          <m:t>𝜂</m:t>
+                        </m:r>
+                      </m:e>
+                      <m:sub>
+                        <m:r>
+                          <a:rPr lang="fr-CH" b="0" i="1" smtClean="0">
+                            <a:latin typeface="Cambria Math" panose="02040503050406030204" pitchFamily="18" charset="0"/>
+                          </a:rPr>
+                          <m:t>𝐼</m:t>
+                        </m:r>
+                      </m:sub>
+                    </m:sSub>
+                  </m:oMath>
+                </a14:m>
+                <a:endParaRPr lang="fr-FR" dirty="0"/>
+              </a:p>
+            </p:txBody>
+          </p:sp>
+        </mc:Choice>
+        <mc:Fallback>
+          <p:sp>
+            <p:nvSpPr>
+              <p:cNvPr id="10" name="ZoneTexte 9">
+                <a:extLst>
+                  <a:ext uri="{FF2B5EF4-FFF2-40B4-BE49-F238E27FC236}">
+                    <a16:creationId xmlns:a16="http://schemas.microsoft.com/office/drawing/2014/main" id="{3DA6267D-E3AF-4EBF-BF80-246E4780E3A1}"/>
+                  </a:ext>
+                </a:extLst>
+              </p:cNvPr>
+              <p:cNvSpPr txBox="1">
+                <a:spLocks noRot="1" noChangeAspect="1" noMove="1" noResize="1" noEditPoints="1" noAdjustHandles="1" noChangeArrowheads="1" noChangeShapeType="1" noTextEdit="1"/>
+              </p:cNvSpPr>
+              <p:nvPr/>
+            </p:nvSpPr>
+            <p:spPr>
+              <a:xfrm>
+                <a:off x="6699903" y="2191428"/>
+                <a:ext cx="4248590" cy="923330"/>
+              </a:xfrm>
+              <a:prstGeom prst="rect">
+                <a:avLst/>
+              </a:prstGeom>
+              <a:blipFill>
+                <a:blip r:embed="rId3"/>
+                <a:stretch>
+                  <a:fillRect l="-861" t="-3289" b="-9211"/>
+                </a:stretch>
+              </a:blipFill>
+            </p:spPr>
+            <p:txBody>
+              <a:bodyPr/>
+              <a:lstStyle/>
+              <a:p>
+                <a:r>
+                  <a:rPr lang="fr-FR">
+                    <a:noFill/>
+                  </a:rPr>
+                  <a:t> </a:t>
+                </a:r>
+              </a:p>
+            </p:txBody>
+          </p:sp>
+        </mc:Fallback>
+      </mc:AlternateContent>
+      <p:sp>
+        <p:nvSpPr>
+          <p:cNvPr id="11" name="ZoneTexte 10">
+            <a:extLst>
+              <a:ext uri="{FF2B5EF4-FFF2-40B4-BE49-F238E27FC236}">
+                <a16:creationId xmlns:a16="http://schemas.microsoft.com/office/drawing/2014/main" id="{A57AFA60-24A2-4E72-96CA-FDD600EAB491}"/>
+              </a:ext>
+            </a:extLst>
+          </p:cNvPr>
+          <p:cNvSpPr txBox="1"/>
+          <p:nvPr/>
+        </p:nvSpPr>
+        <p:spPr>
+          <a:xfrm>
+            <a:off x="6697043" y="4943571"/>
+            <a:ext cx="4464620" cy="923330"/>
+          </a:xfrm>
+          <a:prstGeom prst="rect">
+            <a:avLst/>
+          </a:prstGeom>
+          <a:noFill/>
+        </p:spPr>
+        <p:txBody>
+          <a:bodyPr wrap="square" rtlCol="0">
+            <a:spAutoFit/>
+          </a:bodyPr>
+          <a:lstStyle/>
+          <a:p>
+            <a:pPr marL="285750" indent="-285750">
+              <a:buFont typeface="Arial" panose="020B0604020202020204" pitchFamily="34" charset="0"/>
+              <a:buChar char="•"/>
+            </a:pPr>
+            <a:r>
+              <a:rPr lang="fr-FR" dirty="0"/>
+              <a:t>Data </a:t>
+            </a:r>
+            <a:r>
+              <a:rPr lang="fr-FR" dirty="0" err="1"/>
+              <a:t>comes</a:t>
+            </a:r>
+            <a:r>
+              <a:rPr lang="fr-FR" dirty="0"/>
+              <a:t> </a:t>
+            </a:r>
+            <a:r>
+              <a:rPr lang="fr-FR" dirty="0" err="1"/>
+              <a:t>from</a:t>
+            </a:r>
+            <a:r>
+              <a:rPr lang="fr-FR" dirty="0"/>
+              <a:t> WHO reports of the </a:t>
+            </a:r>
+            <a:r>
+              <a:rPr lang="fr-FR" dirty="0" err="1"/>
+              <a:t>actual</a:t>
+            </a:r>
+            <a:r>
+              <a:rPr lang="fr-FR" dirty="0"/>
+              <a:t> Ebola </a:t>
+            </a:r>
+            <a:r>
+              <a:rPr lang="fr-FR" dirty="0" err="1"/>
+              <a:t>outbreak</a:t>
+            </a:r>
+            <a:r>
+              <a:rPr lang="fr-FR" dirty="0"/>
+              <a:t> in North-Kivu, RDC (</a:t>
+            </a:r>
+            <a:r>
+              <a:rPr lang="fr-FR" dirty="0" err="1"/>
+              <a:t>since</a:t>
+            </a:r>
+            <a:r>
+              <a:rPr lang="fr-FR" dirty="0"/>
+              <a:t> August 4, 2018)</a:t>
+            </a:r>
+          </a:p>
+        </p:txBody>
+      </p:sp>
+      <mc:AlternateContent xmlns:mc="http://schemas.openxmlformats.org/markup-compatibility/2006">
+        <mc:Choice xmlns:a14="http://schemas.microsoft.com/office/drawing/2010/main" Requires="a14">
+          <p:sp>
+            <p:nvSpPr>
+              <p:cNvPr id="12" name="ZoneTexte 11">
+                <a:extLst>
+                  <a:ext uri="{FF2B5EF4-FFF2-40B4-BE49-F238E27FC236}">
+                    <a16:creationId xmlns:a16="http://schemas.microsoft.com/office/drawing/2014/main" id="{1586B14D-55FA-49E6-BC46-C979DE589725}"/>
+                  </a:ext>
+                </a:extLst>
+              </p:cNvPr>
+              <p:cNvSpPr txBox="1"/>
+              <p:nvPr/>
+            </p:nvSpPr>
+            <p:spPr>
+              <a:xfrm>
+                <a:off x="6699903" y="3429000"/>
+                <a:ext cx="4322353" cy="1200329"/>
+              </a:xfrm>
+              <a:prstGeom prst="rect">
+                <a:avLst/>
+              </a:prstGeom>
+              <a:noFill/>
+            </p:spPr>
+            <p:txBody>
+              <a:bodyPr wrap="square" rtlCol="0">
+                <a:spAutoFit/>
+              </a:bodyPr>
+              <a:lstStyle/>
+              <a:p>
+                <a:pPr marL="285750" indent="-285750">
+                  <a:buFont typeface="Arial" panose="020B0604020202020204" pitchFamily="34" charset="0"/>
+                  <a:buChar char="•"/>
+                </a:pPr>
+                <a:r>
+                  <a:rPr lang="fr-FR" dirty="0"/>
+                  <a:t>Range:</a:t>
+                </a:r>
+              </a:p>
+              <a:p>
+                <a:pPr marL="742950" lvl="1" indent="-285750">
+                  <a:buFont typeface="Arial" panose="020B0604020202020204" pitchFamily="34" charset="0"/>
+                  <a:buChar char="•"/>
+                </a:pPr>
+                <a:r>
+                  <a:rPr lang="fr-FR" dirty="0"/>
+                  <a:t>m </a:t>
+                </a:r>
+                <a14:m>
+                  <m:oMath xmlns:m="http://schemas.openxmlformats.org/officeDocument/2006/math">
+                    <m:r>
+                      <a:rPr lang="fr-FR" i="1" smtClean="0">
+                        <a:latin typeface="Cambria Math" panose="02040503050406030204" pitchFamily="18" charset="0"/>
+                        <a:ea typeface="Cambria Math" panose="02040503050406030204" pitchFamily="18" charset="0"/>
+                      </a:rPr>
+                      <m:t>∈</m:t>
+                    </m:r>
+                  </m:oMath>
+                </a14:m>
+                <a:r>
+                  <a:rPr lang="fr-FR" dirty="0"/>
+                  <a:t> {5, … ,8}</a:t>
+                </a:r>
+              </a:p>
+              <a:p>
+                <a:pPr marL="742950" lvl="1" indent="-285750">
+                  <a:buFont typeface="Arial" panose="020B0604020202020204" pitchFamily="34" charset="0"/>
+                  <a:buChar char="•"/>
+                </a:pPr>
+                <a14:m>
+                  <m:oMath xmlns:m="http://schemas.openxmlformats.org/officeDocument/2006/math">
+                    <m:sSub>
+                      <m:sSubPr>
+                        <m:ctrlPr>
+                          <a:rPr lang="fr-FR" i="1">
+                            <a:latin typeface="Cambria Math" panose="02040503050406030204" pitchFamily="18" charset="0"/>
+                          </a:rPr>
+                        </m:ctrlPr>
+                      </m:sSubPr>
+                      <m:e>
+                        <m:r>
+                          <a:rPr lang="fr-FR" i="1">
+                            <a:latin typeface="Cambria Math" panose="02040503050406030204" pitchFamily="18" charset="0"/>
+                          </a:rPr>
+                          <m:t>𝜂</m:t>
+                        </m:r>
+                      </m:e>
+                      <m:sub>
+                        <m:r>
+                          <a:rPr lang="fr-FR" i="1">
+                            <a:latin typeface="Cambria Math" panose="02040503050406030204" pitchFamily="18" charset="0"/>
+                          </a:rPr>
+                          <m:t>𝑆𝐸</m:t>
+                        </m:r>
+                      </m:sub>
+                    </m:sSub>
+                  </m:oMath>
+                </a14:m>
+                <a:r>
+                  <a:rPr lang="fr-FR" dirty="0"/>
+                  <a:t> </a:t>
+                </a:r>
+                <a14:m>
+                  <m:oMath xmlns:m="http://schemas.openxmlformats.org/officeDocument/2006/math">
+                    <m:r>
+                      <a:rPr lang="fr-FR" i="1">
+                        <a:latin typeface="Cambria Math" panose="02040503050406030204" pitchFamily="18" charset="0"/>
+                        <a:ea typeface="Cambria Math" panose="02040503050406030204" pitchFamily="18" charset="0"/>
+                      </a:rPr>
+                      <m:t>∈</m:t>
+                    </m:r>
+                  </m:oMath>
+                </a14:m>
+                <a:r>
+                  <a:rPr lang="fr-FR" dirty="0"/>
+                  <a:t> {5, … ,7}</a:t>
+                </a:r>
+              </a:p>
+              <a:p>
+                <a:pPr marL="742950" lvl="1" indent="-285750">
+                  <a:buFont typeface="Arial" panose="020B0604020202020204" pitchFamily="34" charset="0"/>
+                  <a:buChar char="•"/>
+                </a:pPr>
+                <a14:m>
+                  <m:oMath xmlns:m="http://schemas.openxmlformats.org/officeDocument/2006/math">
+                    <m:sSub>
+                      <m:sSubPr>
+                        <m:ctrlPr>
+                          <a:rPr lang="fr-FR" i="1">
+                            <a:latin typeface="Cambria Math" panose="02040503050406030204" pitchFamily="18" charset="0"/>
+                          </a:rPr>
+                        </m:ctrlPr>
+                      </m:sSubPr>
+                      <m:e>
+                        <m:r>
+                          <a:rPr lang="fr-FR" i="1">
+                            <a:latin typeface="Cambria Math" panose="02040503050406030204" pitchFamily="18" charset="0"/>
+                          </a:rPr>
+                          <m:t>𝜂</m:t>
+                        </m:r>
+                      </m:e>
+                      <m:sub>
+                        <m:r>
+                          <a:rPr lang="fr-CH" i="1">
+                            <a:latin typeface="Cambria Math" panose="02040503050406030204" pitchFamily="18" charset="0"/>
+                          </a:rPr>
+                          <m:t>𝐼</m:t>
+                        </m:r>
+                      </m:sub>
+                    </m:sSub>
+                  </m:oMath>
+                </a14:m>
+                <a:r>
+                  <a:rPr lang="fr-FR" dirty="0"/>
+                  <a:t> </a:t>
+                </a:r>
+                <a14:m>
+                  <m:oMath xmlns:m="http://schemas.openxmlformats.org/officeDocument/2006/math">
+                    <m:r>
+                      <a:rPr lang="fr-FR" i="1">
+                        <a:latin typeface="Cambria Math" panose="02040503050406030204" pitchFamily="18" charset="0"/>
+                        <a:ea typeface="Cambria Math" panose="02040503050406030204" pitchFamily="18" charset="0"/>
+                      </a:rPr>
+                      <m:t>∈</m:t>
+                    </m:r>
+                  </m:oMath>
+                </a14:m>
+                <a:r>
+                  <a:rPr lang="fr-FR" dirty="0"/>
+                  <a:t> {4, … ,6.5}</a:t>
+                </a:r>
+              </a:p>
+            </p:txBody>
+          </p:sp>
+        </mc:Choice>
+        <mc:Fallback>
+          <p:sp>
+            <p:nvSpPr>
+              <p:cNvPr id="12" name="ZoneTexte 11">
+                <a:extLst>
+                  <a:ext uri="{FF2B5EF4-FFF2-40B4-BE49-F238E27FC236}">
+                    <a16:creationId xmlns:a16="http://schemas.microsoft.com/office/drawing/2014/main" id="{1586B14D-55FA-49E6-BC46-C979DE589725}"/>
+                  </a:ext>
+                </a:extLst>
+              </p:cNvPr>
+              <p:cNvSpPr txBox="1">
+                <a:spLocks noRot="1" noChangeAspect="1" noMove="1" noResize="1" noEditPoints="1" noAdjustHandles="1" noChangeArrowheads="1" noChangeShapeType="1" noTextEdit="1"/>
+              </p:cNvSpPr>
+              <p:nvPr/>
+            </p:nvSpPr>
+            <p:spPr>
+              <a:xfrm>
+                <a:off x="6699903" y="3429000"/>
+                <a:ext cx="4322353" cy="1200329"/>
+              </a:xfrm>
+              <a:prstGeom prst="rect">
+                <a:avLst/>
+              </a:prstGeom>
+              <a:blipFill>
+                <a:blip r:embed="rId4"/>
+                <a:stretch>
+                  <a:fillRect l="-846" t="-3061" b="-7143"/>
+                </a:stretch>
+              </a:blipFill>
+            </p:spPr>
+            <p:txBody>
+              <a:bodyPr/>
+              <a:lstStyle/>
+              <a:p>
+                <a:r>
+                  <a:rPr lang="fr-FR">
+                    <a:noFill/>
+                  </a:rPr>
+                  <a:t> </a:t>
+                </a:r>
+              </a:p>
+            </p:txBody>
+          </p:sp>
+        </mc:Fallback>
+      </mc:AlternateContent>
     </p:spTree>
     <p:extLst>
       <p:ext uri="{BB962C8B-B14F-4D97-AF65-F5344CB8AC3E}">
-        <p14:creationId xmlns:p14="http://schemas.microsoft.com/office/powerpoint/2010/main" val="572143329"/>
+        <p14:creationId xmlns:p14="http://schemas.microsoft.com/office/powerpoint/2010/main" val="2835558893"/>
       </p:ext>
     </p:extLst>
   </p:cSld>
@@ -48360,6 +49960,231 @@
   <p:transition>
     <p:fade/>
   </p:transition>
+  <p:timing>
+    <p:tnLst>
+      <p:par>
+        <p:cTn id="1" dur="indefinite" restart="never" nodeType="tmRoot">
+          <p:childTnLst>
+            <p:seq concurrent="1" nextAc="seek">
+              <p:cTn id="2" dur="indefinite" nodeType="mainSeq">
+                <p:childTnLst>
+                  <p:par>
+                    <p:cTn id="3" fill="hold">
+                      <p:stCondLst>
+                        <p:cond delay="indefinite"/>
+                      </p:stCondLst>
+                      <p:childTnLst>
+                        <p:par>
+                          <p:cTn id="4" fill="hold">
+                            <p:stCondLst>
+                              <p:cond delay="0"/>
+                            </p:stCondLst>
+                            <p:childTnLst>
+                              <p:par>
+                                <p:cTn id="5" presetID="1" presetClass="entr" presetSubtype="0" fill="hold" nodeType="clickEffect">
+                                  <p:stCondLst>
+                                    <p:cond delay="0"/>
+                                  </p:stCondLst>
+                                  <p:childTnLst>
+                                    <p:set>
+                                      <p:cBhvr>
+                                        <p:cTn id="6" dur="1" fill="hold">
+                                          <p:stCondLst>
+                                            <p:cond delay="0"/>
+                                          </p:stCondLst>
+                                        </p:cTn>
+                                        <p:tgtEl>
+                                          <p:spTgt spid="9"/>
+                                        </p:tgtEl>
+                                        <p:attrNameLst>
+                                          <p:attrName>style.visibility</p:attrName>
+                                        </p:attrNameLst>
+                                      </p:cBhvr>
+                                      <p:to>
+                                        <p:strVal val="visible"/>
+                                      </p:to>
+                                    </p:set>
+                                  </p:childTnLst>
+                                </p:cTn>
+                              </p:par>
+                              <p:par>
+                                <p:cTn id="7" presetID="1" presetClass="entr" presetSubtype="0" fill="hold" grpId="0" nodeType="withEffect">
+                                  <p:stCondLst>
+                                    <p:cond delay="0"/>
+                                  </p:stCondLst>
+                                  <p:childTnLst>
+                                    <p:set>
+                                      <p:cBhvr>
+                                        <p:cTn id="8" dur="1" fill="hold">
+                                          <p:stCondLst>
+                                            <p:cond delay="0"/>
+                                          </p:stCondLst>
+                                        </p:cTn>
+                                        <p:tgtEl>
+                                          <p:spTgt spid="7"/>
+                                        </p:tgtEl>
+                                        <p:attrNameLst>
+                                          <p:attrName>style.visibility</p:attrName>
+                                        </p:attrNameLst>
+                                      </p:cBhvr>
+                                      <p:to>
+                                        <p:strVal val="visible"/>
+                                      </p:to>
+                                    </p:set>
+                                  </p:childTnLst>
+                                </p:cTn>
+                              </p:par>
+                            </p:childTnLst>
+                          </p:cTn>
+                        </p:par>
+                      </p:childTnLst>
+                    </p:cTn>
+                  </p:par>
+                  <p:par>
+                    <p:cTn id="9" fill="hold">
+                      <p:stCondLst>
+                        <p:cond delay="indefinite"/>
+                      </p:stCondLst>
+                      <p:childTnLst>
+                        <p:par>
+                          <p:cTn id="10" fill="hold">
+                            <p:stCondLst>
+                              <p:cond delay="0"/>
+                            </p:stCondLst>
+                            <p:childTnLst>
+                              <p:par>
+                                <p:cTn id="11" presetID="1" presetClass="entr" presetSubtype="0" fill="hold" grpId="0" nodeType="clickEffect">
+                                  <p:stCondLst>
+                                    <p:cond delay="0"/>
+                                  </p:stCondLst>
+                                  <p:childTnLst>
+                                    <p:set>
+                                      <p:cBhvr>
+                                        <p:cTn id="12" dur="1" fill="hold">
+                                          <p:stCondLst>
+                                            <p:cond delay="0"/>
+                                          </p:stCondLst>
+                                        </p:cTn>
+                                        <p:tgtEl>
+                                          <p:spTgt spid="10"/>
+                                        </p:tgtEl>
+                                        <p:attrNameLst>
+                                          <p:attrName>style.visibility</p:attrName>
+                                        </p:attrNameLst>
+                                      </p:cBhvr>
+                                      <p:to>
+                                        <p:strVal val="visible"/>
+                                      </p:to>
+                                    </p:set>
+                                  </p:childTnLst>
+                                </p:cTn>
+                              </p:par>
+                              <p:par>
+                                <p:cTn id="13" presetID="1" presetClass="entr" presetSubtype="0" fill="hold" grpId="0" nodeType="withEffect">
+                                  <p:stCondLst>
+                                    <p:cond delay="0"/>
+                                  </p:stCondLst>
+                                  <p:childTnLst>
+                                    <p:set>
+                                      <p:cBhvr>
+                                        <p:cTn id="14" dur="1" fill="hold">
+                                          <p:stCondLst>
+                                            <p:cond delay="0"/>
+                                          </p:stCondLst>
+                                        </p:cTn>
+                                        <p:tgtEl>
+                                          <p:spTgt spid="12"/>
+                                        </p:tgtEl>
+                                        <p:attrNameLst>
+                                          <p:attrName>style.visibility</p:attrName>
+                                        </p:attrNameLst>
+                                      </p:cBhvr>
+                                      <p:to>
+                                        <p:strVal val="visible"/>
+                                      </p:to>
+                                    </p:set>
+                                  </p:childTnLst>
+                                </p:cTn>
+                              </p:par>
+                            </p:childTnLst>
+                          </p:cTn>
+                        </p:par>
+                      </p:childTnLst>
+                    </p:cTn>
+                  </p:par>
+                  <p:par>
+                    <p:cTn id="15" fill="hold">
+                      <p:stCondLst>
+                        <p:cond delay="indefinite"/>
+                      </p:stCondLst>
+                      <p:childTnLst>
+                        <p:par>
+                          <p:cTn id="16" fill="hold">
+                            <p:stCondLst>
+                              <p:cond delay="0"/>
+                            </p:stCondLst>
+                            <p:childTnLst>
+                              <p:par>
+                                <p:cTn id="17" presetID="1" presetClass="entr" presetSubtype="0" fill="hold" grpId="0" nodeType="clickEffect">
+                                  <p:stCondLst>
+                                    <p:cond delay="0"/>
+                                  </p:stCondLst>
+                                  <p:childTnLst>
+                                    <p:set>
+                                      <p:cBhvr>
+                                        <p:cTn id="18" dur="1" fill="hold">
+                                          <p:stCondLst>
+                                            <p:cond delay="0"/>
+                                          </p:stCondLst>
+                                        </p:cTn>
+                                        <p:tgtEl>
+                                          <p:spTgt spid="11"/>
+                                        </p:tgtEl>
+                                        <p:attrNameLst>
+                                          <p:attrName>style.visibility</p:attrName>
+                                        </p:attrNameLst>
+                                      </p:cBhvr>
+                                      <p:to>
+                                        <p:strVal val="visible"/>
+                                      </p:to>
+                                    </p:set>
+                                  </p:childTnLst>
+                                </p:cTn>
+                              </p:par>
+                            </p:childTnLst>
+                          </p:cTn>
+                        </p:par>
+                      </p:childTnLst>
+                    </p:cTn>
+                  </p:par>
+                </p:childTnLst>
+              </p:cTn>
+              <p:prevCondLst>
+                <p:cond evt="onPrev" delay="0">
+                  <p:tgtEl>
+                    <p:sldTgt/>
+                  </p:tgtEl>
+                </p:cond>
+              </p:prevCondLst>
+              <p:nextCondLst>
+                <p:cond evt="onNext" delay="0">
+                  <p:tgtEl>
+                    <p:sldTgt/>
+                  </p:tgtEl>
+                </p:cond>
+              </p:nextCondLst>
+            </p:seq>
+          </p:childTnLst>
+        </p:cTn>
+      </p:par>
+    </p:tnLst>
+    <p:bldLst>
+      <p:bldP spid="7" grpId="0"/>
+      <p:bldP spid="10" grpId="0"/>
+      <p:bldP spid="11" grpId="0"/>
+      <p:bldP spid="12" grpId="0"/>
+    </p:bldLst>
+  </p:timing>
 </p:sld>
 </file>
 
@@ -48380,9 +50205,51 @@
           <a:chExt cx="0" cy="0"/>
         </a:xfrm>
       </p:grpSpPr>
+      <p:pic>
+        <p:nvPicPr>
+          <p:cNvPr id="8" name="Image 7">
+            <a:extLst>
+              <a:ext uri="{FF2B5EF4-FFF2-40B4-BE49-F238E27FC236}">
+                <a16:creationId xmlns:a16="http://schemas.microsoft.com/office/drawing/2014/main" id="{9BB1F1DE-B0B4-4B7B-8D41-6B4604FCC3B9}"/>
+              </a:ext>
+            </a:extLst>
+          </p:cNvPr>
+          <p:cNvPicPr>
+            <a:picLocks noChangeAspect="1"/>
+          </p:cNvPicPr>
+          <p:nvPr/>
+        </p:nvPicPr>
+        <p:blipFill>
+          <a:blip r:embed="rId2">
+            <a:extLst>
+              <a:ext uri="{28A0092B-C50C-407E-A947-70E740481C1C}">
+                <a14:useLocalDpi xmlns:a14="http://schemas.microsoft.com/office/drawing/2010/main" val="0"/>
+              </a:ext>
+            </a:extLst>
+          </a:blip>
+          <a:stretch>
+            <a:fillRect/>
+          </a:stretch>
+        </p:blipFill>
+        <p:spPr>
+          <a:xfrm>
+            <a:off x="116788" y="1916790"/>
+            <a:ext cx="6968945" cy="4527026"/>
+          </a:xfrm>
+          <a:prstGeom prst="rect">
+            <a:avLst/>
+          </a:prstGeom>
+        </p:spPr>
+      </p:pic>
       <p:sp>
         <p:nvSpPr>
-          <p:cNvPr id="2" name="Datumsplatzhalter 1"/>
+          <p:cNvPr id="2" name="Espace réservé de la date 1">
+            <a:extLst>
+              <a:ext uri="{FF2B5EF4-FFF2-40B4-BE49-F238E27FC236}">
+                <a16:creationId xmlns:a16="http://schemas.microsoft.com/office/drawing/2014/main" id="{396B0F01-350F-417F-96FD-D2FBEAEAE1A7}"/>
+              </a:ext>
+            </a:extLst>
+          </p:cNvPr>
           <p:cNvSpPr>
             <a:spLocks noGrp="1"/>
           </p:cNvSpPr>
@@ -48405,7 +50272,13 @@
       </p:sp>
       <p:sp>
         <p:nvSpPr>
-          <p:cNvPr id="3" name="Fußzeilenplatzhalter 2"/>
+          <p:cNvPr id="3" name="Espace réservé du pied de page 2">
+            <a:extLst>
+              <a:ext uri="{FF2B5EF4-FFF2-40B4-BE49-F238E27FC236}">
+                <a16:creationId xmlns:a16="http://schemas.microsoft.com/office/drawing/2014/main" id="{A4959D3E-3CF5-42D7-91C9-0D656FB08A7B}"/>
+              </a:ext>
+            </a:extLst>
+          </p:cNvPr>
           <p:cNvSpPr>
             <a:spLocks noGrp="1"/>
           </p:cNvSpPr>
@@ -48428,7 +50301,13 @@
       </p:sp>
       <p:sp>
         <p:nvSpPr>
-          <p:cNvPr id="4" name="Foliennummernplatzhalter 3"/>
+          <p:cNvPr id="4" name="Espace réservé du numéro de diapositive 3">
+            <a:extLst>
+              <a:ext uri="{FF2B5EF4-FFF2-40B4-BE49-F238E27FC236}">
+                <a16:creationId xmlns:a16="http://schemas.microsoft.com/office/drawing/2014/main" id="{E3F47498-48AE-41E9-A2D2-5C476E665C2A}"/>
+              </a:ext>
+            </a:extLst>
+          </p:cNvPr>
           <p:cNvSpPr>
             <a:spLocks noGrp="1"/>
           </p:cNvSpPr>
@@ -48443,7 +50322,6 @@
           <a:p>
             <a:fld id="{6C6AE60A-B69C-4790-82F7-3882EDF23186}" type="slidenum">
               <a:rPr lang="en-GB" smtClean="0"/>
-              <a:pPr/>
               <a:t>7</a:t>
             </a:fld>
             <a:endParaRPr lang="en-GB" dirty="0"/>
@@ -48452,7 +50330,13 @@
       </p:sp>
       <p:sp>
         <p:nvSpPr>
-          <p:cNvPr id="9" name="Titel 8"/>
+          <p:cNvPr id="5" name="Titre 4">
+            <a:extLst>
+              <a:ext uri="{FF2B5EF4-FFF2-40B4-BE49-F238E27FC236}">
+                <a16:creationId xmlns:a16="http://schemas.microsoft.com/office/drawing/2014/main" id="{5240A7C1-F155-45D6-B3CF-4A1B0C65AAD9}"/>
+              </a:ext>
+            </a:extLst>
+          </p:cNvPr>
           <p:cNvSpPr>
             <a:spLocks noGrp="1"/>
           </p:cNvSpPr>
@@ -48465,14 +50349,318 @@
           <a:bodyPr/>
           <a:lstStyle/>
           <a:p>
-            <a:endParaRPr lang="en-GB" dirty="0"/>
+            <a:r>
+              <a:rPr lang="fr-FR" dirty="0"/>
+              <a:t>Model validation</a:t>
+            </a:r>
+          </a:p>
+        </p:txBody>
+      </p:sp>
+      <p:sp>
+        <p:nvSpPr>
+          <p:cNvPr id="6" name="Espace réservé du contenu 1">
+            <a:extLst>
+              <a:ext uri="{FF2B5EF4-FFF2-40B4-BE49-F238E27FC236}">
+                <a16:creationId xmlns:a16="http://schemas.microsoft.com/office/drawing/2014/main" id="{830E0053-EE2C-44C1-984A-4B7F61700F47}"/>
+              </a:ext>
+            </a:extLst>
+          </p:cNvPr>
+          <p:cNvSpPr txBox="1">
+            <a:spLocks/>
+          </p:cNvSpPr>
+          <p:nvPr/>
+        </p:nvSpPr>
+        <p:spPr>
+          <a:xfrm>
+            <a:off x="264685" y="1612132"/>
+            <a:ext cx="11537950" cy="4210046"/>
+          </a:xfrm>
+          <a:prstGeom prst="rect">
+            <a:avLst/>
+          </a:prstGeom>
+        </p:spPr>
+        <p:txBody>
+          <a:bodyPr vert="horz" lIns="140400" tIns="0" rIns="144000" bIns="0" rtlCol="0">
+            <a:noAutofit/>
+          </a:bodyPr>
+          <a:lstStyle>
+            <a:lvl1pPr marL="361950" indent="-361950" algn="l" defTabSz="914400" rtl="0" eaLnBrk="1" latinLnBrk="0" hangingPunct="1">
+              <a:lnSpc>
+                <a:spcPct val="100000"/>
+              </a:lnSpc>
+              <a:spcBef>
+                <a:spcPts val="500"/>
+              </a:spcBef>
+              <a:buClr>
+                <a:schemeClr val="accent1"/>
+              </a:buClr>
+              <a:buFont typeface="Wingdings" pitchFamily="2" charset="2"/>
+              <a:buChar char="§"/>
+              <a:defRPr sz="2400" kern="1200">
+                <a:solidFill>
+                  <a:schemeClr val="tx1"/>
+                </a:solidFill>
+                <a:latin typeface="+mn-lt"/>
+                <a:ea typeface="+mn-ea"/>
+                <a:cs typeface="+mn-cs"/>
+              </a:defRPr>
+            </a:lvl1pPr>
+            <a:lvl2pPr marL="627063" indent="-265113" algn="l" defTabSz="914400" rtl="0" eaLnBrk="1" latinLnBrk="0" hangingPunct="1">
+              <a:lnSpc>
+                <a:spcPct val="100000"/>
+              </a:lnSpc>
+              <a:spcBef>
+                <a:spcPts val="400"/>
+              </a:spcBef>
+              <a:buClr>
+                <a:schemeClr val="accent1"/>
+              </a:buClr>
+              <a:buFont typeface="Wingdings" pitchFamily="2" charset="2"/>
+              <a:buChar char="§"/>
+              <a:defRPr sz="2000" kern="1200">
+                <a:solidFill>
+                  <a:schemeClr val="tx1"/>
+                </a:solidFill>
+                <a:latin typeface="+mn-lt"/>
+                <a:ea typeface="+mn-ea"/>
+                <a:cs typeface="+mn-cs"/>
+              </a:defRPr>
+            </a:lvl2pPr>
+            <a:lvl3pPr marL="893763" indent="-266700" algn="l" defTabSz="914400" rtl="0" eaLnBrk="1" latinLnBrk="0" hangingPunct="1">
+              <a:lnSpc>
+                <a:spcPct val="100000"/>
+              </a:lnSpc>
+              <a:spcBef>
+                <a:spcPts val="400"/>
+              </a:spcBef>
+              <a:buClr>
+                <a:schemeClr val="accent1"/>
+              </a:buClr>
+              <a:buFont typeface="Wingdings" pitchFamily="2" charset="2"/>
+              <a:buChar char="§"/>
+              <a:defRPr sz="1800" kern="1200">
+                <a:solidFill>
+                  <a:schemeClr val="tx1"/>
+                </a:solidFill>
+                <a:latin typeface="+mn-lt"/>
+                <a:ea typeface="+mn-ea"/>
+                <a:cs typeface="+mn-cs"/>
+              </a:defRPr>
+            </a:lvl3pPr>
+            <a:lvl4pPr marL="1077913" indent="-177800" algn="l" defTabSz="914400" rtl="0" eaLnBrk="1" latinLnBrk="0" hangingPunct="1">
+              <a:lnSpc>
+                <a:spcPct val="100000"/>
+              </a:lnSpc>
+              <a:spcBef>
+                <a:spcPts val="400"/>
+              </a:spcBef>
+              <a:buClr>
+                <a:schemeClr val="accent1"/>
+              </a:buClr>
+              <a:buFont typeface="Wingdings" pitchFamily="2" charset="2"/>
+              <a:buChar char="§"/>
+              <a:defRPr sz="1600" kern="1200">
+                <a:solidFill>
+                  <a:schemeClr val="tx1"/>
+                </a:solidFill>
+                <a:latin typeface="+mn-lt"/>
+                <a:ea typeface="+mn-ea"/>
+                <a:cs typeface="+mn-cs"/>
+              </a:defRPr>
+            </a:lvl4pPr>
+            <a:lvl5pPr marL="1262063" indent="-184150" algn="l" defTabSz="914400" rtl="0" eaLnBrk="1" latinLnBrk="0" hangingPunct="1">
+              <a:lnSpc>
+                <a:spcPct val="100000"/>
+              </a:lnSpc>
+              <a:spcBef>
+                <a:spcPts val="400"/>
+              </a:spcBef>
+              <a:buClr>
+                <a:schemeClr val="accent1"/>
+              </a:buClr>
+              <a:buFont typeface="Wingdings" pitchFamily="2" charset="2"/>
+              <a:buChar char="§"/>
+              <a:defRPr sz="1400" kern="1200">
+                <a:solidFill>
+                  <a:schemeClr val="tx1"/>
+                </a:solidFill>
+                <a:latin typeface="+mn-lt"/>
+                <a:ea typeface="+mn-ea"/>
+                <a:cs typeface="+mn-cs"/>
+              </a:defRPr>
+            </a:lvl5pPr>
+            <a:lvl6pPr marL="2514600" indent="-228600" algn="l" defTabSz="914400" rtl="0" eaLnBrk="1" latinLnBrk="0" hangingPunct="1">
+              <a:spcBef>
+                <a:spcPct val="20000"/>
+              </a:spcBef>
+              <a:buFont typeface="Arial" pitchFamily="34" charset="0"/>
+              <a:buChar char="•"/>
+              <a:defRPr sz="2000" kern="1200">
+                <a:solidFill>
+                  <a:schemeClr val="tx1"/>
+                </a:solidFill>
+                <a:latin typeface="+mn-lt"/>
+                <a:ea typeface="+mn-ea"/>
+                <a:cs typeface="+mn-cs"/>
+              </a:defRPr>
+            </a:lvl6pPr>
+            <a:lvl7pPr marL="2971800" indent="-228600" algn="l" defTabSz="914400" rtl="0" eaLnBrk="1" latinLnBrk="0" hangingPunct="1">
+              <a:spcBef>
+                <a:spcPct val="20000"/>
+              </a:spcBef>
+              <a:buFont typeface="Arial" pitchFamily="34" charset="0"/>
+              <a:buChar char="•"/>
+              <a:defRPr sz="2000" kern="1200">
+                <a:solidFill>
+                  <a:schemeClr val="tx1"/>
+                </a:solidFill>
+                <a:latin typeface="+mn-lt"/>
+                <a:ea typeface="+mn-ea"/>
+                <a:cs typeface="+mn-cs"/>
+              </a:defRPr>
+            </a:lvl7pPr>
+            <a:lvl8pPr marL="3429000" indent="-228600" algn="l" defTabSz="914400" rtl="0" eaLnBrk="1" latinLnBrk="0" hangingPunct="1">
+              <a:spcBef>
+                <a:spcPct val="20000"/>
+              </a:spcBef>
+              <a:buFont typeface="Arial" pitchFamily="34" charset="0"/>
+              <a:buChar char="•"/>
+              <a:defRPr sz="2000" kern="1200">
+                <a:solidFill>
+                  <a:schemeClr val="tx1"/>
+                </a:solidFill>
+                <a:latin typeface="+mn-lt"/>
+                <a:ea typeface="+mn-ea"/>
+                <a:cs typeface="+mn-cs"/>
+              </a:defRPr>
+            </a:lvl8pPr>
+            <a:lvl9pPr marL="3886200" indent="-228600" algn="l" defTabSz="914400" rtl="0" eaLnBrk="1" latinLnBrk="0" hangingPunct="1">
+              <a:spcBef>
+                <a:spcPct val="20000"/>
+              </a:spcBef>
+              <a:buFont typeface="Arial" pitchFamily="34" charset="0"/>
+              <a:buChar char="•"/>
+              <a:defRPr sz="2000" kern="1200">
+                <a:solidFill>
+                  <a:schemeClr val="tx1"/>
+                </a:solidFill>
+                <a:latin typeface="+mn-lt"/>
+                <a:ea typeface="+mn-ea"/>
+                <a:cs typeface="+mn-cs"/>
+              </a:defRPr>
+            </a:lvl9pPr>
+          </a:lstStyle>
+          <a:p>
+            <a:r>
+              <a:rPr lang="fr-FR" dirty="0" err="1"/>
+              <a:t>Comparison</a:t>
+            </a:r>
+            <a:r>
+              <a:rPr lang="fr-FR" dirty="0"/>
+              <a:t> </a:t>
+            </a:r>
+            <a:r>
+              <a:rPr lang="fr-FR" dirty="0" err="1"/>
+              <a:t>with</a:t>
+            </a:r>
+            <a:r>
+              <a:rPr lang="fr-FR" dirty="0"/>
+              <a:t> </a:t>
+            </a:r>
+            <a:r>
+              <a:rPr lang="fr-FR" dirty="0" err="1"/>
+              <a:t>previous</a:t>
+            </a:r>
+            <a:r>
+              <a:rPr lang="fr-FR" dirty="0"/>
+              <a:t> </a:t>
+            </a:r>
+            <a:r>
+              <a:rPr lang="fr-FR" dirty="0" err="1"/>
+              <a:t>outbreak</a:t>
+            </a:r>
+            <a:r>
+              <a:rPr lang="fr-FR" dirty="0"/>
+              <a:t> data</a:t>
+            </a:r>
+          </a:p>
+        </p:txBody>
+      </p:sp>
+      <p:sp>
+        <p:nvSpPr>
+          <p:cNvPr id="9" name="ZoneTexte 8">
+            <a:extLst>
+              <a:ext uri="{FF2B5EF4-FFF2-40B4-BE49-F238E27FC236}">
+                <a16:creationId xmlns:a16="http://schemas.microsoft.com/office/drawing/2014/main" id="{BDD8E358-90F5-472D-9954-C13B791F66DF}"/>
+              </a:ext>
+            </a:extLst>
+          </p:cNvPr>
+          <p:cNvSpPr txBox="1"/>
+          <p:nvPr/>
+        </p:nvSpPr>
+        <p:spPr>
+          <a:xfrm>
+            <a:off x="6671584" y="2585604"/>
+            <a:ext cx="4464620" cy="923330"/>
+          </a:xfrm>
+          <a:prstGeom prst="rect">
+            <a:avLst/>
+          </a:prstGeom>
+          <a:noFill/>
+        </p:spPr>
+        <p:txBody>
+          <a:bodyPr wrap="square" rtlCol="0">
+            <a:spAutoFit/>
+          </a:bodyPr>
+          <a:lstStyle/>
+          <a:p>
+            <a:pPr marL="285750" indent="-285750">
+              <a:buFont typeface="Arial" panose="020B0604020202020204" pitchFamily="34" charset="0"/>
+              <a:buChar char="•"/>
+            </a:pPr>
+            <a:r>
+              <a:rPr lang="fr-FR" dirty="0"/>
+              <a:t>Data </a:t>
+            </a:r>
+            <a:r>
+              <a:rPr lang="fr-FR" dirty="0" err="1"/>
+              <a:t>comes</a:t>
+            </a:r>
+            <a:r>
+              <a:rPr lang="fr-FR" dirty="0"/>
+              <a:t> </a:t>
+            </a:r>
+            <a:r>
+              <a:rPr lang="fr-FR" dirty="0" err="1"/>
+              <a:t>from</a:t>
+            </a:r>
+            <a:r>
+              <a:rPr lang="fr-FR" dirty="0"/>
+              <a:t> WHO reports of the Ebola </a:t>
+            </a:r>
+            <a:r>
+              <a:rPr lang="fr-FR" dirty="0" err="1"/>
+              <a:t>outbreak</a:t>
+            </a:r>
+            <a:r>
+              <a:rPr lang="fr-FR" dirty="0"/>
+              <a:t> in Equateur, RDC (</a:t>
+            </a:r>
+            <a:r>
+              <a:rPr lang="fr-FR" dirty="0" err="1"/>
+              <a:t>from</a:t>
+            </a:r>
+            <a:r>
+              <a:rPr lang="fr-FR" dirty="0"/>
+              <a:t> May 11 to July 25, 2018</a:t>
+            </a:r>
           </a:p>
         </p:txBody>
       </p:sp>
     </p:spTree>
     <p:extLst>
       <p:ext uri="{BB962C8B-B14F-4D97-AF65-F5344CB8AC3E}">
-        <p14:creationId xmlns:p14="http://schemas.microsoft.com/office/powerpoint/2010/main" val="3974297676"/>
+        <p14:creationId xmlns:p14="http://schemas.microsoft.com/office/powerpoint/2010/main" val="1937204880"/>
       </p:ext>
     </p:extLst>
   </p:cSld>
@@ -48482,6 +50670,157 @@
   <p:transition>
     <p:fade/>
   </p:transition>
+  <p:timing>
+    <p:tnLst>
+      <p:par>
+        <p:cTn id="1" dur="indefinite" restart="never" nodeType="tmRoot">
+          <p:childTnLst>
+            <p:seq concurrent="1" nextAc="seek">
+              <p:cTn id="2" dur="indefinite" nodeType="mainSeq">
+                <p:childTnLst>
+                  <p:par>
+                    <p:cTn id="3" fill="hold">
+                      <p:stCondLst>
+                        <p:cond delay="indefinite"/>
+                      </p:stCondLst>
+                      <p:childTnLst>
+                        <p:par>
+                          <p:cTn id="4" fill="hold">
+                            <p:stCondLst>
+                              <p:cond delay="0"/>
+                            </p:stCondLst>
+                            <p:childTnLst>
+                              <p:par>
+                                <p:cTn id="5" presetID="1" presetClass="entr" presetSubtype="0" fill="hold" grpId="0" nodeType="clickEffect">
+                                  <p:stCondLst>
+                                    <p:cond delay="0"/>
+                                  </p:stCondLst>
+                                  <p:childTnLst>
+                                    <p:set>
+                                      <p:cBhvr>
+                                        <p:cTn id="6" dur="1" fill="hold">
+                                          <p:stCondLst>
+                                            <p:cond delay="0"/>
+                                          </p:stCondLst>
+                                        </p:cTn>
+                                        <p:tgtEl>
+                                          <p:spTgt spid="6"/>
+                                        </p:tgtEl>
+                                        <p:attrNameLst>
+                                          <p:attrName>style.visibility</p:attrName>
+                                        </p:attrNameLst>
+                                      </p:cBhvr>
+                                      <p:to>
+                                        <p:strVal val="visible"/>
+                                      </p:to>
+                                    </p:set>
+                                  </p:childTnLst>
+                                </p:cTn>
+                              </p:par>
+                              <p:par>
+                                <p:cTn id="7" presetID="1" presetClass="entr" presetSubtype="0" fill="hold" nodeType="withEffect">
+                                  <p:stCondLst>
+                                    <p:cond delay="0"/>
+                                  </p:stCondLst>
+                                  <p:childTnLst>
+                                    <p:set>
+                                      <p:cBhvr>
+                                        <p:cTn id="8" dur="1" fill="hold">
+                                          <p:stCondLst>
+                                            <p:cond delay="0"/>
+                                          </p:stCondLst>
+                                        </p:cTn>
+                                        <p:tgtEl>
+                                          <p:spTgt spid="8"/>
+                                        </p:tgtEl>
+                                        <p:attrNameLst>
+                                          <p:attrName>style.visibility</p:attrName>
+                                        </p:attrNameLst>
+                                      </p:cBhvr>
+                                      <p:to>
+                                        <p:strVal val="visible"/>
+                                      </p:to>
+                                    </p:set>
+                                  </p:childTnLst>
+                                </p:cTn>
+                              </p:par>
+                            </p:childTnLst>
+                          </p:cTn>
+                        </p:par>
+                      </p:childTnLst>
+                    </p:cTn>
+                  </p:par>
+                  <p:par>
+                    <p:cTn id="9" fill="hold">
+                      <p:stCondLst>
+                        <p:cond delay="indefinite"/>
+                      </p:stCondLst>
+                      <p:childTnLst>
+                        <p:par>
+                          <p:cTn id="10" fill="hold">
+                            <p:stCondLst>
+                              <p:cond delay="0"/>
+                            </p:stCondLst>
+                            <p:childTnLst>
+                              <p:par>
+                                <p:cTn id="11" presetID="1" presetClass="entr" presetSubtype="0" fill="hold" grpId="0" nodeType="clickEffect">
+                                  <p:stCondLst>
+                                    <p:cond delay="0"/>
+                                  </p:stCondLst>
+                                  <p:childTnLst>
+                                    <p:set>
+                                      <p:cBhvr>
+                                        <p:cTn id="12" dur="1" fill="hold">
+                                          <p:stCondLst>
+                                            <p:cond delay="0"/>
+                                          </p:stCondLst>
+                                        </p:cTn>
+                                        <p:tgtEl>
+                                          <p:spTgt spid="9"/>
+                                        </p:tgtEl>
+                                        <p:attrNameLst>
+                                          <p:attrName>style.visibility</p:attrName>
+                                        </p:attrNameLst>
+                                      </p:cBhvr>
+                                      <p:to>
+                                        <p:strVal val="visible"/>
+                                      </p:to>
+                                    </p:set>
+                                  </p:childTnLst>
+                                </p:cTn>
+                              </p:par>
+                            </p:childTnLst>
+                          </p:cTn>
+                        </p:par>
+                      </p:childTnLst>
+                    </p:cTn>
+                  </p:par>
+                </p:childTnLst>
+              </p:cTn>
+              <p:prevCondLst>
+                <p:cond evt="onPrev" delay="0">
+                  <p:tgtEl>
+                    <p:sldTgt/>
+                  </p:tgtEl>
+                </p:cond>
+              </p:prevCondLst>
+              <p:nextCondLst>
+                <p:cond evt="onNext" delay="0">
+                  <p:tgtEl>
+                    <p:sldTgt/>
+                  </p:tgtEl>
+                </p:cond>
+              </p:nextCondLst>
+            </p:seq>
+          </p:childTnLst>
+        </p:cTn>
+      </p:par>
+    </p:tnLst>
+    <p:bldLst>
+      <p:bldP spid="6" grpId="0"/>
+      <p:bldP spid="9" grpId="0"/>
+    </p:bldLst>
+  </p:timing>
 </p:sld>
 </file>
 
@@ -48504,7 +50843,13 @@
       </p:grpSpPr>
       <p:sp>
         <p:nvSpPr>
-          <p:cNvPr id="2" name="Datumsplatzhalter 1"/>
+          <p:cNvPr id="4" name="Espace réservé de la date 3">
+            <a:extLst>
+              <a:ext uri="{FF2B5EF4-FFF2-40B4-BE49-F238E27FC236}">
+                <a16:creationId xmlns:a16="http://schemas.microsoft.com/office/drawing/2014/main" id="{318FB7AE-4ABD-4BD6-940A-F32A9300BADE}"/>
+              </a:ext>
+            </a:extLst>
+          </p:cNvPr>
           <p:cNvSpPr>
             <a:spLocks noGrp="1"/>
           </p:cNvSpPr>
@@ -48527,7 +50872,13 @@
       </p:sp>
       <p:sp>
         <p:nvSpPr>
-          <p:cNvPr id="3" name="Fußzeilenplatzhalter 2"/>
+          <p:cNvPr id="5" name="Espace réservé du pied de page 4">
+            <a:extLst>
+              <a:ext uri="{FF2B5EF4-FFF2-40B4-BE49-F238E27FC236}">
+                <a16:creationId xmlns:a16="http://schemas.microsoft.com/office/drawing/2014/main" id="{494070EF-6606-47D5-BD88-A15DE997793A}"/>
+              </a:ext>
+            </a:extLst>
+          </p:cNvPr>
           <p:cNvSpPr>
             <a:spLocks noGrp="1"/>
           </p:cNvSpPr>
@@ -48550,7 +50901,13 @@
       </p:sp>
       <p:sp>
         <p:nvSpPr>
-          <p:cNvPr id="4" name="Foliennummernplatzhalter 3"/>
+          <p:cNvPr id="6" name="Espace réservé du numéro de diapositive 5">
+            <a:extLst>
+              <a:ext uri="{FF2B5EF4-FFF2-40B4-BE49-F238E27FC236}">
+                <a16:creationId xmlns:a16="http://schemas.microsoft.com/office/drawing/2014/main" id="{1C5BC6AE-A214-4223-8B1C-BDBFDCA716F7}"/>
+              </a:ext>
+            </a:extLst>
+          </p:cNvPr>
           <p:cNvSpPr>
             <a:spLocks noGrp="1"/>
           </p:cNvSpPr>
@@ -48565,7 +50922,6 @@
           <a:p>
             <a:fld id="{6C6AE60A-B69C-4790-82F7-3882EDF23186}" type="slidenum">
               <a:rPr lang="en-GB" smtClean="0"/>
-              <a:pPr/>
               <a:t>8</a:t>
             </a:fld>
             <a:endParaRPr lang="en-GB" dirty="0"/>
@@ -48574,20 +50930,64 @@
       </p:sp>
       <p:sp>
         <p:nvSpPr>
-          <p:cNvPr id="9" name="Bildplatzhalter 8"/>
-          <p:cNvSpPr>
-            <a:spLocks noGrp="1"/>
-          </p:cNvSpPr>
-          <p:nvPr>
-            <p:ph type="pic" sz="quarter" idx="13"/>
-          </p:nvPr>
+          <p:cNvPr id="8" name="ZoneTexte 7">
+            <a:extLst>
+              <a:ext uri="{FF2B5EF4-FFF2-40B4-BE49-F238E27FC236}">
+                <a16:creationId xmlns:a16="http://schemas.microsoft.com/office/drawing/2014/main" id="{F3EA6CBC-8879-4DC0-B93C-406CB18BFC86}"/>
+              </a:ext>
+            </a:extLst>
+          </p:cNvPr>
+          <p:cNvSpPr txBox="1"/>
+          <p:nvPr/>
         </p:nvSpPr>
-        <p:spPr/>
+        <p:spPr>
+          <a:xfrm>
+            <a:off x="1845823" y="3429000"/>
+            <a:ext cx="8497180" cy="553998"/>
+          </a:xfrm>
+          <a:prstGeom prst="rect">
+            <a:avLst/>
+          </a:prstGeom>
+          <a:noFill/>
+        </p:spPr>
+        <p:txBody>
+          <a:bodyPr wrap="square" rtlCol="0">
+            <a:spAutoFit/>
+          </a:bodyPr>
+          <a:lstStyle/>
+          <a:p>
+            <a:pPr algn="ctr"/>
+            <a:r>
+              <a:rPr lang="fr-FR" sz="3000" dirty="0" err="1"/>
+              <a:t>Thank</a:t>
+            </a:r>
+            <a:r>
+              <a:rPr lang="fr-FR" sz="3000" dirty="0"/>
+              <a:t> </a:t>
+            </a:r>
+            <a:r>
+              <a:rPr lang="fr-FR" sz="3000" dirty="0" err="1"/>
+              <a:t>you</a:t>
+            </a:r>
+            <a:r>
+              <a:rPr lang="fr-FR" sz="3000" dirty="0"/>
+              <a:t> for </a:t>
+            </a:r>
+            <a:r>
+              <a:rPr lang="fr-FR" sz="3000" dirty="0" err="1"/>
+              <a:t>your</a:t>
+            </a:r>
+            <a:r>
+              <a:rPr lang="fr-FR" sz="3000" dirty="0"/>
+              <a:t> attention !</a:t>
+            </a:r>
+          </a:p>
+        </p:txBody>
       </p:sp>
     </p:spTree>
     <p:extLst>
       <p:ext uri="{BB962C8B-B14F-4D97-AF65-F5344CB8AC3E}">
-        <p14:creationId xmlns:p14="http://schemas.microsoft.com/office/powerpoint/2010/main" val="1116238283"/>
+        <p14:creationId xmlns:p14="http://schemas.microsoft.com/office/powerpoint/2010/main" val="3679077437"/>
       </p:ext>
     </p:extLst>
   </p:cSld>
@@ -48619,130 +51019,13 @@
       </p:grpSpPr>
       <p:sp>
         <p:nvSpPr>
-          <p:cNvPr id="7" name="Inhaltsplatzhalter 6"/>
-          <p:cNvSpPr>
-            <a:spLocks noGrp="1"/>
-          </p:cNvSpPr>
-          <p:nvPr>
-            <p:ph idx="1"/>
-          </p:nvPr>
-        </p:nvSpPr>
-        <p:spPr/>
-        <p:txBody>
-          <a:bodyPr/>
-          <a:lstStyle/>
-          <a:p>
-            <a:pPr marL="0" indent="0">
-              <a:buNone/>
-            </a:pPr>
-            <a:r>
-              <a:rPr lang="en-GB" sz="1800" b="1" dirty="0"/>
-              <a:t>ETH Zurich</a:t>
-            </a:r>
-          </a:p>
-          <a:p>
-            <a:pPr marL="0" indent="0">
-              <a:buNone/>
-            </a:pPr>
-            <a:r>
-              <a:rPr lang="en-GB" sz="1800" dirty="0"/>
-              <a:t>Organisational unit</a:t>
-            </a:r>
-          </a:p>
-          <a:p>
-            <a:pPr marL="0" indent="0">
-              <a:buNone/>
-            </a:pPr>
-            <a:r>
-              <a:rPr lang="en-GB" sz="1800" dirty="0"/>
-              <a:t>Street address</a:t>
-            </a:r>
-          </a:p>
-          <a:p>
-            <a:pPr marL="0" indent="0">
-              <a:buNone/>
-            </a:pPr>
-            <a:r>
-              <a:rPr lang="en-GB" sz="1800" dirty="0"/>
-              <a:t>Postcode City</a:t>
-            </a:r>
-          </a:p>
-          <a:p>
-            <a:pPr marL="0" indent="0">
-              <a:buNone/>
-            </a:pPr>
-            <a:endParaRPr lang="en-GB" sz="1800" dirty="0"/>
-          </a:p>
-          <a:p>
-            <a:pPr marL="0" indent="0">
-              <a:buNone/>
-            </a:pPr>
-            <a:r>
-              <a:rPr lang="en-GB" sz="1800" dirty="0"/>
-              <a:t>www.ethz.ch/en.html</a:t>
-            </a:r>
-          </a:p>
-          <a:p>
-            <a:pPr marL="0" indent="0">
-              <a:buNone/>
-            </a:pPr>
-            <a:endParaRPr lang="en-GB" sz="1800" dirty="0"/>
-          </a:p>
-          <a:p>
-            <a:pPr marL="0" indent="0">
-              <a:buNone/>
-            </a:pPr>
-            <a:r>
-              <a:rPr lang="en-US" sz="1800" dirty="0"/>
-              <a:t>Publisher: </a:t>
-            </a:r>
-            <a:r>
-              <a:rPr lang="en-GB" sz="1800" dirty="0"/>
-              <a:t>Organisational</a:t>
-            </a:r>
-            <a:r>
-              <a:rPr lang="en-US" sz="1800" dirty="0"/>
-              <a:t> unit of ETH Zurich</a:t>
-            </a:r>
-          </a:p>
-          <a:p>
-            <a:pPr marL="0" indent="0">
-              <a:buNone/>
-            </a:pPr>
-            <a:r>
-              <a:rPr lang="en-GB" sz="1800" dirty="0"/>
-              <a:t>Design: Designer Name</a:t>
-            </a:r>
-          </a:p>
-          <a:p>
-            <a:pPr marL="0" indent="0">
-              <a:buNone/>
-            </a:pPr>
-            <a:r>
-              <a:rPr lang="en-US" sz="1800" dirty="0"/>
-              <a:t>Images: Credit (slide xx), Credit (slide xx)</a:t>
-            </a:r>
-          </a:p>
-          <a:p>
-            <a:pPr marL="0" indent="0">
-              <a:buNone/>
-            </a:pPr>
-            <a:endParaRPr lang="en-GB" sz="1800" dirty="0"/>
-          </a:p>
-          <a:p>
-            <a:pPr marL="0" indent="0">
-              <a:buNone/>
-            </a:pPr>
-            <a:r>
-              <a:rPr lang="en-GB" sz="1800" dirty="0"/>
-              <a:t>© ETH Zurich, December 2013</a:t>
-            </a:r>
-          </a:p>
-        </p:txBody>
-      </p:sp>
-      <p:sp>
-        <p:nvSpPr>
-          <p:cNvPr id="2" name="Datumsplatzhalter 1"/>
+          <p:cNvPr id="3" name="Espace réservé de la date 2">
+            <a:extLst>
+              <a:ext uri="{FF2B5EF4-FFF2-40B4-BE49-F238E27FC236}">
+                <a16:creationId xmlns:a16="http://schemas.microsoft.com/office/drawing/2014/main" id="{00FBB551-0A73-48C5-BA40-8F5A35599894}"/>
+              </a:ext>
+            </a:extLst>
+          </p:cNvPr>
           <p:cNvSpPr>
             <a:spLocks noGrp="1"/>
           </p:cNvSpPr>
@@ -48765,7 +51048,13 @@
       </p:sp>
       <p:sp>
         <p:nvSpPr>
-          <p:cNvPr id="3" name="Fußzeilenplatzhalter 2"/>
+          <p:cNvPr id="4" name="Espace réservé du pied de page 3">
+            <a:extLst>
+              <a:ext uri="{FF2B5EF4-FFF2-40B4-BE49-F238E27FC236}">
+                <a16:creationId xmlns:a16="http://schemas.microsoft.com/office/drawing/2014/main" id="{0AAA2E71-E318-45C6-9300-65BC3313C617}"/>
+              </a:ext>
+            </a:extLst>
+          </p:cNvPr>
           <p:cNvSpPr>
             <a:spLocks noGrp="1"/>
           </p:cNvSpPr>
@@ -48788,7 +51077,13 @@
       </p:sp>
       <p:sp>
         <p:nvSpPr>
-          <p:cNvPr id="4" name="Foliennummernplatzhalter 3"/>
+          <p:cNvPr id="5" name="Espace réservé du numéro de diapositive 4">
+            <a:extLst>
+              <a:ext uri="{FF2B5EF4-FFF2-40B4-BE49-F238E27FC236}">
+                <a16:creationId xmlns:a16="http://schemas.microsoft.com/office/drawing/2014/main" id="{CF8D0883-72B0-48BE-846E-762679713102}"/>
+              </a:ext>
+            </a:extLst>
+          </p:cNvPr>
           <p:cNvSpPr>
             <a:spLocks noGrp="1"/>
           </p:cNvSpPr>
@@ -48811,7 +51106,13 @@
       </p:sp>
       <p:sp>
         <p:nvSpPr>
-          <p:cNvPr id="6" name="Titel 5"/>
+          <p:cNvPr id="6" name="Titre 5">
+            <a:extLst>
+              <a:ext uri="{FF2B5EF4-FFF2-40B4-BE49-F238E27FC236}">
+                <a16:creationId xmlns:a16="http://schemas.microsoft.com/office/drawing/2014/main" id="{28CA7249-9D84-4F51-B97E-E2CD7587D619}"/>
+              </a:ext>
+            </a:extLst>
+          </p:cNvPr>
           <p:cNvSpPr>
             <a:spLocks noGrp="1"/>
           </p:cNvSpPr>
@@ -48825,16 +51126,274 @@
           <a:lstStyle/>
           <a:p>
             <a:r>
-              <a:rPr lang="en-GB" dirty="0"/>
-              <a:t>Contact information and credits</a:t>
+              <a:rPr lang="fr-FR" dirty="0" err="1"/>
+              <a:t>Parameters</a:t>
+            </a:r>
+            <a:r>
+              <a:rPr lang="fr-FR" dirty="0"/>
+              <a:t> fit</a:t>
             </a:r>
           </a:p>
         </p:txBody>
       </p:sp>
+      <p:sp>
+        <p:nvSpPr>
+          <p:cNvPr id="7" name="Espace réservé du contenu 1">
+            <a:extLst>
+              <a:ext uri="{FF2B5EF4-FFF2-40B4-BE49-F238E27FC236}">
+                <a16:creationId xmlns:a16="http://schemas.microsoft.com/office/drawing/2014/main" id="{986E1306-ADB0-4ADB-91CD-024EFD4EC2A1}"/>
+              </a:ext>
+            </a:extLst>
+          </p:cNvPr>
+          <p:cNvSpPr txBox="1">
+            <a:spLocks/>
+          </p:cNvSpPr>
+          <p:nvPr/>
+        </p:nvSpPr>
+        <p:spPr>
+          <a:xfrm>
+            <a:off x="264685" y="1612132"/>
+            <a:ext cx="11537950" cy="4210046"/>
+          </a:xfrm>
+          <a:prstGeom prst="rect">
+            <a:avLst/>
+          </a:prstGeom>
+        </p:spPr>
+        <p:txBody>
+          <a:bodyPr vert="horz" lIns="140400" tIns="0" rIns="144000" bIns="0" rtlCol="0">
+            <a:noAutofit/>
+          </a:bodyPr>
+          <a:lstStyle>
+            <a:lvl1pPr marL="361950" indent="-361950" algn="l" defTabSz="914400" rtl="0" eaLnBrk="1" latinLnBrk="0" hangingPunct="1">
+              <a:lnSpc>
+                <a:spcPct val="100000"/>
+              </a:lnSpc>
+              <a:spcBef>
+                <a:spcPts val="500"/>
+              </a:spcBef>
+              <a:buClr>
+                <a:schemeClr val="accent1"/>
+              </a:buClr>
+              <a:buFont typeface="Wingdings" pitchFamily="2" charset="2"/>
+              <a:buChar char="§"/>
+              <a:defRPr sz="2400" kern="1200">
+                <a:solidFill>
+                  <a:schemeClr val="tx1"/>
+                </a:solidFill>
+                <a:latin typeface="+mn-lt"/>
+                <a:ea typeface="+mn-ea"/>
+                <a:cs typeface="+mn-cs"/>
+              </a:defRPr>
+            </a:lvl1pPr>
+            <a:lvl2pPr marL="627063" indent="-265113" algn="l" defTabSz="914400" rtl="0" eaLnBrk="1" latinLnBrk="0" hangingPunct="1">
+              <a:lnSpc>
+                <a:spcPct val="100000"/>
+              </a:lnSpc>
+              <a:spcBef>
+                <a:spcPts val="400"/>
+              </a:spcBef>
+              <a:buClr>
+                <a:schemeClr val="accent1"/>
+              </a:buClr>
+              <a:buFont typeface="Wingdings" pitchFamily="2" charset="2"/>
+              <a:buChar char="§"/>
+              <a:defRPr sz="2000" kern="1200">
+                <a:solidFill>
+                  <a:schemeClr val="tx1"/>
+                </a:solidFill>
+                <a:latin typeface="+mn-lt"/>
+                <a:ea typeface="+mn-ea"/>
+                <a:cs typeface="+mn-cs"/>
+              </a:defRPr>
+            </a:lvl2pPr>
+            <a:lvl3pPr marL="893763" indent="-266700" algn="l" defTabSz="914400" rtl="0" eaLnBrk="1" latinLnBrk="0" hangingPunct="1">
+              <a:lnSpc>
+                <a:spcPct val="100000"/>
+              </a:lnSpc>
+              <a:spcBef>
+                <a:spcPts val="400"/>
+              </a:spcBef>
+              <a:buClr>
+                <a:schemeClr val="accent1"/>
+              </a:buClr>
+              <a:buFont typeface="Wingdings" pitchFamily="2" charset="2"/>
+              <a:buChar char="§"/>
+              <a:defRPr sz="1800" kern="1200">
+                <a:solidFill>
+                  <a:schemeClr val="tx1"/>
+                </a:solidFill>
+                <a:latin typeface="+mn-lt"/>
+                <a:ea typeface="+mn-ea"/>
+                <a:cs typeface="+mn-cs"/>
+              </a:defRPr>
+            </a:lvl3pPr>
+            <a:lvl4pPr marL="1077913" indent="-177800" algn="l" defTabSz="914400" rtl="0" eaLnBrk="1" latinLnBrk="0" hangingPunct="1">
+              <a:lnSpc>
+                <a:spcPct val="100000"/>
+              </a:lnSpc>
+              <a:spcBef>
+                <a:spcPts val="400"/>
+              </a:spcBef>
+              <a:buClr>
+                <a:schemeClr val="accent1"/>
+              </a:buClr>
+              <a:buFont typeface="Wingdings" pitchFamily="2" charset="2"/>
+              <a:buChar char="§"/>
+              <a:defRPr sz="1600" kern="1200">
+                <a:solidFill>
+                  <a:schemeClr val="tx1"/>
+                </a:solidFill>
+                <a:latin typeface="+mn-lt"/>
+                <a:ea typeface="+mn-ea"/>
+                <a:cs typeface="+mn-cs"/>
+              </a:defRPr>
+            </a:lvl4pPr>
+            <a:lvl5pPr marL="1262063" indent="-184150" algn="l" defTabSz="914400" rtl="0" eaLnBrk="1" latinLnBrk="0" hangingPunct="1">
+              <a:lnSpc>
+                <a:spcPct val="100000"/>
+              </a:lnSpc>
+              <a:spcBef>
+                <a:spcPts val="400"/>
+              </a:spcBef>
+              <a:buClr>
+                <a:schemeClr val="accent1"/>
+              </a:buClr>
+              <a:buFont typeface="Wingdings" pitchFamily="2" charset="2"/>
+              <a:buChar char="§"/>
+              <a:defRPr sz="1400" kern="1200">
+                <a:solidFill>
+                  <a:schemeClr val="tx1"/>
+                </a:solidFill>
+                <a:latin typeface="+mn-lt"/>
+                <a:ea typeface="+mn-ea"/>
+                <a:cs typeface="+mn-cs"/>
+              </a:defRPr>
+            </a:lvl5pPr>
+            <a:lvl6pPr marL="2514600" indent="-228600" algn="l" defTabSz="914400" rtl="0" eaLnBrk="1" latinLnBrk="0" hangingPunct="1">
+              <a:spcBef>
+                <a:spcPct val="20000"/>
+              </a:spcBef>
+              <a:buFont typeface="Arial" pitchFamily="34" charset="0"/>
+              <a:buChar char="•"/>
+              <a:defRPr sz="2000" kern="1200">
+                <a:solidFill>
+                  <a:schemeClr val="tx1"/>
+                </a:solidFill>
+                <a:latin typeface="+mn-lt"/>
+                <a:ea typeface="+mn-ea"/>
+                <a:cs typeface="+mn-cs"/>
+              </a:defRPr>
+            </a:lvl6pPr>
+            <a:lvl7pPr marL="2971800" indent="-228600" algn="l" defTabSz="914400" rtl="0" eaLnBrk="1" latinLnBrk="0" hangingPunct="1">
+              <a:spcBef>
+                <a:spcPct val="20000"/>
+              </a:spcBef>
+              <a:buFont typeface="Arial" pitchFamily="34" charset="0"/>
+              <a:buChar char="•"/>
+              <a:defRPr sz="2000" kern="1200">
+                <a:solidFill>
+                  <a:schemeClr val="tx1"/>
+                </a:solidFill>
+                <a:latin typeface="+mn-lt"/>
+                <a:ea typeface="+mn-ea"/>
+                <a:cs typeface="+mn-cs"/>
+              </a:defRPr>
+            </a:lvl7pPr>
+            <a:lvl8pPr marL="3429000" indent="-228600" algn="l" defTabSz="914400" rtl="0" eaLnBrk="1" latinLnBrk="0" hangingPunct="1">
+              <a:spcBef>
+                <a:spcPct val="20000"/>
+              </a:spcBef>
+              <a:buFont typeface="Arial" pitchFamily="34" charset="0"/>
+              <a:buChar char="•"/>
+              <a:defRPr sz="2000" kern="1200">
+                <a:solidFill>
+                  <a:schemeClr val="tx1"/>
+                </a:solidFill>
+                <a:latin typeface="+mn-lt"/>
+                <a:ea typeface="+mn-ea"/>
+                <a:cs typeface="+mn-cs"/>
+              </a:defRPr>
+            </a:lvl8pPr>
+            <a:lvl9pPr marL="3886200" indent="-228600" algn="l" defTabSz="914400" rtl="0" eaLnBrk="1" latinLnBrk="0" hangingPunct="1">
+              <a:spcBef>
+                <a:spcPct val="20000"/>
+              </a:spcBef>
+              <a:buFont typeface="Arial" pitchFamily="34" charset="0"/>
+              <a:buChar char="•"/>
+              <a:defRPr sz="2000" kern="1200">
+                <a:solidFill>
+                  <a:schemeClr val="tx1"/>
+                </a:solidFill>
+                <a:latin typeface="+mn-lt"/>
+                <a:ea typeface="+mn-ea"/>
+                <a:cs typeface="+mn-cs"/>
+              </a:defRPr>
+            </a:lvl9pPr>
+          </a:lstStyle>
+          <a:p>
+            <a:r>
+              <a:rPr lang="fr-FR" dirty="0"/>
+              <a:t>Fit </a:t>
+            </a:r>
+            <a:r>
+              <a:rPr lang="fr-FR" dirty="0" err="1"/>
+              <a:t>with</a:t>
+            </a:r>
+            <a:r>
+              <a:rPr lang="fr-FR" dirty="0"/>
+              <a:t> </a:t>
+            </a:r>
+            <a:r>
+              <a:rPr lang="fr-FR" dirty="0" err="1"/>
+              <a:t>error</a:t>
+            </a:r>
+            <a:r>
+              <a:rPr lang="fr-FR" dirty="0"/>
+              <a:t> bars</a:t>
+            </a:r>
+          </a:p>
+        </p:txBody>
+      </p:sp>
+      <p:pic>
+        <p:nvPicPr>
+          <p:cNvPr id="9" name="Image 8">
+            <a:extLst>
+              <a:ext uri="{FF2B5EF4-FFF2-40B4-BE49-F238E27FC236}">
+                <a16:creationId xmlns:a16="http://schemas.microsoft.com/office/drawing/2014/main" id="{ED9F4DD9-8A00-4E07-85FA-9237A0C5DBC3}"/>
+              </a:ext>
+            </a:extLst>
+          </p:cNvPr>
+          <p:cNvPicPr>
+            <a:picLocks noChangeAspect="1"/>
+          </p:cNvPicPr>
+          <p:nvPr/>
+        </p:nvPicPr>
+        <p:blipFill>
+          <a:blip r:embed="rId2">
+            <a:extLst>
+              <a:ext uri="{28A0092B-C50C-407E-A947-70E740481C1C}">
+                <a14:useLocalDpi xmlns:a14="http://schemas.microsoft.com/office/drawing/2010/main" val="0"/>
+              </a:ext>
+            </a:extLst>
+          </a:blip>
+          <a:stretch>
+            <a:fillRect/>
+          </a:stretch>
+        </p:blipFill>
+        <p:spPr>
+          <a:xfrm>
+            <a:off x="2133069" y="2059137"/>
+            <a:ext cx="6790844" cy="4411332"/>
+          </a:xfrm>
+          <a:prstGeom prst="rect">
+            <a:avLst/>
+          </a:prstGeom>
+        </p:spPr>
+      </p:pic>
     </p:spTree>
     <p:extLst>
       <p:ext uri="{BB962C8B-B14F-4D97-AF65-F5344CB8AC3E}">
-        <p14:creationId xmlns:p14="http://schemas.microsoft.com/office/powerpoint/2010/main" val="949753625"/>
+        <p14:creationId xmlns:p14="http://schemas.microsoft.com/office/powerpoint/2010/main" val="71831424"/>
       </p:ext>
     </p:extLst>
   </p:cSld>
@@ -48844,6 +51403,84 @@
   <p:transition>
     <p:fade/>
   </p:transition>
+  <p:timing>
+    <p:tnLst>
+      <p:par>
+        <p:cTn id="1" dur="indefinite" restart="never" nodeType="tmRoot">
+          <p:childTnLst>
+            <p:seq concurrent="1" nextAc="seek">
+              <p:cTn id="2" dur="indefinite" nodeType="mainSeq">
+                <p:childTnLst>
+                  <p:par>
+                    <p:cTn id="3" fill="hold">
+                      <p:stCondLst>
+                        <p:cond delay="indefinite"/>
+                      </p:stCondLst>
+                      <p:childTnLst>
+                        <p:par>
+                          <p:cTn id="4" fill="hold">
+                            <p:stCondLst>
+                              <p:cond delay="0"/>
+                            </p:stCondLst>
+                            <p:childTnLst>
+                              <p:par>
+                                <p:cTn id="5" presetID="1" presetClass="entr" presetSubtype="0" fill="hold" grpId="0" nodeType="clickEffect">
+                                  <p:stCondLst>
+                                    <p:cond delay="0"/>
+                                  </p:stCondLst>
+                                  <p:childTnLst>
+                                    <p:set>
+                                      <p:cBhvr>
+                                        <p:cTn id="6" dur="1" fill="hold">
+                                          <p:stCondLst>
+                                            <p:cond delay="0"/>
+                                          </p:stCondLst>
+                                        </p:cTn>
+                                        <p:tgtEl>
+                                          <p:spTgt spid="7"/>
+                                        </p:tgtEl>
+                                        <p:attrNameLst>
+                                          <p:attrName>style.visibility</p:attrName>
+                                        </p:attrNameLst>
+                                      </p:cBhvr>
+                                      <p:to>
+                                        <p:strVal val="visible"/>
+                                      </p:to>
+                                    </p:set>
+                                  </p:childTnLst>
+                                </p:cTn>
+                              </p:par>
+                            </p:childTnLst>
+                          </p:cTn>
+                        </p:par>
+                      </p:childTnLst>
+                    </p:cTn>
+                  </p:par>
+                </p:childTnLst>
+              </p:cTn>
+              <p:prevCondLst>
+                <p:cond evt="onPrev" delay="0">
+                  <p:tgtEl>
+                    <p:sldTgt/>
+                  </p:tgtEl>
+                </p:cond>
+              </p:prevCondLst>
+              <p:nextCondLst>
+                <p:cond evt="onNext" delay="0">
+                  <p:tgtEl>
+                    <p:sldTgt/>
+                  </p:tgtEl>
+                </p:cond>
+              </p:nextCondLst>
+            </p:seq>
+          </p:childTnLst>
+        </p:cTn>
+      </p:par>
+    </p:tnLst>
+    <p:bldLst>
+      <p:bldP spid="7" grpId="0"/>
+    </p:bldLst>
+  </p:timing>
 </p:sld>
 </file>
 

--- a/final_presentation/Presentation.pptx
+++ b/final_presentation/Presentation.pptx
@@ -44053,7 +44053,7 @@
           <a:p>
             <a:r>
               <a:rPr lang="fr-FR" dirty="0"/>
-              <a:t>Actuation of the states</a:t>
+              <a:t>Actuation of the states (N = 5, m = 2)</a:t>
             </a:r>
           </a:p>
         </p:txBody>
@@ -49972,6 +49972,9 @@
                     <p:cTn id="3" fill="hold">
                       <p:stCondLst>
                         <p:cond delay="indefinite"/>
+                        <p:cond evt="onBegin" delay="0">
+                          <p:tn val="2"/>
+                        </p:cond>
                       </p:stCondLst>
                       <p:childTnLst>
                         <p:par>
@@ -49981,7 +49984,7 @@
                             </p:stCondLst>
                             <p:childTnLst>
                               <p:par>
-                                <p:cTn id="5" presetID="1" presetClass="entr" presetSubtype="0" fill="hold" nodeType="clickEffect">
+                                <p:cTn id="5" presetID="1" presetClass="entr" presetSubtype="0" fill="hold" grpId="0" nodeType="withEffect">
                                   <p:stCondLst>
                                     <p:cond delay="0"/>
                                   </p:stCondLst>
@@ -49989,33 +49992,6 @@
                                     <p:set>
                                       <p:cBhvr>
                                         <p:cTn id="6" dur="1" fill="hold">
-                                          <p:stCondLst>
-                                            <p:cond delay="0"/>
-                                          </p:stCondLst>
-                                        </p:cTn>
-                                        <p:tgtEl>
-                                          <p:spTgt spid="9"/>
-                                        </p:tgtEl>
-                                        <p:attrNameLst>
-                                          <p:attrName>style.visibility</p:attrName>
-                                        </p:attrNameLst>
-                                      </p:cBhvr>
-                                      <p:to>
-                                        <p:strVal val="visible"/>
-                                      </p:to>
-                                    </p:set>
-                                  </p:childTnLst>
-                                </p:cTn>
-                              </p:par>
-                              <p:par>
-                                <p:cTn id="7" presetID="1" presetClass="entr" presetSubtype="0" fill="hold" grpId="0" nodeType="withEffect">
-                                  <p:stCondLst>
-                                    <p:cond delay="0"/>
-                                  </p:stCondLst>
-                                  <p:childTnLst>
-                                    <p:set>
-                                      <p:cBhvr>
-                                        <p:cTn id="8" dur="1" fill="hold">
                                           <p:stCondLst>
                                             <p:cond delay="0"/>
                                           </p:stCondLst>
@@ -50041,26 +50017,26 @@
                     </p:cTn>
                   </p:par>
                   <p:par>
-                    <p:cTn id="9" fill="hold">
+                    <p:cTn id="7" fill="hold">
                       <p:stCondLst>
                         <p:cond delay="indefinite"/>
                       </p:stCondLst>
                       <p:childTnLst>
                         <p:par>
-                          <p:cTn id="10" fill="hold">
+                          <p:cTn id="8" fill="hold">
                             <p:stCondLst>
                               <p:cond delay="0"/>
                             </p:stCondLst>
                             <p:childTnLst>
                               <p:par>
-                                <p:cTn id="11" presetID="1" presetClass="entr" presetSubtype="0" fill="hold" grpId="0" nodeType="clickEffect">
+                                <p:cTn id="9" presetID="1" presetClass="entr" presetSubtype="0" fill="hold" grpId="0" nodeType="clickEffect">
                                   <p:stCondLst>
                                     <p:cond delay="0"/>
                                   </p:stCondLst>
                                   <p:childTnLst>
                                     <p:set>
                                       <p:cBhvr>
-                                        <p:cTn id="12" dur="1" fill="hold">
+                                        <p:cTn id="10" dur="1" fill="hold">
                                           <p:stCondLst>
                                             <p:cond delay="0"/>
                                           </p:stCondLst>
@@ -50080,14 +50056,14 @@
                                 </p:cTn>
                               </p:par>
                               <p:par>
-                                <p:cTn id="13" presetID="1" presetClass="entr" presetSubtype="0" fill="hold" grpId="0" nodeType="withEffect">
+                                <p:cTn id="11" presetID="1" presetClass="entr" presetSubtype="0" fill="hold" grpId="0" nodeType="withEffect">
                                   <p:stCondLst>
                                     <p:cond delay="0"/>
                                   </p:stCondLst>
                                   <p:childTnLst>
                                     <p:set>
                                       <p:cBhvr>
-                                        <p:cTn id="14" dur="1" fill="hold">
+                                        <p:cTn id="12" dur="1" fill="hold">
                                           <p:stCondLst>
                                             <p:cond delay="0"/>
                                           </p:stCondLst>
@@ -50113,19 +50089,46 @@
                     </p:cTn>
                   </p:par>
                   <p:par>
-                    <p:cTn id="15" fill="hold">
+                    <p:cTn id="13" fill="hold">
                       <p:stCondLst>
                         <p:cond delay="indefinite"/>
                       </p:stCondLst>
                       <p:childTnLst>
                         <p:par>
-                          <p:cTn id="16" fill="hold">
+                          <p:cTn id="14" fill="hold">
                             <p:stCondLst>
                               <p:cond delay="0"/>
                             </p:stCondLst>
                             <p:childTnLst>
                               <p:par>
-                                <p:cTn id="17" presetID="1" presetClass="entr" presetSubtype="0" fill="hold" grpId="0" nodeType="clickEffect">
+                                <p:cTn id="15" presetID="1" presetClass="entr" presetSubtype="0" fill="hold" nodeType="clickEffect">
+                                  <p:stCondLst>
+                                    <p:cond delay="0"/>
+                                  </p:stCondLst>
+                                  <p:childTnLst>
+                                    <p:set>
+                                      <p:cBhvr>
+                                        <p:cTn id="16" dur="1" fill="hold">
+                                          <p:stCondLst>
+                                            <p:cond delay="0"/>
+                                          </p:stCondLst>
+                                        </p:cTn>
+                                        <p:tgtEl>
+                                          <p:spTgt spid="9"/>
+                                        </p:tgtEl>
+                                        <p:attrNameLst>
+                                          <p:attrName>style.visibility</p:attrName>
+                                        </p:attrNameLst>
+                                      </p:cBhvr>
+                                      <p:to>
+                                        <p:strVal val="visible"/>
+                                      </p:to>
+                                    </p:set>
+                                  </p:childTnLst>
+                                </p:cTn>
+                              </p:par>
+                              <p:par>
+                                <p:cTn id="17" presetID="1" presetClass="entr" presetSubtype="0" fill="hold" grpId="0" nodeType="withEffect">
                                   <p:stCondLst>
                                     <p:cond delay="0"/>
                                   </p:stCondLst>
